--- a/fuzhou_telecom/ppt/fuzhou.pptx
+++ b/fuzhou_telecom/ppt/fuzhou.pptx
@@ -3,31 +3,41 @@
 <p:presentation xmlns:a="http://schemas.openxmlformats.org/drawingml/2006/main" xmlns:r="http://schemas.openxmlformats.org/officeDocument/2006/relationships" xmlns:p="http://schemas.openxmlformats.org/presentationml/2006/main">
   <p:sldMasterIdLst>
     <p:sldMasterId id="2147483648" r:id="rId1"/>
-    <p:sldMasterId id="2147483660" r:id="rId3"/>
-    <p:sldMasterId id="2147483672" r:id="rId4"/>
-    <p:sldMasterId id="2147483684" r:id="rId5"/>
-    <p:sldMasterId id="2147483696" r:id="rId6"/>
-    <p:sldMasterId id="2147483708" r:id="rId7"/>
-    <p:sldMasterId id="2147483720" r:id="rId8"/>
-    <p:sldMasterId id="2147483732" r:id="rId9"/>
-    <p:sldMasterId id="2147483744" r:id="rId10"/>
-    <p:sldMasterId id="2147483756" r:id="rId11"/>
-    <p:sldMasterId id="2147483768" r:id="rId12"/>
-    <p:sldMasterId id="2147483780" r:id="rId13"/>
-    <p:sldMasterId id="2147483792" r:id="rId14"/>
-    <p:sldMasterId id="2147483804" r:id="rId15"/>
+    <p:sldMasterId id="2147483660" r:id="rId2"/>
+    <p:sldMasterId id="2147483672" r:id="rId3"/>
+    <p:sldMasterId id="2147483684" r:id="rId4"/>
+    <p:sldMasterId id="2147483696" r:id="rId5"/>
+    <p:sldMasterId id="2147483708" r:id="rId6"/>
+    <p:sldMasterId id="2147483720" r:id="rId7"/>
+    <p:sldMasterId id="2147483732" r:id="rId8"/>
+    <p:sldMasterId id="2147483744" r:id="rId9"/>
+    <p:sldMasterId id="2147483756" r:id="rId10"/>
+    <p:sldMasterId id="2147483768" r:id="rId11"/>
+    <p:sldMasterId id="2147483780" r:id="rId12"/>
+    <p:sldMasterId id="2147483792" r:id="rId13"/>
+    <p:sldMasterId id="2147483804" r:id="rId14"/>
   </p:sldMasterIdLst>
   <p:notesMasterIdLst>
-    <p:notesMasterId r:id="rId17"/>
+    <p:notesMasterId r:id="rId32"/>
   </p:notesMasterIdLst>
   <p:sldIdLst>
-    <p:sldId id="258" r:id="rId16"/>
-    <p:sldId id="499" r:id="rId18"/>
-    <p:sldId id="502" r:id="rId19"/>
-    <p:sldId id="501" r:id="rId20"/>
-    <p:sldId id="498" r:id="rId21"/>
-    <p:sldId id="500" r:id="rId22"/>
-    <p:sldId id="354" r:id="rId23"/>
+    <p:sldId id="258" r:id="rId15"/>
+    <p:sldId id="499" r:id="rId16"/>
+    <p:sldId id="503" r:id="rId17"/>
+    <p:sldId id="504" r:id="rId18"/>
+    <p:sldId id="505" r:id="rId19"/>
+    <p:sldId id="506" r:id="rId20"/>
+    <p:sldId id="507" r:id="rId21"/>
+    <p:sldId id="510" r:id="rId22"/>
+    <p:sldId id="512" r:id="rId23"/>
+    <p:sldId id="511" r:id="rId24"/>
+    <p:sldId id="513" r:id="rId25"/>
+    <p:sldId id="514" r:id="rId26"/>
+    <p:sldId id="502" r:id="rId27"/>
+    <p:sldId id="501" r:id="rId28"/>
+    <p:sldId id="498" r:id="rId29"/>
+    <p:sldId id="500" r:id="rId30"/>
+    <p:sldId id="354" r:id="rId31"/>
   </p:sldIdLst>
   <p:sldSz cx="24384000" cy="13716000"/>
   <p:notesSz cx="6858000" cy="9144000"/>
@@ -225,6 +235,22 @@
       </a:defRPr>
     </a:lvl9pPr>
   </p:defaultTextStyle>
+  <p:extLst>
+    <p:ext uri="{EFAFB233-063F-42B5-8137-9DF3F51BA10A}">
+      <p15:sldGuideLst xmlns:p15="http://schemas.microsoft.com/office/powerpoint/2012/main">
+        <p15:guide id="1" orient="horz" pos="4350">
+          <p15:clr>
+            <a:srgbClr val="A4A3A4"/>
+          </p15:clr>
+        </p15:guide>
+        <p15:guide id="2" pos="7680">
+          <p15:clr>
+            <a:srgbClr val="A4A3A4"/>
+          </p15:clr>
+        </p15:guide>
+      </p15:sldGuideLst>
+    </p:ext>
+  </p:extLst>
 </p:presentation>
 </file>
 
@@ -310,6 +336,7 @@
           <a:p>
             <a:fld id="{D2A48B96-639E-45A3-A0BA-2464DFDB1FAA}" type="datetimeFigureOut">
               <a:rPr lang="zh-CN" altLang="en-US" smtClean="0"/>
+              <a:t>2018/6/8</a:t>
             </a:fld>
             <a:endParaRPr lang="zh-CN" altLang="en-US"/>
           </a:p>
@@ -376,7 +403,6 @@
               <a:rPr lang="zh-CN" altLang="en-US" smtClean="0"/>
               <a:t>单击此处编辑母版文本样式</a:t>
             </a:r>
-            <a:endParaRPr lang="zh-CN" altLang="en-US" smtClean="0"/>
           </a:p>
           <a:p>
             <a:pPr lvl="1"/>
@@ -384,7 +410,6 @@
               <a:rPr lang="zh-CN" altLang="en-US" smtClean="0"/>
               <a:t>第二级</a:t>
             </a:r>
-            <a:endParaRPr lang="zh-CN" altLang="en-US" smtClean="0"/>
           </a:p>
           <a:p>
             <a:pPr lvl="2"/>
@@ -392,7 +417,6 @@
               <a:rPr lang="zh-CN" altLang="en-US" smtClean="0"/>
               <a:t>第三级</a:t>
             </a:r>
-            <a:endParaRPr lang="zh-CN" altLang="en-US" smtClean="0"/>
           </a:p>
           <a:p>
             <a:pPr lvl="3"/>
@@ -400,7 +424,6 @@
               <a:rPr lang="zh-CN" altLang="en-US" smtClean="0"/>
               <a:t>第四级</a:t>
             </a:r>
-            <a:endParaRPr lang="zh-CN" altLang="en-US" smtClean="0"/>
           </a:p>
           <a:p>
             <a:pPr lvl="4"/>
@@ -472,12 +495,18 @@
           <a:p>
             <a:fld id="{A6837353-30EB-4A48-80EB-173D804AEFBD}" type="slidenum">
               <a:rPr lang="zh-CN" altLang="en-US" smtClean="0"/>
+              <a:t>‹#›</a:t>
             </a:fld>
             <a:endParaRPr lang="zh-CN" altLang="en-US"/>
           </a:p>
         </p:txBody>
       </p:sp>
     </p:spTree>
+    <p:extLst>
+      <p:ext uri="{BB962C8B-B14F-4D97-AF65-F5344CB8AC3E}">
+        <p14:creationId xmlns:p14="http://schemas.microsoft.com/office/powerpoint/2010/main" val="535513034"/>
+      </p:ext>
+    </p:extLst>
   </p:cSld>
   <p:clrMap bg1="lt1" tx1="dk1" bg2="lt2" tx2="dk2" accent1="accent1" accent2="accent2" accent3="accent3" accent4="accent4" accent5="accent5" accent6="accent6" hlink="hlink" folHlink="folHlink"/>
   <p:notesStyle>
@@ -584,11 +613,20 @@
         <p:cNvGrpSpPr/>
         <p:nvPr/>
       </p:nvGrpSpPr>
-      <p:grpSpPr/>
+      <p:grpSpPr>
+        <a:xfrm>
+          <a:off x="0" y="0"/>
+          <a:ext cx="0" cy="0"/>
+          <a:chOff x="0" y="0"/>
+          <a:chExt cx="0" cy="0"/>
+        </a:xfrm>
+      </p:grpSpPr>
       <p:sp>
         <p:nvSpPr>
           <p:cNvPr id="2" name="幻灯片图像占位符 1"/>
-          <p:cNvSpPr/>
+          <p:cNvSpPr>
+            <a:spLocks noGrp="1" noRot="1" noChangeAspect="1"/>
+          </p:cNvSpPr>
           <p:nvPr>
             <p:ph type="sldImg" idx="2"/>
           </p:nvPr>
@@ -598,7 +636,9 @@
       <p:sp>
         <p:nvSpPr>
           <p:cNvPr id="3" name="文本占位符 2"/>
-          <p:cNvSpPr/>
+          <p:cNvSpPr>
+            <a:spLocks noGrp="1"/>
+          </p:cNvSpPr>
           <p:nvPr>
             <p:ph type="body" idx="3"/>
           </p:nvPr>
@@ -606,12 +646,18 @@
         <p:spPr/>
         <p:txBody>
           <a:bodyPr/>
+          <a:lstStyle/>
           <a:p>
             <a:endParaRPr lang="zh-CN" altLang="zh-CN"/>
           </a:p>
         </p:txBody>
       </p:sp>
     </p:spTree>
+    <p:extLst>
+      <p:ext uri="{BB962C8B-B14F-4D97-AF65-F5344CB8AC3E}">
+        <p14:creationId xmlns:p14="http://schemas.microsoft.com/office/powerpoint/2010/main" val="3572603575"/>
+      </p:ext>
+    </p:extLst>
   </p:cSld>
   <p:clrMapOvr>
     <a:masterClrMapping/>
@@ -628,11 +674,20 @@
         <p:cNvGrpSpPr/>
         <p:nvPr/>
       </p:nvGrpSpPr>
-      <p:grpSpPr/>
+      <p:grpSpPr>
+        <a:xfrm>
+          <a:off x="0" y="0"/>
+          <a:ext cx="0" cy="0"/>
+          <a:chOff x="0" y="0"/>
+          <a:chExt cx="0" cy="0"/>
+        </a:xfrm>
+      </p:grpSpPr>
       <p:sp>
         <p:nvSpPr>
           <p:cNvPr id="2" name="幻灯片图像占位符 1"/>
-          <p:cNvSpPr/>
+          <p:cNvSpPr>
+            <a:spLocks noGrp="1" noRot="1" noChangeAspect="1"/>
+          </p:cNvSpPr>
           <p:nvPr>
             <p:ph type="sldImg" idx="2"/>
           </p:nvPr>
@@ -642,7 +697,9 @@
       <p:sp>
         <p:nvSpPr>
           <p:cNvPr id="3" name="文本占位符 2"/>
-          <p:cNvSpPr/>
+          <p:cNvSpPr>
+            <a:spLocks noGrp="1"/>
+          </p:cNvSpPr>
           <p:nvPr>
             <p:ph type="body" idx="3"/>
           </p:nvPr>
@@ -650,12 +707,18 @@
         <p:spPr/>
         <p:txBody>
           <a:bodyPr/>
+          <a:lstStyle/>
           <a:p>
             <a:endParaRPr lang="zh-CN" altLang="zh-CN"/>
           </a:p>
         </p:txBody>
       </p:sp>
     </p:spTree>
+    <p:extLst>
+      <p:ext uri="{BB962C8B-B14F-4D97-AF65-F5344CB8AC3E}">
+        <p14:creationId xmlns:p14="http://schemas.microsoft.com/office/powerpoint/2010/main" val="1494526880"/>
+      </p:ext>
+    </p:extLst>
   </p:cSld>
   <p:clrMapOvr>
     <a:masterClrMapping/>
@@ -672,11 +735,20 @@
         <p:cNvGrpSpPr/>
         <p:nvPr/>
       </p:nvGrpSpPr>
-      <p:grpSpPr/>
+      <p:grpSpPr>
+        <a:xfrm>
+          <a:off x="0" y="0"/>
+          <a:ext cx="0" cy="0"/>
+          <a:chOff x="0" y="0"/>
+          <a:chExt cx="0" cy="0"/>
+        </a:xfrm>
+      </p:grpSpPr>
       <p:sp>
         <p:nvSpPr>
           <p:cNvPr id="2" name="幻灯片图像占位符 1"/>
-          <p:cNvSpPr/>
+          <p:cNvSpPr>
+            <a:spLocks noGrp="1" noRot="1" noChangeAspect="1"/>
+          </p:cNvSpPr>
           <p:nvPr>
             <p:ph type="sldImg" idx="2"/>
           </p:nvPr>
@@ -686,7 +758,9 @@
       <p:sp>
         <p:nvSpPr>
           <p:cNvPr id="3" name="文本占位符 2"/>
-          <p:cNvSpPr/>
+          <p:cNvSpPr>
+            <a:spLocks noGrp="1"/>
+          </p:cNvSpPr>
           <p:nvPr>
             <p:ph type="body" idx="3"/>
           </p:nvPr>
@@ -694,12 +768,18 @@
         <p:spPr/>
         <p:txBody>
           <a:bodyPr/>
+          <a:lstStyle/>
           <a:p>
             <a:endParaRPr lang="zh-CN" altLang="zh-CN"/>
           </a:p>
         </p:txBody>
       </p:sp>
     </p:spTree>
+    <p:extLst>
+      <p:ext uri="{BB962C8B-B14F-4D97-AF65-F5344CB8AC3E}">
+        <p14:creationId xmlns:p14="http://schemas.microsoft.com/office/powerpoint/2010/main" val="670353016"/>
+      </p:ext>
+    </p:extLst>
   </p:cSld>
   <p:clrMapOvr>
     <a:masterClrMapping/>
@@ -716,11 +796,20 @@
         <p:cNvGrpSpPr/>
         <p:nvPr/>
       </p:nvGrpSpPr>
-      <p:grpSpPr/>
+      <p:grpSpPr>
+        <a:xfrm>
+          <a:off x="0" y="0"/>
+          <a:ext cx="0" cy="0"/>
+          <a:chOff x="0" y="0"/>
+          <a:chExt cx="0" cy="0"/>
+        </a:xfrm>
+      </p:grpSpPr>
       <p:sp>
         <p:nvSpPr>
           <p:cNvPr id="2" name="幻灯片图像占位符 1"/>
-          <p:cNvSpPr/>
+          <p:cNvSpPr>
+            <a:spLocks noGrp="1" noRot="1" noChangeAspect="1"/>
+          </p:cNvSpPr>
           <p:nvPr>
             <p:ph type="sldImg" idx="2"/>
           </p:nvPr>
@@ -730,7 +819,9 @@
       <p:sp>
         <p:nvSpPr>
           <p:cNvPr id="3" name="文本占位符 2"/>
-          <p:cNvSpPr/>
+          <p:cNvSpPr>
+            <a:spLocks noGrp="1"/>
+          </p:cNvSpPr>
           <p:nvPr>
             <p:ph type="body" idx="3"/>
           </p:nvPr>
@@ -738,12 +829,18 @@
         <p:spPr/>
         <p:txBody>
           <a:bodyPr/>
+          <a:lstStyle/>
           <a:p>
             <a:endParaRPr lang="zh-CN" altLang="zh-CN"/>
           </a:p>
         </p:txBody>
       </p:sp>
     </p:spTree>
+    <p:extLst>
+      <p:ext uri="{BB962C8B-B14F-4D97-AF65-F5344CB8AC3E}">
+        <p14:creationId xmlns:p14="http://schemas.microsoft.com/office/powerpoint/2010/main" val="333427601"/>
+      </p:ext>
+    </p:extLst>
   </p:cSld>
   <p:clrMapOvr>
     <a:masterClrMapping/>
@@ -760,11 +857,20 @@
         <p:cNvGrpSpPr/>
         <p:nvPr/>
       </p:nvGrpSpPr>
-      <p:grpSpPr/>
+      <p:grpSpPr>
+        <a:xfrm>
+          <a:off x="0" y="0"/>
+          <a:ext cx="0" cy="0"/>
+          <a:chOff x="0" y="0"/>
+          <a:chExt cx="0" cy="0"/>
+        </a:xfrm>
+      </p:grpSpPr>
       <p:sp>
         <p:nvSpPr>
           <p:cNvPr id="2" name="幻灯片图像占位符 1"/>
-          <p:cNvSpPr/>
+          <p:cNvSpPr>
+            <a:spLocks noGrp="1" noRot="1" noChangeAspect="1"/>
+          </p:cNvSpPr>
           <p:nvPr>
             <p:ph type="sldImg" idx="2"/>
           </p:nvPr>
@@ -774,7 +880,9 @@
       <p:sp>
         <p:nvSpPr>
           <p:cNvPr id="3" name="文本占位符 2"/>
-          <p:cNvSpPr/>
+          <p:cNvSpPr>
+            <a:spLocks noGrp="1"/>
+          </p:cNvSpPr>
           <p:nvPr>
             <p:ph type="body" idx="3"/>
           </p:nvPr>
@@ -782,12 +890,18 @@
         <p:spPr/>
         <p:txBody>
           <a:bodyPr/>
+          <a:lstStyle/>
           <a:p>
             <a:endParaRPr lang="zh-CN" altLang="zh-CN"/>
           </a:p>
         </p:txBody>
       </p:sp>
     </p:spTree>
+    <p:extLst>
+      <p:ext uri="{BB962C8B-B14F-4D97-AF65-F5344CB8AC3E}">
+        <p14:creationId xmlns:p14="http://schemas.microsoft.com/office/powerpoint/2010/main" val="1818713149"/>
+      </p:ext>
+    </p:extLst>
   </p:cSld>
   <p:clrMapOvr>
     <a:masterClrMapping/>
@@ -804,11 +918,20 @@
         <p:cNvGrpSpPr/>
         <p:nvPr/>
       </p:nvGrpSpPr>
-      <p:grpSpPr/>
+      <p:grpSpPr>
+        <a:xfrm>
+          <a:off x="0" y="0"/>
+          <a:ext cx="0" cy="0"/>
+          <a:chOff x="0" y="0"/>
+          <a:chExt cx="0" cy="0"/>
+        </a:xfrm>
+      </p:grpSpPr>
       <p:sp>
         <p:nvSpPr>
           <p:cNvPr id="2" name="幻灯片图像占位符 1"/>
-          <p:cNvSpPr/>
+          <p:cNvSpPr>
+            <a:spLocks noGrp="1" noRot="1" noChangeAspect="1"/>
+          </p:cNvSpPr>
           <p:nvPr>
             <p:ph type="sldImg" idx="2"/>
           </p:nvPr>
@@ -818,7 +941,9 @@
       <p:sp>
         <p:nvSpPr>
           <p:cNvPr id="3" name="文本占位符 2"/>
-          <p:cNvSpPr/>
+          <p:cNvSpPr>
+            <a:spLocks noGrp="1"/>
+          </p:cNvSpPr>
           <p:nvPr>
             <p:ph type="body" idx="3"/>
           </p:nvPr>
@@ -826,12 +951,140 @@
         <p:spPr/>
         <p:txBody>
           <a:bodyPr/>
+          <a:lstStyle/>
           <a:p>
             <a:endParaRPr lang="zh-CN" altLang="zh-CN"/>
           </a:p>
         </p:txBody>
       </p:sp>
     </p:spTree>
+    <p:extLst>
+      <p:ext uri="{BB962C8B-B14F-4D97-AF65-F5344CB8AC3E}">
+        <p14:creationId xmlns:p14="http://schemas.microsoft.com/office/powerpoint/2010/main" val="2136940713"/>
+      </p:ext>
+    </p:extLst>
+  </p:cSld>
+  <p:clrMapOvr>
+    <a:masterClrMapping/>
+  </p:clrMapOvr>
+</p:notes>
+</file>
+
+<file path=ppt/notesSlides/notesSlide7.xml><?xml version="1.0" encoding="utf-8"?>
+<p:notes xmlns:a="http://schemas.openxmlformats.org/drawingml/2006/main" xmlns:r="http://schemas.openxmlformats.org/officeDocument/2006/relationships" xmlns:p="http://schemas.openxmlformats.org/presentationml/2006/main">
+  <p:cSld>
+    <p:spTree>
+      <p:nvGrpSpPr>
+        <p:cNvPr id="1" name=""/>
+        <p:cNvGrpSpPr/>
+        <p:nvPr/>
+      </p:nvGrpSpPr>
+      <p:grpSpPr>
+        <a:xfrm>
+          <a:off x="0" y="0"/>
+          <a:ext cx="0" cy="0"/>
+          <a:chOff x="0" y="0"/>
+          <a:chExt cx="0" cy="0"/>
+        </a:xfrm>
+      </p:grpSpPr>
+      <p:sp>
+        <p:nvSpPr>
+          <p:cNvPr id="2" name="幻灯片图像占位符 1"/>
+          <p:cNvSpPr>
+            <a:spLocks noGrp="1" noRot="1" noChangeAspect="1"/>
+          </p:cNvSpPr>
+          <p:nvPr>
+            <p:ph type="sldImg" idx="2"/>
+          </p:nvPr>
+        </p:nvSpPr>
+        <p:spPr/>
+      </p:sp>
+      <p:sp>
+        <p:nvSpPr>
+          <p:cNvPr id="3" name="文本占位符 2"/>
+          <p:cNvSpPr>
+            <a:spLocks noGrp="1"/>
+          </p:cNvSpPr>
+          <p:nvPr>
+            <p:ph type="body" idx="3"/>
+          </p:nvPr>
+        </p:nvSpPr>
+        <p:spPr/>
+        <p:txBody>
+          <a:bodyPr/>
+          <a:lstStyle/>
+          <a:p>
+            <a:endParaRPr lang="zh-CN" altLang="zh-CN"/>
+          </a:p>
+        </p:txBody>
+      </p:sp>
+    </p:spTree>
+    <p:extLst>
+      <p:ext uri="{BB962C8B-B14F-4D97-AF65-F5344CB8AC3E}">
+        <p14:creationId xmlns:p14="http://schemas.microsoft.com/office/powerpoint/2010/main" val="508784217"/>
+      </p:ext>
+    </p:extLst>
+  </p:cSld>
+  <p:clrMapOvr>
+    <a:masterClrMapping/>
+  </p:clrMapOvr>
+</p:notes>
+</file>
+
+<file path=ppt/notesSlides/notesSlide8.xml><?xml version="1.0" encoding="utf-8"?>
+<p:notes xmlns:a="http://schemas.openxmlformats.org/drawingml/2006/main" xmlns:r="http://schemas.openxmlformats.org/officeDocument/2006/relationships" xmlns:p="http://schemas.openxmlformats.org/presentationml/2006/main">
+  <p:cSld>
+    <p:spTree>
+      <p:nvGrpSpPr>
+        <p:cNvPr id="1" name=""/>
+        <p:cNvGrpSpPr/>
+        <p:nvPr/>
+      </p:nvGrpSpPr>
+      <p:grpSpPr>
+        <a:xfrm>
+          <a:off x="0" y="0"/>
+          <a:ext cx="0" cy="0"/>
+          <a:chOff x="0" y="0"/>
+          <a:chExt cx="0" cy="0"/>
+        </a:xfrm>
+      </p:grpSpPr>
+      <p:sp>
+        <p:nvSpPr>
+          <p:cNvPr id="2" name="幻灯片图像占位符 1"/>
+          <p:cNvSpPr>
+            <a:spLocks noGrp="1" noRot="1" noChangeAspect="1"/>
+          </p:cNvSpPr>
+          <p:nvPr>
+            <p:ph type="sldImg" idx="2"/>
+          </p:nvPr>
+        </p:nvSpPr>
+        <p:spPr/>
+      </p:sp>
+      <p:sp>
+        <p:nvSpPr>
+          <p:cNvPr id="3" name="文本占位符 2"/>
+          <p:cNvSpPr>
+            <a:spLocks noGrp="1"/>
+          </p:cNvSpPr>
+          <p:nvPr>
+            <p:ph type="body" idx="3"/>
+          </p:nvPr>
+        </p:nvSpPr>
+        <p:spPr/>
+        <p:txBody>
+          <a:bodyPr/>
+          <a:lstStyle/>
+          <a:p>
+            <a:endParaRPr lang="zh-CN" altLang="zh-CN"/>
+          </a:p>
+        </p:txBody>
+      </p:sp>
+    </p:spTree>
+    <p:extLst>
+      <p:ext uri="{BB962C8B-B14F-4D97-AF65-F5344CB8AC3E}">
+        <p14:creationId xmlns:p14="http://schemas.microsoft.com/office/powerpoint/2010/main" val="2047435054"/>
+      </p:ext>
+    </p:extLst>
   </p:cSld>
   <p:clrMapOvr>
     <a:masterClrMapping/>
@@ -1044,7 +1297,6 @@
               <a:rPr lang="zh-CN" altLang="en-US" smtClean="0"/>
               <a:t>单击此处编辑母版文本样式</a:t>
             </a:r>
-            <a:endParaRPr lang="zh-CN" altLang="en-US" smtClean="0"/>
           </a:p>
           <a:p>
             <a:pPr lvl="1"/>
@@ -1052,7 +1304,6 @@
               <a:rPr lang="zh-CN" altLang="en-US" smtClean="0"/>
               <a:t>第二级</a:t>
             </a:r>
-            <a:endParaRPr lang="zh-CN" altLang="en-US" smtClean="0"/>
           </a:p>
           <a:p>
             <a:pPr lvl="2"/>
@@ -1060,7 +1311,6 @@
               <a:rPr lang="zh-CN" altLang="en-US" smtClean="0"/>
               <a:t>第三级</a:t>
             </a:r>
-            <a:endParaRPr lang="zh-CN" altLang="en-US" smtClean="0"/>
           </a:p>
           <a:p>
             <a:pPr lvl="3"/>
@@ -1068,7 +1318,6 @@
               <a:rPr lang="zh-CN" altLang="en-US" smtClean="0"/>
               <a:t>第四级</a:t>
             </a:r>
-            <a:endParaRPr lang="zh-CN" altLang="en-US" smtClean="0"/>
           </a:p>
           <a:p>
             <a:pPr lvl="4"/>
@@ -1283,7 +1532,6 @@
               <a:rPr lang="zh-CN" altLang="en-US" smtClean="0"/>
               <a:t>单击此处编辑母版文本样式</a:t>
             </a:r>
-            <a:endParaRPr lang="zh-CN" altLang="en-US" smtClean="0"/>
           </a:p>
           <a:p>
             <a:pPr lvl="1"/>
@@ -1291,7 +1539,6 @@
               <a:rPr lang="zh-CN" altLang="en-US" smtClean="0"/>
               <a:t>第二级</a:t>
             </a:r>
-            <a:endParaRPr lang="zh-CN" altLang="en-US" smtClean="0"/>
           </a:p>
           <a:p>
             <a:pPr lvl="2"/>
@@ -1299,7 +1546,6 @@
               <a:rPr lang="zh-CN" altLang="en-US" smtClean="0"/>
               <a:t>第三级</a:t>
             </a:r>
-            <a:endParaRPr lang="zh-CN" altLang="en-US" smtClean="0"/>
           </a:p>
           <a:p>
             <a:pPr lvl="3"/>
@@ -1307,7 +1553,6 @@
               <a:rPr lang="zh-CN" altLang="en-US" smtClean="0"/>
               <a:t>第四级</a:t>
             </a:r>
-            <a:endParaRPr lang="zh-CN" altLang="en-US" smtClean="0"/>
           </a:p>
           <a:p>
             <a:pPr lvl="4"/>
@@ -1442,7 +1687,6 @@
               <a:rPr lang="zh-CN" altLang="en-US" smtClean="0"/>
               <a:t>单击此处编辑母版文本样式</a:t>
             </a:r>
-            <a:endParaRPr lang="zh-CN" altLang="en-US" smtClean="0"/>
           </a:p>
         </p:txBody>
       </p:sp>
@@ -1528,7 +1772,6 @@
               <a:rPr lang="zh-CN" altLang="en-US" smtClean="0"/>
               <a:t>单击此处编辑母版文本样式</a:t>
             </a:r>
-            <a:endParaRPr lang="zh-CN" altLang="en-US" smtClean="0"/>
           </a:p>
           <a:p>
             <a:pPr lvl="1"/>
@@ -1536,7 +1779,6 @@
               <a:rPr lang="zh-CN" altLang="en-US" smtClean="0"/>
               <a:t>第二级</a:t>
             </a:r>
-            <a:endParaRPr lang="zh-CN" altLang="en-US" smtClean="0"/>
           </a:p>
           <a:p>
             <a:pPr lvl="2"/>
@@ -1544,7 +1786,6 @@
               <a:rPr lang="zh-CN" altLang="en-US" smtClean="0"/>
               <a:t>第三级</a:t>
             </a:r>
-            <a:endParaRPr lang="zh-CN" altLang="en-US" smtClean="0"/>
           </a:p>
           <a:p>
             <a:pPr lvl="3"/>
@@ -1552,7 +1793,6 @@
               <a:rPr lang="zh-CN" altLang="en-US" smtClean="0"/>
               <a:t>第四级</a:t>
             </a:r>
-            <a:endParaRPr lang="zh-CN" altLang="en-US" smtClean="0"/>
           </a:p>
           <a:p>
             <a:pPr lvl="4"/>
@@ -1589,7 +1829,6 @@
               <a:rPr lang="zh-CN" altLang="en-US" smtClean="0"/>
               <a:t>单击此处编辑母版文本样式</a:t>
             </a:r>
-            <a:endParaRPr lang="zh-CN" altLang="en-US" smtClean="0"/>
           </a:p>
           <a:p>
             <a:pPr lvl="1"/>
@@ -1597,7 +1836,6 @@
               <a:rPr lang="zh-CN" altLang="en-US" smtClean="0"/>
               <a:t>第二级</a:t>
             </a:r>
-            <a:endParaRPr lang="zh-CN" altLang="en-US" smtClean="0"/>
           </a:p>
           <a:p>
             <a:pPr lvl="2"/>
@@ -1605,7 +1843,6 @@
               <a:rPr lang="zh-CN" altLang="en-US" smtClean="0"/>
               <a:t>第三级</a:t>
             </a:r>
-            <a:endParaRPr lang="zh-CN" altLang="en-US" smtClean="0"/>
           </a:p>
           <a:p>
             <a:pPr lvl="3"/>
@@ -1613,7 +1850,6 @@
               <a:rPr lang="zh-CN" altLang="en-US" smtClean="0"/>
               <a:t>第四级</a:t>
             </a:r>
-            <a:endParaRPr lang="zh-CN" altLang="en-US" smtClean="0"/>
           </a:p>
           <a:p>
             <a:pPr lvl="4"/>
@@ -1744,7 +1980,6 @@
               <a:rPr lang="zh-CN" altLang="en-US" smtClean="0"/>
               <a:t>单击此处编辑母版文本样式</a:t>
             </a:r>
-            <a:endParaRPr lang="zh-CN" altLang="en-US" smtClean="0"/>
           </a:p>
         </p:txBody>
       </p:sp>
@@ -1773,7 +2008,6 @@
               <a:rPr lang="zh-CN" altLang="en-US" smtClean="0"/>
               <a:t>单击此处编辑母版文本样式</a:t>
             </a:r>
-            <a:endParaRPr lang="zh-CN" altLang="en-US" smtClean="0"/>
           </a:p>
           <a:p>
             <a:pPr lvl="1"/>
@@ -1781,7 +2015,6 @@
               <a:rPr lang="zh-CN" altLang="en-US" smtClean="0"/>
               <a:t>第二级</a:t>
             </a:r>
-            <a:endParaRPr lang="zh-CN" altLang="en-US" smtClean="0"/>
           </a:p>
           <a:p>
             <a:pPr lvl="2"/>
@@ -1789,7 +2022,6 @@
               <a:rPr lang="zh-CN" altLang="en-US" smtClean="0"/>
               <a:t>第三级</a:t>
             </a:r>
-            <a:endParaRPr lang="zh-CN" altLang="en-US" smtClean="0"/>
           </a:p>
           <a:p>
             <a:pPr lvl="3"/>
@@ -1797,7 +2029,6 @@
               <a:rPr lang="zh-CN" altLang="en-US" smtClean="0"/>
               <a:t>第四级</a:t>
             </a:r>
-            <a:endParaRPr lang="zh-CN" altLang="en-US" smtClean="0"/>
           </a:p>
           <a:p>
             <a:pPr lvl="4"/>
@@ -1871,7 +2102,6 @@
               <a:rPr lang="zh-CN" altLang="en-US" smtClean="0"/>
               <a:t>单击此处编辑母版文本样式</a:t>
             </a:r>
-            <a:endParaRPr lang="zh-CN" altLang="en-US" smtClean="0"/>
           </a:p>
         </p:txBody>
       </p:sp>
@@ -1900,7 +2130,6 @@
               <a:rPr lang="zh-CN" altLang="en-US" smtClean="0"/>
               <a:t>单击此处编辑母版文本样式</a:t>
             </a:r>
-            <a:endParaRPr lang="zh-CN" altLang="en-US" smtClean="0"/>
           </a:p>
           <a:p>
             <a:pPr lvl="1"/>
@@ -1908,7 +2137,6 @@
               <a:rPr lang="zh-CN" altLang="en-US" smtClean="0"/>
               <a:t>第二级</a:t>
             </a:r>
-            <a:endParaRPr lang="zh-CN" altLang="en-US" smtClean="0"/>
           </a:p>
           <a:p>
             <a:pPr lvl="2"/>
@@ -1916,7 +2144,6 @@
               <a:rPr lang="zh-CN" altLang="en-US" smtClean="0"/>
               <a:t>第三级</a:t>
             </a:r>
-            <a:endParaRPr lang="zh-CN" altLang="en-US" smtClean="0"/>
           </a:p>
           <a:p>
             <a:pPr lvl="3"/>
@@ -1924,7 +2151,6 @@
               <a:rPr lang="zh-CN" altLang="en-US" smtClean="0"/>
               <a:t>第四级</a:t>
             </a:r>
-            <a:endParaRPr lang="zh-CN" altLang="en-US" smtClean="0"/>
           </a:p>
           <a:p>
             <a:pPr lvl="4"/>
@@ -2133,7 +2359,6 @@
               <a:rPr lang="zh-CN" altLang="en-US" smtClean="0"/>
               <a:t>单击此处编辑母版文本样式</a:t>
             </a:r>
-            <a:endParaRPr lang="zh-CN" altLang="en-US" smtClean="0"/>
           </a:p>
           <a:p>
             <a:pPr lvl="1"/>
@@ -2141,7 +2366,6 @@
               <a:rPr lang="zh-CN" altLang="en-US" smtClean="0"/>
               <a:t>第二级</a:t>
             </a:r>
-            <a:endParaRPr lang="zh-CN" altLang="en-US" smtClean="0"/>
           </a:p>
           <a:p>
             <a:pPr lvl="2"/>
@@ -2149,7 +2373,6 @@
               <a:rPr lang="zh-CN" altLang="en-US" smtClean="0"/>
               <a:t>第三级</a:t>
             </a:r>
-            <a:endParaRPr lang="zh-CN" altLang="en-US" smtClean="0"/>
           </a:p>
           <a:p>
             <a:pPr lvl="3"/>
@@ -2157,7 +2380,6 @@
               <a:rPr lang="zh-CN" altLang="en-US" smtClean="0"/>
               <a:t>第四级</a:t>
             </a:r>
-            <a:endParaRPr lang="zh-CN" altLang="en-US" smtClean="0"/>
           </a:p>
           <a:p>
             <a:pPr lvl="4"/>
@@ -2231,7 +2453,6 @@
               <a:rPr lang="zh-CN" altLang="en-US" smtClean="0"/>
               <a:t>单击此处编辑母版文本样式</a:t>
             </a:r>
-            <a:endParaRPr lang="zh-CN" altLang="en-US" smtClean="0"/>
           </a:p>
         </p:txBody>
       </p:sp>
@@ -2449,7 +2670,6 @@
               <a:rPr lang="zh-CN" altLang="en-US" smtClean="0"/>
               <a:t>单击此处编辑母版文本样式</a:t>
             </a:r>
-            <a:endParaRPr lang="zh-CN" altLang="en-US" smtClean="0"/>
           </a:p>
         </p:txBody>
       </p:sp>
@@ -2530,7 +2750,6 @@
               <a:rPr lang="zh-CN" altLang="en-US" smtClean="0"/>
               <a:t>单击此处编辑母版文本样式</a:t>
             </a:r>
-            <a:endParaRPr lang="zh-CN" altLang="en-US" smtClean="0"/>
           </a:p>
           <a:p>
             <a:pPr lvl="1"/>
@@ -2538,7 +2757,6 @@
               <a:rPr lang="zh-CN" altLang="en-US" smtClean="0"/>
               <a:t>第二级</a:t>
             </a:r>
-            <a:endParaRPr lang="zh-CN" altLang="en-US" smtClean="0"/>
           </a:p>
           <a:p>
             <a:pPr lvl="2"/>
@@ -2546,7 +2764,6 @@
               <a:rPr lang="zh-CN" altLang="en-US" smtClean="0"/>
               <a:t>第三级</a:t>
             </a:r>
-            <a:endParaRPr lang="zh-CN" altLang="en-US" smtClean="0"/>
           </a:p>
           <a:p>
             <a:pPr lvl="3"/>
@@ -2554,7 +2771,6 @@
               <a:rPr lang="zh-CN" altLang="en-US" smtClean="0"/>
               <a:t>第四级</a:t>
             </a:r>
-            <a:endParaRPr lang="zh-CN" altLang="en-US" smtClean="0"/>
           </a:p>
           <a:p>
             <a:pPr lvl="4"/>
@@ -2651,7 +2867,6 @@
               <a:rPr lang="zh-CN" altLang="en-US" smtClean="0"/>
               <a:t>单击此处编辑母版文本样式</a:t>
             </a:r>
-            <a:endParaRPr lang="zh-CN" altLang="en-US" smtClean="0"/>
           </a:p>
           <a:p>
             <a:pPr lvl="1"/>
@@ -2659,7 +2874,6 @@
               <a:rPr lang="zh-CN" altLang="en-US" smtClean="0"/>
               <a:t>第二级</a:t>
             </a:r>
-            <a:endParaRPr lang="zh-CN" altLang="en-US" smtClean="0"/>
           </a:p>
           <a:p>
             <a:pPr lvl="2"/>
@@ -2667,7 +2881,6 @@
               <a:rPr lang="zh-CN" altLang="en-US" smtClean="0"/>
               <a:t>第三级</a:t>
             </a:r>
-            <a:endParaRPr lang="zh-CN" altLang="en-US" smtClean="0"/>
           </a:p>
           <a:p>
             <a:pPr lvl="3"/>
@@ -2675,7 +2888,6 @@
               <a:rPr lang="zh-CN" altLang="en-US" smtClean="0"/>
               <a:t>第四级</a:t>
             </a:r>
-            <a:endParaRPr lang="zh-CN" altLang="en-US" smtClean="0"/>
           </a:p>
           <a:p>
             <a:pPr lvl="4"/>
@@ -2769,7 +2981,6 @@
               <a:rPr lang="zh-CN" altLang="en-US" smtClean="0"/>
               <a:t>单击此处编辑母版文本样式</a:t>
             </a:r>
-            <a:endParaRPr lang="zh-CN" altLang="en-US" smtClean="0"/>
           </a:p>
           <a:p>
             <a:pPr lvl="1"/>
@@ -2777,7 +2988,6 @@
               <a:rPr lang="zh-CN" altLang="en-US" smtClean="0"/>
               <a:t>第二级</a:t>
             </a:r>
-            <a:endParaRPr lang="zh-CN" altLang="en-US" smtClean="0"/>
           </a:p>
           <a:p>
             <a:pPr lvl="2"/>
@@ -2785,7 +2995,6 @@
               <a:rPr lang="zh-CN" altLang="en-US" smtClean="0"/>
               <a:t>第三级</a:t>
             </a:r>
-            <a:endParaRPr lang="zh-CN" altLang="en-US" smtClean="0"/>
           </a:p>
           <a:p>
             <a:pPr lvl="3"/>
@@ -2793,7 +3002,6 @@
               <a:rPr lang="zh-CN" altLang="en-US" smtClean="0"/>
               <a:t>第四级</a:t>
             </a:r>
-            <a:endParaRPr lang="zh-CN" altLang="en-US" smtClean="0"/>
           </a:p>
           <a:p>
             <a:pPr lvl="4"/>
@@ -2997,7 +3205,6 @@
               <a:rPr lang="zh-CN" altLang="en-US" smtClean="0"/>
               <a:t>单击此处编辑母版文本样式</a:t>
             </a:r>
-            <a:endParaRPr lang="zh-CN" altLang="en-US" smtClean="0"/>
           </a:p>
           <a:p>
             <a:pPr lvl="1"/>
@@ -3005,7 +3212,6 @@
               <a:rPr lang="zh-CN" altLang="en-US" smtClean="0"/>
               <a:t>第二级</a:t>
             </a:r>
-            <a:endParaRPr lang="zh-CN" altLang="en-US" smtClean="0"/>
           </a:p>
           <a:p>
             <a:pPr lvl="2"/>
@@ -3013,7 +3219,6 @@
               <a:rPr lang="zh-CN" altLang="en-US" smtClean="0"/>
               <a:t>第三级</a:t>
             </a:r>
-            <a:endParaRPr lang="zh-CN" altLang="en-US" smtClean="0"/>
           </a:p>
           <a:p>
             <a:pPr lvl="3"/>
@@ -3021,7 +3226,6 @@
               <a:rPr lang="zh-CN" altLang="en-US" smtClean="0"/>
               <a:t>第四级</a:t>
             </a:r>
-            <a:endParaRPr lang="zh-CN" altLang="en-US" smtClean="0"/>
           </a:p>
           <a:p>
             <a:pPr lvl="4"/>
@@ -3153,7 +3357,6 @@
               <a:rPr lang="zh-CN" altLang="en-US" smtClean="0"/>
               <a:t>单击此处编辑母版文本样式</a:t>
             </a:r>
-            <a:endParaRPr lang="zh-CN" altLang="en-US" smtClean="0"/>
           </a:p>
         </p:txBody>
       </p:sp>
@@ -3231,7 +3434,6 @@
               <a:rPr lang="zh-CN" altLang="en-US" smtClean="0"/>
               <a:t>单击此处编辑母版文本样式</a:t>
             </a:r>
-            <a:endParaRPr lang="zh-CN" altLang="en-US" smtClean="0"/>
           </a:p>
           <a:p>
             <a:pPr lvl="1"/>
@@ -3239,7 +3441,6 @@
               <a:rPr lang="zh-CN" altLang="en-US" smtClean="0"/>
               <a:t>第二级</a:t>
             </a:r>
-            <a:endParaRPr lang="zh-CN" altLang="en-US" smtClean="0"/>
           </a:p>
           <a:p>
             <a:pPr lvl="2"/>
@@ -3247,7 +3448,6 @@
               <a:rPr lang="zh-CN" altLang="en-US" smtClean="0"/>
               <a:t>第三级</a:t>
             </a:r>
-            <a:endParaRPr lang="zh-CN" altLang="en-US" smtClean="0"/>
           </a:p>
           <a:p>
             <a:pPr lvl="3"/>
@@ -3255,7 +3455,6 @@
               <a:rPr lang="zh-CN" altLang="en-US" smtClean="0"/>
               <a:t>第四级</a:t>
             </a:r>
-            <a:endParaRPr lang="zh-CN" altLang="en-US" smtClean="0"/>
           </a:p>
           <a:p>
             <a:pPr lvl="4"/>
@@ -3292,7 +3491,6 @@
               <a:rPr lang="zh-CN" altLang="en-US" smtClean="0"/>
               <a:t>单击此处编辑母版文本样式</a:t>
             </a:r>
-            <a:endParaRPr lang="zh-CN" altLang="en-US" smtClean="0"/>
           </a:p>
           <a:p>
             <a:pPr lvl="1"/>
@@ -3300,7 +3498,6 @@
               <a:rPr lang="zh-CN" altLang="en-US" smtClean="0"/>
               <a:t>第二级</a:t>
             </a:r>
-            <a:endParaRPr lang="zh-CN" altLang="en-US" smtClean="0"/>
           </a:p>
           <a:p>
             <a:pPr lvl="2"/>
@@ -3308,7 +3505,6 @@
               <a:rPr lang="zh-CN" altLang="en-US" smtClean="0"/>
               <a:t>第三级</a:t>
             </a:r>
-            <a:endParaRPr lang="zh-CN" altLang="en-US" smtClean="0"/>
           </a:p>
           <a:p>
             <a:pPr lvl="3"/>
@@ -3316,7 +3512,6 @@
               <a:rPr lang="zh-CN" altLang="en-US" smtClean="0"/>
               <a:t>第四级</a:t>
             </a:r>
-            <a:endParaRPr lang="zh-CN" altLang="en-US" smtClean="0"/>
           </a:p>
           <a:p>
             <a:pPr lvl="4"/>
@@ -3444,7 +3639,6 @@
               <a:rPr lang="zh-CN" altLang="en-US" smtClean="0"/>
               <a:t>单击此处编辑母版文本样式</a:t>
             </a:r>
-            <a:endParaRPr lang="zh-CN" altLang="en-US" smtClean="0"/>
           </a:p>
         </p:txBody>
       </p:sp>
@@ -3473,7 +3667,6 @@
               <a:rPr lang="zh-CN" altLang="en-US" smtClean="0"/>
               <a:t>单击此处编辑母版文本样式</a:t>
             </a:r>
-            <a:endParaRPr lang="zh-CN" altLang="en-US" smtClean="0"/>
           </a:p>
           <a:p>
             <a:pPr lvl="1"/>
@@ -3481,7 +3674,6 @@
               <a:rPr lang="zh-CN" altLang="en-US" smtClean="0"/>
               <a:t>第二级</a:t>
             </a:r>
-            <a:endParaRPr lang="zh-CN" altLang="en-US" smtClean="0"/>
           </a:p>
           <a:p>
             <a:pPr lvl="2"/>
@@ -3489,7 +3681,6 @@
               <a:rPr lang="zh-CN" altLang="en-US" smtClean="0"/>
               <a:t>第三级</a:t>
             </a:r>
-            <a:endParaRPr lang="zh-CN" altLang="en-US" smtClean="0"/>
           </a:p>
           <a:p>
             <a:pPr lvl="3"/>
@@ -3497,7 +3688,6 @@
               <a:rPr lang="zh-CN" altLang="en-US" smtClean="0"/>
               <a:t>第四级</a:t>
             </a:r>
-            <a:endParaRPr lang="zh-CN" altLang="en-US" smtClean="0"/>
           </a:p>
           <a:p>
             <a:pPr lvl="4"/>
@@ -3571,7 +3761,6 @@
               <a:rPr lang="zh-CN" altLang="en-US" smtClean="0"/>
               <a:t>单击此处编辑母版文本样式</a:t>
             </a:r>
-            <a:endParaRPr lang="zh-CN" altLang="en-US" smtClean="0"/>
           </a:p>
         </p:txBody>
       </p:sp>
@@ -3600,7 +3789,6 @@
               <a:rPr lang="zh-CN" altLang="en-US" smtClean="0"/>
               <a:t>单击此处编辑母版文本样式</a:t>
             </a:r>
-            <a:endParaRPr lang="zh-CN" altLang="en-US" smtClean="0"/>
           </a:p>
           <a:p>
             <a:pPr lvl="1"/>
@@ -3608,7 +3796,6 @@
               <a:rPr lang="zh-CN" altLang="en-US" smtClean="0"/>
               <a:t>第二级</a:t>
             </a:r>
-            <a:endParaRPr lang="zh-CN" altLang="en-US" smtClean="0"/>
           </a:p>
           <a:p>
             <a:pPr lvl="2"/>
@@ -3616,7 +3803,6 @@
               <a:rPr lang="zh-CN" altLang="en-US" smtClean="0"/>
               <a:t>第三级</a:t>
             </a:r>
-            <a:endParaRPr lang="zh-CN" altLang="en-US" smtClean="0"/>
           </a:p>
           <a:p>
             <a:pPr lvl="3"/>
@@ -3624,7 +3810,6 @@
               <a:rPr lang="zh-CN" altLang="en-US" smtClean="0"/>
               <a:t>第四级</a:t>
             </a:r>
-            <a:endParaRPr lang="zh-CN" altLang="en-US" smtClean="0"/>
           </a:p>
           <a:p>
             <a:pPr lvl="4"/>
@@ -3822,7 +4007,6 @@
               <a:rPr lang="zh-CN" altLang="en-US" smtClean="0"/>
               <a:t>单击此处编辑母版文本样式</a:t>
             </a:r>
-            <a:endParaRPr lang="zh-CN" altLang="en-US" smtClean="0"/>
           </a:p>
           <a:p>
             <a:pPr lvl="1"/>
@@ -3830,7 +4014,6 @@
               <a:rPr lang="zh-CN" altLang="en-US" smtClean="0"/>
               <a:t>第二级</a:t>
             </a:r>
-            <a:endParaRPr lang="zh-CN" altLang="en-US" smtClean="0"/>
           </a:p>
           <a:p>
             <a:pPr lvl="2"/>
@@ -3838,7 +4021,6 @@
               <a:rPr lang="zh-CN" altLang="en-US" smtClean="0"/>
               <a:t>第三级</a:t>
             </a:r>
-            <a:endParaRPr lang="zh-CN" altLang="en-US" smtClean="0"/>
           </a:p>
           <a:p>
             <a:pPr lvl="3"/>
@@ -3846,7 +4028,6 @@
               <a:rPr lang="zh-CN" altLang="en-US" smtClean="0"/>
               <a:t>第四级</a:t>
             </a:r>
-            <a:endParaRPr lang="zh-CN" altLang="en-US" smtClean="0"/>
           </a:p>
           <a:p>
             <a:pPr lvl="4"/>
@@ -3920,7 +4101,6 @@
               <a:rPr lang="zh-CN" altLang="en-US" smtClean="0"/>
               <a:t>单击此处编辑母版文本样式</a:t>
             </a:r>
-            <a:endParaRPr lang="zh-CN" altLang="en-US" smtClean="0"/>
           </a:p>
         </p:txBody>
       </p:sp>
@@ -4135,7 +4315,6 @@
               <a:rPr lang="zh-CN" altLang="en-US" smtClean="0"/>
               <a:t>单击此处编辑母版文本样式</a:t>
             </a:r>
-            <a:endParaRPr lang="zh-CN" altLang="en-US" smtClean="0"/>
           </a:p>
         </p:txBody>
       </p:sp>
@@ -4331,7 +4510,6 @@
               <a:rPr lang="zh-CN" altLang="en-US" smtClean="0"/>
               <a:t>单击此处编辑母版文本样式</a:t>
             </a:r>
-            <a:endParaRPr lang="zh-CN" altLang="en-US" smtClean="0"/>
           </a:p>
           <a:p>
             <a:pPr lvl="1"/>
@@ -4339,7 +4517,6 @@
               <a:rPr lang="zh-CN" altLang="en-US" smtClean="0"/>
               <a:t>第二级</a:t>
             </a:r>
-            <a:endParaRPr lang="zh-CN" altLang="en-US" smtClean="0"/>
           </a:p>
           <a:p>
             <a:pPr lvl="2"/>
@@ -4347,7 +4524,6 @@
               <a:rPr lang="zh-CN" altLang="en-US" smtClean="0"/>
               <a:t>第三级</a:t>
             </a:r>
-            <a:endParaRPr lang="zh-CN" altLang="en-US" smtClean="0"/>
           </a:p>
           <a:p>
             <a:pPr lvl="3"/>
@@ -4355,7 +4531,6 @@
               <a:rPr lang="zh-CN" altLang="en-US" smtClean="0"/>
               <a:t>第四级</a:t>
             </a:r>
-            <a:endParaRPr lang="zh-CN" altLang="en-US" smtClean="0"/>
           </a:p>
           <a:p>
             <a:pPr lvl="4"/>
@@ -4446,7 +4621,6 @@
               <a:rPr lang="zh-CN" altLang="en-US" smtClean="0"/>
               <a:t>单击此处编辑母版文本样式</a:t>
             </a:r>
-            <a:endParaRPr lang="zh-CN" altLang="en-US" smtClean="0"/>
           </a:p>
           <a:p>
             <a:pPr lvl="1"/>
@@ -4454,7 +4628,6 @@
               <a:rPr lang="zh-CN" altLang="en-US" smtClean="0"/>
               <a:t>第二级</a:t>
             </a:r>
-            <a:endParaRPr lang="zh-CN" altLang="en-US" smtClean="0"/>
           </a:p>
           <a:p>
             <a:pPr lvl="2"/>
@@ -4462,7 +4635,6 @@
               <a:rPr lang="zh-CN" altLang="en-US" smtClean="0"/>
               <a:t>第三级</a:t>
             </a:r>
-            <a:endParaRPr lang="zh-CN" altLang="en-US" smtClean="0"/>
           </a:p>
           <a:p>
             <a:pPr lvl="3"/>
@@ -4470,7 +4642,6 @@
               <a:rPr lang="zh-CN" altLang="en-US" smtClean="0"/>
               <a:t>第四级</a:t>
             </a:r>
-            <a:endParaRPr lang="zh-CN" altLang="en-US" smtClean="0"/>
           </a:p>
           <a:p>
             <a:pPr lvl="4"/>
@@ -4674,7 +4845,6 @@
               <a:rPr lang="zh-CN" altLang="en-US" smtClean="0"/>
               <a:t>单击此处编辑母版文本样式</a:t>
             </a:r>
-            <a:endParaRPr lang="zh-CN" altLang="en-US" smtClean="0"/>
           </a:p>
           <a:p>
             <a:pPr lvl="1"/>
@@ -4682,7 +4852,6 @@
               <a:rPr lang="zh-CN" altLang="en-US" smtClean="0"/>
               <a:t>第二级</a:t>
             </a:r>
-            <a:endParaRPr lang="zh-CN" altLang="en-US" smtClean="0"/>
           </a:p>
           <a:p>
             <a:pPr lvl="2"/>
@@ -4690,7 +4859,6 @@
               <a:rPr lang="zh-CN" altLang="en-US" smtClean="0"/>
               <a:t>第三级</a:t>
             </a:r>
-            <a:endParaRPr lang="zh-CN" altLang="en-US" smtClean="0"/>
           </a:p>
           <a:p>
             <a:pPr lvl="3"/>
@@ -4698,7 +4866,6 @@
               <a:rPr lang="zh-CN" altLang="en-US" smtClean="0"/>
               <a:t>第四级</a:t>
             </a:r>
-            <a:endParaRPr lang="zh-CN" altLang="en-US" smtClean="0"/>
           </a:p>
           <a:p>
             <a:pPr lvl="4"/>
@@ -4830,7 +4997,6 @@
               <a:rPr lang="zh-CN" altLang="en-US" smtClean="0"/>
               <a:t>单击此处编辑母版文本样式</a:t>
             </a:r>
-            <a:endParaRPr lang="zh-CN" altLang="en-US" smtClean="0"/>
           </a:p>
         </p:txBody>
       </p:sp>
@@ -4908,7 +5074,6 @@
               <a:rPr lang="zh-CN" altLang="en-US" smtClean="0"/>
               <a:t>单击此处编辑母版文本样式</a:t>
             </a:r>
-            <a:endParaRPr lang="zh-CN" altLang="en-US" smtClean="0"/>
           </a:p>
           <a:p>
             <a:pPr lvl="1"/>
@@ -4916,7 +5081,6 @@
               <a:rPr lang="zh-CN" altLang="en-US" smtClean="0"/>
               <a:t>第二级</a:t>
             </a:r>
-            <a:endParaRPr lang="zh-CN" altLang="en-US" smtClean="0"/>
           </a:p>
           <a:p>
             <a:pPr lvl="2"/>
@@ -4924,7 +5088,6 @@
               <a:rPr lang="zh-CN" altLang="en-US" smtClean="0"/>
               <a:t>第三级</a:t>
             </a:r>
-            <a:endParaRPr lang="zh-CN" altLang="en-US" smtClean="0"/>
           </a:p>
           <a:p>
             <a:pPr lvl="3"/>
@@ -4932,7 +5095,6 @@
               <a:rPr lang="zh-CN" altLang="en-US" smtClean="0"/>
               <a:t>第四级</a:t>
             </a:r>
-            <a:endParaRPr lang="zh-CN" altLang="en-US" smtClean="0"/>
           </a:p>
           <a:p>
             <a:pPr lvl="4"/>
@@ -4969,7 +5131,6 @@
               <a:rPr lang="zh-CN" altLang="en-US" smtClean="0"/>
               <a:t>单击此处编辑母版文本样式</a:t>
             </a:r>
-            <a:endParaRPr lang="zh-CN" altLang="en-US" smtClean="0"/>
           </a:p>
           <a:p>
             <a:pPr lvl="1"/>
@@ -4977,7 +5138,6 @@
               <a:rPr lang="zh-CN" altLang="en-US" smtClean="0"/>
               <a:t>第二级</a:t>
             </a:r>
-            <a:endParaRPr lang="zh-CN" altLang="en-US" smtClean="0"/>
           </a:p>
           <a:p>
             <a:pPr lvl="2"/>
@@ -4985,7 +5145,6 @@
               <a:rPr lang="zh-CN" altLang="en-US" smtClean="0"/>
               <a:t>第三级</a:t>
             </a:r>
-            <a:endParaRPr lang="zh-CN" altLang="en-US" smtClean="0"/>
           </a:p>
           <a:p>
             <a:pPr lvl="3"/>
@@ -4993,7 +5152,6 @@
               <a:rPr lang="zh-CN" altLang="en-US" smtClean="0"/>
               <a:t>第四级</a:t>
             </a:r>
-            <a:endParaRPr lang="zh-CN" altLang="en-US" smtClean="0"/>
           </a:p>
           <a:p>
             <a:pPr lvl="4"/>
@@ -5121,7 +5279,6 @@
               <a:rPr lang="zh-CN" altLang="en-US" smtClean="0"/>
               <a:t>单击此处编辑母版文本样式</a:t>
             </a:r>
-            <a:endParaRPr lang="zh-CN" altLang="en-US" smtClean="0"/>
           </a:p>
         </p:txBody>
       </p:sp>
@@ -5150,7 +5307,6 @@
               <a:rPr lang="zh-CN" altLang="en-US" smtClean="0"/>
               <a:t>单击此处编辑母版文本样式</a:t>
             </a:r>
-            <a:endParaRPr lang="zh-CN" altLang="en-US" smtClean="0"/>
           </a:p>
           <a:p>
             <a:pPr lvl="1"/>
@@ -5158,7 +5314,6 @@
               <a:rPr lang="zh-CN" altLang="en-US" smtClean="0"/>
               <a:t>第二级</a:t>
             </a:r>
-            <a:endParaRPr lang="zh-CN" altLang="en-US" smtClean="0"/>
           </a:p>
           <a:p>
             <a:pPr lvl="2"/>
@@ -5166,7 +5321,6 @@
               <a:rPr lang="zh-CN" altLang="en-US" smtClean="0"/>
               <a:t>第三级</a:t>
             </a:r>
-            <a:endParaRPr lang="zh-CN" altLang="en-US" smtClean="0"/>
           </a:p>
           <a:p>
             <a:pPr lvl="3"/>
@@ -5174,7 +5328,6 @@
               <a:rPr lang="zh-CN" altLang="en-US" smtClean="0"/>
               <a:t>第四级</a:t>
             </a:r>
-            <a:endParaRPr lang="zh-CN" altLang="en-US" smtClean="0"/>
           </a:p>
           <a:p>
             <a:pPr lvl="4"/>
@@ -5248,7 +5401,6 @@
               <a:rPr lang="zh-CN" altLang="en-US" smtClean="0"/>
               <a:t>单击此处编辑母版文本样式</a:t>
             </a:r>
-            <a:endParaRPr lang="zh-CN" altLang="en-US" smtClean="0"/>
           </a:p>
         </p:txBody>
       </p:sp>
@@ -5277,7 +5429,6 @@
               <a:rPr lang="zh-CN" altLang="en-US" smtClean="0"/>
               <a:t>单击此处编辑母版文本样式</a:t>
             </a:r>
-            <a:endParaRPr lang="zh-CN" altLang="en-US" smtClean="0"/>
           </a:p>
           <a:p>
             <a:pPr lvl="1"/>
@@ -5285,7 +5436,6 @@
               <a:rPr lang="zh-CN" altLang="en-US" smtClean="0"/>
               <a:t>第二级</a:t>
             </a:r>
-            <a:endParaRPr lang="zh-CN" altLang="en-US" smtClean="0"/>
           </a:p>
           <a:p>
             <a:pPr lvl="2"/>
@@ -5293,7 +5443,6 @@
               <a:rPr lang="zh-CN" altLang="en-US" smtClean="0"/>
               <a:t>第三级</a:t>
             </a:r>
-            <a:endParaRPr lang="zh-CN" altLang="en-US" smtClean="0"/>
           </a:p>
           <a:p>
             <a:pPr lvl="3"/>
@@ -5301,7 +5450,6 @@
               <a:rPr lang="zh-CN" altLang="en-US" smtClean="0"/>
               <a:t>第四级</a:t>
             </a:r>
-            <a:endParaRPr lang="zh-CN" altLang="en-US" smtClean="0"/>
           </a:p>
           <a:p>
             <a:pPr lvl="4"/>
@@ -5499,7 +5647,6 @@
               <a:rPr lang="zh-CN" altLang="en-US" smtClean="0"/>
               <a:t>单击此处编辑母版文本样式</a:t>
             </a:r>
-            <a:endParaRPr lang="zh-CN" altLang="en-US" smtClean="0"/>
           </a:p>
           <a:p>
             <a:pPr lvl="1"/>
@@ -5507,7 +5654,6 @@
               <a:rPr lang="zh-CN" altLang="en-US" smtClean="0"/>
               <a:t>第二级</a:t>
             </a:r>
-            <a:endParaRPr lang="zh-CN" altLang="en-US" smtClean="0"/>
           </a:p>
           <a:p>
             <a:pPr lvl="2"/>
@@ -5515,7 +5661,6 @@
               <a:rPr lang="zh-CN" altLang="en-US" smtClean="0"/>
               <a:t>第三级</a:t>
             </a:r>
-            <a:endParaRPr lang="zh-CN" altLang="en-US" smtClean="0"/>
           </a:p>
           <a:p>
             <a:pPr lvl="3"/>
@@ -5523,7 +5668,6 @@
               <a:rPr lang="zh-CN" altLang="en-US" smtClean="0"/>
               <a:t>第四级</a:t>
             </a:r>
-            <a:endParaRPr lang="zh-CN" altLang="en-US" smtClean="0"/>
           </a:p>
           <a:p>
             <a:pPr lvl="4"/>
@@ -5597,7 +5741,6 @@
               <a:rPr lang="zh-CN" altLang="en-US" smtClean="0"/>
               <a:t>单击此处编辑母版文本样式</a:t>
             </a:r>
-            <a:endParaRPr lang="zh-CN" altLang="en-US" smtClean="0"/>
           </a:p>
         </p:txBody>
       </p:sp>
@@ -5670,7 +5813,6 @@
               <a:rPr lang="zh-CN" altLang="en-US" smtClean="0"/>
               <a:t>单击此处编辑母版文本样式</a:t>
             </a:r>
-            <a:endParaRPr lang="zh-CN" altLang="en-US" smtClean="0"/>
           </a:p>
           <a:p>
             <a:pPr lvl="1"/>
@@ -5678,7 +5820,6 @@
               <a:rPr lang="zh-CN" altLang="en-US" smtClean="0"/>
               <a:t>第二级</a:t>
             </a:r>
-            <a:endParaRPr lang="zh-CN" altLang="en-US" smtClean="0"/>
           </a:p>
           <a:p>
             <a:pPr lvl="2"/>
@@ -5686,7 +5827,6 @@
               <a:rPr lang="zh-CN" altLang="en-US" smtClean="0"/>
               <a:t>第三级</a:t>
             </a:r>
-            <a:endParaRPr lang="zh-CN" altLang="en-US" smtClean="0"/>
           </a:p>
           <a:p>
             <a:pPr lvl="3"/>
@@ -5694,7 +5834,6 @@
               <a:rPr lang="zh-CN" altLang="en-US" smtClean="0"/>
               <a:t>第四级</a:t>
             </a:r>
-            <a:endParaRPr lang="zh-CN" altLang="en-US" smtClean="0"/>
           </a:p>
           <a:p>
             <a:pPr lvl="4"/>
@@ -5917,7 +6056,6 @@
               <a:rPr lang="zh-CN" altLang="en-US" smtClean="0"/>
               <a:t>单击此处编辑母版文本样式</a:t>
             </a:r>
-            <a:endParaRPr lang="zh-CN" altLang="en-US" smtClean="0"/>
           </a:p>
         </p:txBody>
       </p:sp>
@@ -5990,7 +6128,6 @@
               <a:rPr lang="zh-CN" altLang="en-US" smtClean="0"/>
               <a:t>单击此处编辑母版文本样式</a:t>
             </a:r>
-            <a:endParaRPr lang="zh-CN" altLang="en-US" smtClean="0"/>
           </a:p>
           <a:p>
             <a:pPr lvl="1"/>
@@ -5998,7 +6135,6 @@
               <a:rPr lang="zh-CN" altLang="en-US" smtClean="0"/>
               <a:t>第二级</a:t>
             </a:r>
-            <a:endParaRPr lang="zh-CN" altLang="en-US" smtClean="0"/>
           </a:p>
           <a:p>
             <a:pPr lvl="2"/>
@@ -6006,7 +6142,6 @@
               <a:rPr lang="zh-CN" altLang="en-US" smtClean="0"/>
               <a:t>第三级</a:t>
             </a:r>
-            <a:endParaRPr lang="zh-CN" altLang="en-US" smtClean="0"/>
           </a:p>
           <a:p>
             <a:pPr lvl="3"/>
@@ -6014,7 +6149,6 @@
               <a:rPr lang="zh-CN" altLang="en-US" smtClean="0"/>
               <a:t>第四级</a:t>
             </a:r>
-            <a:endParaRPr lang="zh-CN" altLang="en-US" smtClean="0"/>
           </a:p>
           <a:p>
             <a:pPr lvl="4"/>
@@ -6105,7 +6239,6 @@
               <a:rPr lang="zh-CN" altLang="en-US" smtClean="0"/>
               <a:t>单击此处编辑母版文本样式</a:t>
             </a:r>
-            <a:endParaRPr lang="zh-CN" altLang="en-US" smtClean="0"/>
           </a:p>
           <a:p>
             <a:pPr lvl="1"/>
@@ -6113,7 +6246,6 @@
               <a:rPr lang="zh-CN" altLang="en-US" smtClean="0"/>
               <a:t>第二级</a:t>
             </a:r>
-            <a:endParaRPr lang="zh-CN" altLang="en-US" smtClean="0"/>
           </a:p>
           <a:p>
             <a:pPr lvl="2"/>
@@ -6121,7 +6253,6 @@
               <a:rPr lang="zh-CN" altLang="en-US" smtClean="0"/>
               <a:t>第三级</a:t>
             </a:r>
-            <a:endParaRPr lang="zh-CN" altLang="en-US" smtClean="0"/>
           </a:p>
           <a:p>
             <a:pPr lvl="3"/>
@@ -6129,7 +6260,6 @@
               <a:rPr lang="zh-CN" altLang="en-US" smtClean="0"/>
               <a:t>第四级</a:t>
             </a:r>
-            <a:endParaRPr lang="zh-CN" altLang="en-US" smtClean="0"/>
           </a:p>
           <a:p>
             <a:pPr lvl="4"/>
@@ -6333,7 +6463,6 @@
               <a:rPr lang="zh-CN" altLang="en-US" smtClean="0"/>
               <a:t>单击此处编辑母版文本样式</a:t>
             </a:r>
-            <a:endParaRPr lang="zh-CN" altLang="en-US" smtClean="0"/>
           </a:p>
           <a:p>
             <a:pPr lvl="1"/>
@@ -6341,7 +6470,6 @@
               <a:rPr lang="zh-CN" altLang="en-US" smtClean="0"/>
               <a:t>第二级</a:t>
             </a:r>
-            <a:endParaRPr lang="zh-CN" altLang="en-US" smtClean="0"/>
           </a:p>
           <a:p>
             <a:pPr lvl="2"/>
@@ -6349,7 +6477,6 @@
               <a:rPr lang="zh-CN" altLang="en-US" smtClean="0"/>
               <a:t>第三级</a:t>
             </a:r>
-            <a:endParaRPr lang="zh-CN" altLang="en-US" smtClean="0"/>
           </a:p>
           <a:p>
             <a:pPr lvl="3"/>
@@ -6357,7 +6484,6 @@
               <a:rPr lang="zh-CN" altLang="en-US" smtClean="0"/>
               <a:t>第四级</a:t>
             </a:r>
-            <a:endParaRPr lang="zh-CN" altLang="en-US" smtClean="0"/>
           </a:p>
           <a:p>
             <a:pPr lvl="4"/>
@@ -6489,7 +6615,6 @@
               <a:rPr lang="zh-CN" altLang="en-US" smtClean="0"/>
               <a:t>单击此处编辑母版文本样式</a:t>
             </a:r>
-            <a:endParaRPr lang="zh-CN" altLang="en-US" smtClean="0"/>
           </a:p>
         </p:txBody>
       </p:sp>
@@ -6567,7 +6692,6 @@
               <a:rPr lang="zh-CN" altLang="en-US" smtClean="0"/>
               <a:t>单击此处编辑母版文本样式</a:t>
             </a:r>
-            <a:endParaRPr lang="zh-CN" altLang="en-US" smtClean="0"/>
           </a:p>
           <a:p>
             <a:pPr lvl="1"/>
@@ -6575,7 +6699,6 @@
               <a:rPr lang="zh-CN" altLang="en-US" smtClean="0"/>
               <a:t>第二级</a:t>
             </a:r>
-            <a:endParaRPr lang="zh-CN" altLang="en-US" smtClean="0"/>
           </a:p>
           <a:p>
             <a:pPr lvl="2"/>
@@ -6583,7 +6706,6 @@
               <a:rPr lang="zh-CN" altLang="en-US" smtClean="0"/>
               <a:t>第三级</a:t>
             </a:r>
-            <a:endParaRPr lang="zh-CN" altLang="en-US" smtClean="0"/>
           </a:p>
           <a:p>
             <a:pPr lvl="3"/>
@@ -6591,7 +6713,6 @@
               <a:rPr lang="zh-CN" altLang="en-US" smtClean="0"/>
               <a:t>第四级</a:t>
             </a:r>
-            <a:endParaRPr lang="zh-CN" altLang="en-US" smtClean="0"/>
           </a:p>
           <a:p>
             <a:pPr lvl="4"/>
@@ -6628,7 +6749,6 @@
               <a:rPr lang="zh-CN" altLang="en-US" smtClean="0"/>
               <a:t>单击此处编辑母版文本样式</a:t>
             </a:r>
-            <a:endParaRPr lang="zh-CN" altLang="en-US" smtClean="0"/>
           </a:p>
           <a:p>
             <a:pPr lvl="1"/>
@@ -6636,7 +6756,6 @@
               <a:rPr lang="zh-CN" altLang="en-US" smtClean="0"/>
               <a:t>第二级</a:t>
             </a:r>
-            <a:endParaRPr lang="zh-CN" altLang="en-US" smtClean="0"/>
           </a:p>
           <a:p>
             <a:pPr lvl="2"/>
@@ -6644,7 +6763,6 @@
               <a:rPr lang="zh-CN" altLang="en-US" smtClean="0"/>
               <a:t>第三级</a:t>
             </a:r>
-            <a:endParaRPr lang="zh-CN" altLang="en-US" smtClean="0"/>
           </a:p>
           <a:p>
             <a:pPr lvl="3"/>
@@ -6652,7 +6770,6 @@
               <a:rPr lang="zh-CN" altLang="en-US" smtClean="0"/>
               <a:t>第四级</a:t>
             </a:r>
-            <a:endParaRPr lang="zh-CN" altLang="en-US" smtClean="0"/>
           </a:p>
           <a:p>
             <a:pPr lvl="4"/>
@@ -6780,7 +6897,6 @@
               <a:rPr lang="zh-CN" altLang="en-US" smtClean="0"/>
               <a:t>单击此处编辑母版文本样式</a:t>
             </a:r>
-            <a:endParaRPr lang="zh-CN" altLang="en-US" smtClean="0"/>
           </a:p>
         </p:txBody>
       </p:sp>
@@ -6809,7 +6925,6 @@
               <a:rPr lang="zh-CN" altLang="en-US" smtClean="0"/>
               <a:t>单击此处编辑母版文本样式</a:t>
             </a:r>
-            <a:endParaRPr lang="zh-CN" altLang="en-US" smtClean="0"/>
           </a:p>
           <a:p>
             <a:pPr lvl="1"/>
@@ -6817,7 +6932,6 @@
               <a:rPr lang="zh-CN" altLang="en-US" smtClean="0"/>
               <a:t>第二级</a:t>
             </a:r>
-            <a:endParaRPr lang="zh-CN" altLang="en-US" smtClean="0"/>
           </a:p>
           <a:p>
             <a:pPr lvl="2"/>
@@ -6825,7 +6939,6 @@
               <a:rPr lang="zh-CN" altLang="en-US" smtClean="0"/>
               <a:t>第三级</a:t>
             </a:r>
-            <a:endParaRPr lang="zh-CN" altLang="en-US" smtClean="0"/>
           </a:p>
           <a:p>
             <a:pPr lvl="3"/>
@@ -6833,7 +6946,6 @@
               <a:rPr lang="zh-CN" altLang="en-US" smtClean="0"/>
               <a:t>第四级</a:t>
             </a:r>
-            <a:endParaRPr lang="zh-CN" altLang="en-US" smtClean="0"/>
           </a:p>
           <a:p>
             <a:pPr lvl="4"/>
@@ -6907,7 +7019,6 @@
               <a:rPr lang="zh-CN" altLang="en-US" smtClean="0"/>
               <a:t>单击此处编辑母版文本样式</a:t>
             </a:r>
-            <a:endParaRPr lang="zh-CN" altLang="en-US" smtClean="0"/>
           </a:p>
         </p:txBody>
       </p:sp>
@@ -6936,7 +7047,6 @@
               <a:rPr lang="zh-CN" altLang="en-US" smtClean="0"/>
               <a:t>单击此处编辑母版文本样式</a:t>
             </a:r>
-            <a:endParaRPr lang="zh-CN" altLang="en-US" smtClean="0"/>
           </a:p>
           <a:p>
             <a:pPr lvl="1"/>
@@ -6944,7 +7054,6 @@
               <a:rPr lang="zh-CN" altLang="en-US" smtClean="0"/>
               <a:t>第二级</a:t>
             </a:r>
-            <a:endParaRPr lang="zh-CN" altLang="en-US" smtClean="0"/>
           </a:p>
           <a:p>
             <a:pPr lvl="2"/>
@@ -6952,7 +7061,6 @@
               <a:rPr lang="zh-CN" altLang="en-US" smtClean="0"/>
               <a:t>第三级</a:t>
             </a:r>
-            <a:endParaRPr lang="zh-CN" altLang="en-US" smtClean="0"/>
           </a:p>
           <a:p>
             <a:pPr lvl="3"/>
@@ -6960,7 +7068,6 @@
               <a:rPr lang="zh-CN" altLang="en-US" smtClean="0"/>
               <a:t>第四级</a:t>
             </a:r>
-            <a:endParaRPr lang="zh-CN" altLang="en-US" smtClean="0"/>
           </a:p>
           <a:p>
             <a:pPr lvl="4"/>
@@ -7167,7 +7274,6 @@
               <a:rPr lang="zh-CN" altLang="en-US" smtClean="0"/>
               <a:t>单击此处编辑母版文本样式</a:t>
             </a:r>
-            <a:endParaRPr lang="zh-CN" altLang="en-US" smtClean="0"/>
           </a:p>
         </p:txBody>
       </p:sp>
@@ -7282,7 +7388,6 @@
               <a:rPr lang="zh-CN" altLang="en-US" smtClean="0"/>
               <a:t>单击此处编辑母版文本样式</a:t>
             </a:r>
-            <a:endParaRPr lang="zh-CN" altLang="en-US" smtClean="0"/>
           </a:p>
           <a:p>
             <a:pPr lvl="1"/>
@@ -7290,7 +7395,6 @@
               <a:rPr lang="zh-CN" altLang="en-US" smtClean="0"/>
               <a:t>第二级</a:t>
             </a:r>
-            <a:endParaRPr lang="zh-CN" altLang="en-US" smtClean="0"/>
           </a:p>
           <a:p>
             <a:pPr lvl="2"/>
@@ -7298,7 +7402,6 @@
               <a:rPr lang="zh-CN" altLang="en-US" smtClean="0"/>
               <a:t>第三级</a:t>
             </a:r>
-            <a:endParaRPr lang="zh-CN" altLang="en-US" smtClean="0"/>
           </a:p>
           <a:p>
             <a:pPr lvl="3"/>
@@ -7306,7 +7409,6 @@
               <a:rPr lang="zh-CN" altLang="en-US" smtClean="0"/>
               <a:t>第四级</a:t>
             </a:r>
-            <a:endParaRPr lang="zh-CN" altLang="en-US" smtClean="0"/>
           </a:p>
           <a:p>
             <a:pPr lvl="4"/>
@@ -7380,7 +7482,6 @@
               <a:rPr lang="zh-CN" altLang="en-US" smtClean="0"/>
               <a:t>单击此处编辑母版文本样式</a:t>
             </a:r>
-            <a:endParaRPr lang="zh-CN" altLang="en-US" smtClean="0"/>
           </a:p>
         </p:txBody>
       </p:sp>
@@ -7595,7 +7696,6 @@
               <a:rPr lang="zh-CN" altLang="en-US" smtClean="0"/>
               <a:t>单击此处编辑母版文本样式</a:t>
             </a:r>
-            <a:endParaRPr lang="zh-CN" altLang="en-US" smtClean="0"/>
           </a:p>
         </p:txBody>
       </p:sp>
@@ -7668,7 +7768,6 @@
               <a:rPr lang="zh-CN" altLang="en-US" smtClean="0"/>
               <a:t>单击此处编辑母版文本样式</a:t>
             </a:r>
-            <a:endParaRPr lang="zh-CN" altLang="en-US" smtClean="0"/>
           </a:p>
           <a:p>
             <a:pPr lvl="1"/>
@@ -7676,7 +7775,6 @@
               <a:rPr lang="zh-CN" altLang="en-US" smtClean="0"/>
               <a:t>第二级</a:t>
             </a:r>
-            <a:endParaRPr lang="zh-CN" altLang="en-US" smtClean="0"/>
           </a:p>
           <a:p>
             <a:pPr lvl="2"/>
@@ -7684,7 +7782,6 @@
               <a:rPr lang="zh-CN" altLang="en-US" smtClean="0"/>
               <a:t>第三级</a:t>
             </a:r>
-            <a:endParaRPr lang="zh-CN" altLang="en-US" smtClean="0"/>
           </a:p>
           <a:p>
             <a:pPr lvl="3"/>
@@ -7692,7 +7789,6 @@
               <a:rPr lang="zh-CN" altLang="en-US" smtClean="0"/>
               <a:t>第四级</a:t>
             </a:r>
-            <a:endParaRPr lang="zh-CN" altLang="en-US" smtClean="0"/>
           </a:p>
           <a:p>
             <a:pPr lvl="4"/>
@@ -7783,7 +7879,6 @@
               <a:rPr lang="zh-CN" altLang="en-US" smtClean="0"/>
               <a:t>单击此处编辑母版文本样式</a:t>
             </a:r>
-            <a:endParaRPr lang="zh-CN" altLang="en-US" smtClean="0"/>
           </a:p>
           <a:p>
             <a:pPr lvl="1"/>
@@ -7791,7 +7886,6 @@
               <a:rPr lang="zh-CN" altLang="en-US" smtClean="0"/>
               <a:t>第二级</a:t>
             </a:r>
-            <a:endParaRPr lang="zh-CN" altLang="en-US" smtClean="0"/>
           </a:p>
           <a:p>
             <a:pPr lvl="2"/>
@@ -7799,7 +7893,6 @@
               <a:rPr lang="zh-CN" altLang="en-US" smtClean="0"/>
               <a:t>第三级</a:t>
             </a:r>
-            <a:endParaRPr lang="zh-CN" altLang="en-US" smtClean="0"/>
           </a:p>
           <a:p>
             <a:pPr lvl="3"/>
@@ -7807,7 +7900,6 @@
               <a:rPr lang="zh-CN" altLang="en-US" smtClean="0"/>
               <a:t>第四级</a:t>
             </a:r>
-            <a:endParaRPr lang="zh-CN" altLang="en-US" smtClean="0"/>
           </a:p>
           <a:p>
             <a:pPr lvl="4"/>
@@ -8011,7 +8103,6 @@
               <a:rPr lang="zh-CN" altLang="en-US" smtClean="0"/>
               <a:t>单击此处编辑母版文本样式</a:t>
             </a:r>
-            <a:endParaRPr lang="zh-CN" altLang="en-US" smtClean="0"/>
           </a:p>
           <a:p>
             <a:pPr lvl="1"/>
@@ -8019,7 +8110,6 @@
               <a:rPr lang="zh-CN" altLang="en-US" smtClean="0"/>
               <a:t>第二级</a:t>
             </a:r>
-            <a:endParaRPr lang="zh-CN" altLang="en-US" smtClean="0"/>
           </a:p>
           <a:p>
             <a:pPr lvl="2"/>
@@ -8027,7 +8117,6 @@
               <a:rPr lang="zh-CN" altLang="en-US" smtClean="0"/>
               <a:t>第三级</a:t>
             </a:r>
-            <a:endParaRPr lang="zh-CN" altLang="en-US" smtClean="0"/>
           </a:p>
           <a:p>
             <a:pPr lvl="3"/>
@@ -8035,7 +8124,6 @@
               <a:rPr lang="zh-CN" altLang="en-US" smtClean="0"/>
               <a:t>第四级</a:t>
             </a:r>
-            <a:endParaRPr lang="zh-CN" altLang="en-US" smtClean="0"/>
           </a:p>
           <a:p>
             <a:pPr lvl="4"/>
@@ -8167,7 +8255,6 @@
               <a:rPr lang="zh-CN" altLang="en-US" smtClean="0"/>
               <a:t>单击此处编辑母版文本样式</a:t>
             </a:r>
-            <a:endParaRPr lang="zh-CN" altLang="en-US" smtClean="0"/>
           </a:p>
         </p:txBody>
       </p:sp>
@@ -8245,7 +8332,6 @@
               <a:rPr lang="zh-CN" altLang="en-US" smtClean="0"/>
               <a:t>单击此处编辑母版文本样式</a:t>
             </a:r>
-            <a:endParaRPr lang="zh-CN" altLang="en-US" smtClean="0"/>
           </a:p>
           <a:p>
             <a:pPr lvl="1"/>
@@ -8253,7 +8339,6 @@
               <a:rPr lang="zh-CN" altLang="en-US" smtClean="0"/>
               <a:t>第二级</a:t>
             </a:r>
-            <a:endParaRPr lang="zh-CN" altLang="en-US" smtClean="0"/>
           </a:p>
           <a:p>
             <a:pPr lvl="2"/>
@@ -8261,7 +8346,6 @@
               <a:rPr lang="zh-CN" altLang="en-US" smtClean="0"/>
               <a:t>第三级</a:t>
             </a:r>
-            <a:endParaRPr lang="zh-CN" altLang="en-US" smtClean="0"/>
           </a:p>
           <a:p>
             <a:pPr lvl="3"/>
@@ -8269,7 +8353,6 @@
               <a:rPr lang="zh-CN" altLang="en-US" smtClean="0"/>
               <a:t>第四级</a:t>
             </a:r>
-            <a:endParaRPr lang="zh-CN" altLang="en-US" smtClean="0"/>
           </a:p>
           <a:p>
             <a:pPr lvl="4"/>
@@ -8306,7 +8389,6 @@
               <a:rPr lang="zh-CN" altLang="en-US" smtClean="0"/>
               <a:t>单击此处编辑母版文本样式</a:t>
             </a:r>
-            <a:endParaRPr lang="zh-CN" altLang="en-US" smtClean="0"/>
           </a:p>
           <a:p>
             <a:pPr lvl="1"/>
@@ -8314,7 +8396,6 @@
               <a:rPr lang="zh-CN" altLang="en-US" smtClean="0"/>
               <a:t>第二级</a:t>
             </a:r>
-            <a:endParaRPr lang="zh-CN" altLang="en-US" smtClean="0"/>
           </a:p>
           <a:p>
             <a:pPr lvl="2"/>
@@ -8322,7 +8403,6 @@
               <a:rPr lang="zh-CN" altLang="en-US" smtClean="0"/>
               <a:t>第三级</a:t>
             </a:r>
-            <a:endParaRPr lang="zh-CN" altLang="en-US" smtClean="0"/>
           </a:p>
           <a:p>
             <a:pPr lvl="3"/>
@@ -8330,7 +8410,6 @@
               <a:rPr lang="zh-CN" altLang="en-US" smtClean="0"/>
               <a:t>第四级</a:t>
             </a:r>
-            <a:endParaRPr lang="zh-CN" altLang="en-US" smtClean="0"/>
           </a:p>
           <a:p>
             <a:pPr lvl="4"/>
@@ -8458,7 +8537,6 @@
               <a:rPr lang="zh-CN" altLang="en-US" smtClean="0"/>
               <a:t>单击此处编辑母版文本样式</a:t>
             </a:r>
-            <a:endParaRPr lang="zh-CN" altLang="en-US" smtClean="0"/>
           </a:p>
         </p:txBody>
       </p:sp>
@@ -8487,7 +8565,6 @@
               <a:rPr lang="zh-CN" altLang="en-US" smtClean="0"/>
               <a:t>单击此处编辑母版文本样式</a:t>
             </a:r>
-            <a:endParaRPr lang="zh-CN" altLang="en-US" smtClean="0"/>
           </a:p>
           <a:p>
             <a:pPr lvl="1"/>
@@ -8495,7 +8572,6 @@
               <a:rPr lang="zh-CN" altLang="en-US" smtClean="0"/>
               <a:t>第二级</a:t>
             </a:r>
-            <a:endParaRPr lang="zh-CN" altLang="en-US" smtClean="0"/>
           </a:p>
           <a:p>
             <a:pPr lvl="2"/>
@@ -8503,7 +8579,6 @@
               <a:rPr lang="zh-CN" altLang="en-US" smtClean="0"/>
               <a:t>第三级</a:t>
             </a:r>
-            <a:endParaRPr lang="zh-CN" altLang="en-US" smtClean="0"/>
           </a:p>
           <a:p>
             <a:pPr lvl="3"/>
@@ -8511,7 +8586,6 @@
               <a:rPr lang="zh-CN" altLang="en-US" smtClean="0"/>
               <a:t>第四级</a:t>
             </a:r>
-            <a:endParaRPr lang="zh-CN" altLang="en-US" smtClean="0"/>
           </a:p>
           <a:p>
             <a:pPr lvl="4"/>
@@ -8585,7 +8659,6 @@
               <a:rPr lang="zh-CN" altLang="en-US" smtClean="0"/>
               <a:t>单击此处编辑母版文本样式</a:t>
             </a:r>
-            <a:endParaRPr lang="zh-CN" altLang="en-US" smtClean="0"/>
           </a:p>
         </p:txBody>
       </p:sp>
@@ -8614,7 +8687,6 @@
               <a:rPr lang="zh-CN" altLang="en-US" smtClean="0"/>
               <a:t>单击此处编辑母版文本样式</a:t>
             </a:r>
-            <a:endParaRPr lang="zh-CN" altLang="en-US" smtClean="0"/>
           </a:p>
           <a:p>
             <a:pPr lvl="1"/>
@@ -8622,7 +8694,6 @@
               <a:rPr lang="zh-CN" altLang="en-US" smtClean="0"/>
               <a:t>第二级</a:t>
             </a:r>
-            <a:endParaRPr lang="zh-CN" altLang="en-US" smtClean="0"/>
           </a:p>
           <a:p>
             <a:pPr lvl="2"/>
@@ -8630,7 +8701,6 @@
               <a:rPr lang="zh-CN" altLang="en-US" smtClean="0"/>
               <a:t>第三级</a:t>
             </a:r>
-            <a:endParaRPr lang="zh-CN" altLang="en-US" smtClean="0"/>
           </a:p>
           <a:p>
             <a:pPr lvl="3"/>
@@ -8638,7 +8708,6 @@
               <a:rPr lang="zh-CN" altLang="en-US" smtClean="0"/>
               <a:t>第四级</a:t>
             </a:r>
-            <a:endParaRPr lang="zh-CN" altLang="en-US" smtClean="0"/>
           </a:p>
           <a:p>
             <a:pPr lvl="4"/>
@@ -8773,7 +8842,6 @@
               <a:rPr lang="zh-CN" altLang="en-US" smtClean="0"/>
               <a:t>单击此处编辑母版文本样式</a:t>
             </a:r>
-            <a:endParaRPr lang="zh-CN" altLang="en-US" smtClean="0"/>
           </a:p>
           <a:p>
             <a:pPr lvl="1"/>
@@ -8781,7 +8849,6 @@
               <a:rPr lang="zh-CN" altLang="en-US" smtClean="0"/>
               <a:t>第二级</a:t>
             </a:r>
-            <a:endParaRPr lang="zh-CN" altLang="en-US" smtClean="0"/>
           </a:p>
           <a:p>
             <a:pPr lvl="2"/>
@@ -8789,7 +8856,6 @@
               <a:rPr lang="zh-CN" altLang="en-US" smtClean="0"/>
               <a:t>第三级</a:t>
             </a:r>
-            <a:endParaRPr lang="zh-CN" altLang="en-US" smtClean="0"/>
           </a:p>
           <a:p>
             <a:pPr lvl="3"/>
@@ -8797,7 +8863,6 @@
               <a:rPr lang="zh-CN" altLang="en-US" smtClean="0"/>
               <a:t>第四级</a:t>
             </a:r>
-            <a:endParaRPr lang="zh-CN" altLang="en-US" smtClean="0"/>
           </a:p>
           <a:p>
             <a:pPr lvl="4"/>
@@ -8834,7 +8899,6 @@
               <a:rPr lang="zh-CN" altLang="en-US" smtClean="0"/>
               <a:t>单击此处编辑母版文本样式</a:t>
             </a:r>
-            <a:endParaRPr lang="zh-CN" altLang="en-US" smtClean="0"/>
           </a:p>
           <a:p>
             <a:pPr lvl="1"/>
@@ -8842,7 +8906,6 @@
               <a:rPr lang="zh-CN" altLang="en-US" smtClean="0"/>
               <a:t>第二级</a:t>
             </a:r>
-            <a:endParaRPr lang="zh-CN" altLang="en-US" smtClean="0"/>
           </a:p>
           <a:p>
             <a:pPr lvl="2"/>
@@ -8850,7 +8913,6 @@
               <a:rPr lang="zh-CN" altLang="en-US" smtClean="0"/>
               <a:t>第三级</a:t>
             </a:r>
-            <a:endParaRPr lang="zh-CN" altLang="en-US" smtClean="0"/>
           </a:p>
           <a:p>
             <a:pPr lvl="3"/>
@@ -8858,7 +8920,6 @@
               <a:rPr lang="zh-CN" altLang="en-US" smtClean="0"/>
               <a:t>第四级</a:t>
             </a:r>
-            <a:endParaRPr lang="zh-CN" altLang="en-US" smtClean="0"/>
           </a:p>
           <a:p>
             <a:pPr lvl="4"/>
@@ -9007,7 +9068,6 @@
               <a:rPr lang="zh-CN" altLang="en-US" smtClean="0"/>
               <a:t>单击此处编辑母版文本样式</a:t>
             </a:r>
-            <a:endParaRPr lang="zh-CN" altLang="en-US" smtClean="0"/>
           </a:p>
           <a:p>
             <a:pPr lvl="1"/>
@@ -9015,7 +9075,6 @@
               <a:rPr lang="zh-CN" altLang="en-US" smtClean="0"/>
               <a:t>第二级</a:t>
             </a:r>
-            <a:endParaRPr lang="zh-CN" altLang="en-US" smtClean="0"/>
           </a:p>
           <a:p>
             <a:pPr lvl="2"/>
@@ -9023,7 +9082,6 @@
               <a:rPr lang="zh-CN" altLang="en-US" smtClean="0"/>
               <a:t>第三级</a:t>
             </a:r>
-            <a:endParaRPr lang="zh-CN" altLang="en-US" smtClean="0"/>
           </a:p>
           <a:p>
             <a:pPr lvl="3"/>
@@ -9031,7 +9089,6 @@
               <a:rPr lang="zh-CN" altLang="en-US" smtClean="0"/>
               <a:t>第四级</a:t>
             </a:r>
-            <a:endParaRPr lang="zh-CN" altLang="en-US" smtClean="0"/>
           </a:p>
           <a:p>
             <a:pPr lvl="4"/>
@@ -9105,7 +9162,6 @@
               <a:rPr lang="zh-CN" altLang="en-US" smtClean="0"/>
               <a:t>单击此处编辑母版文本样式</a:t>
             </a:r>
-            <a:endParaRPr lang="zh-CN" altLang="en-US" smtClean="0"/>
           </a:p>
         </p:txBody>
       </p:sp>
@@ -9320,7 +9376,6 @@
               <a:rPr lang="zh-CN" altLang="en-US" smtClean="0"/>
               <a:t>单击此处编辑母版文本样式</a:t>
             </a:r>
-            <a:endParaRPr lang="zh-CN" altLang="en-US" smtClean="0"/>
           </a:p>
         </p:txBody>
       </p:sp>
@@ -9393,7 +9448,6 @@
               <a:rPr lang="zh-CN" altLang="en-US" smtClean="0"/>
               <a:t>单击此处编辑母版文本样式</a:t>
             </a:r>
-            <a:endParaRPr lang="zh-CN" altLang="en-US" smtClean="0"/>
           </a:p>
           <a:p>
             <a:pPr lvl="1"/>
@@ -9401,7 +9455,6 @@
               <a:rPr lang="zh-CN" altLang="en-US" smtClean="0"/>
               <a:t>第二级</a:t>
             </a:r>
-            <a:endParaRPr lang="zh-CN" altLang="en-US" smtClean="0"/>
           </a:p>
           <a:p>
             <a:pPr lvl="2"/>
@@ -9409,7 +9462,6 @@
               <a:rPr lang="zh-CN" altLang="en-US" smtClean="0"/>
               <a:t>第三级</a:t>
             </a:r>
-            <a:endParaRPr lang="zh-CN" altLang="en-US" smtClean="0"/>
           </a:p>
           <a:p>
             <a:pPr lvl="3"/>
@@ -9417,7 +9469,6 @@
               <a:rPr lang="zh-CN" altLang="en-US" smtClean="0"/>
               <a:t>第四级</a:t>
             </a:r>
-            <a:endParaRPr lang="zh-CN" altLang="en-US" smtClean="0"/>
           </a:p>
           <a:p>
             <a:pPr lvl="4"/>
@@ -9508,7 +9559,6 @@
               <a:rPr lang="zh-CN" altLang="en-US" smtClean="0"/>
               <a:t>单击此处编辑母版文本样式</a:t>
             </a:r>
-            <a:endParaRPr lang="zh-CN" altLang="en-US" smtClean="0"/>
           </a:p>
           <a:p>
             <a:pPr lvl="1"/>
@@ -9516,7 +9566,6 @@
               <a:rPr lang="zh-CN" altLang="en-US" smtClean="0"/>
               <a:t>第二级</a:t>
             </a:r>
-            <a:endParaRPr lang="zh-CN" altLang="en-US" smtClean="0"/>
           </a:p>
           <a:p>
             <a:pPr lvl="2"/>
@@ -9524,7 +9573,6 @@
               <a:rPr lang="zh-CN" altLang="en-US" smtClean="0"/>
               <a:t>第三级</a:t>
             </a:r>
-            <a:endParaRPr lang="zh-CN" altLang="en-US" smtClean="0"/>
           </a:p>
           <a:p>
             <a:pPr lvl="3"/>
@@ -9532,7 +9580,6 @@
               <a:rPr lang="zh-CN" altLang="en-US" smtClean="0"/>
               <a:t>第四级</a:t>
             </a:r>
-            <a:endParaRPr lang="zh-CN" altLang="en-US" smtClean="0"/>
           </a:p>
           <a:p>
             <a:pPr lvl="4"/>
@@ -9660,7 +9707,6 @@
               <a:rPr lang="zh-CN" altLang="en-US" smtClean="0"/>
               <a:t>单击此处编辑母版文本样式</a:t>
             </a:r>
-            <a:endParaRPr lang="zh-CN" altLang="en-US" smtClean="0"/>
           </a:p>
         </p:txBody>
       </p:sp>
@@ -9689,7 +9735,6 @@
               <a:rPr lang="zh-CN" altLang="en-US" smtClean="0"/>
               <a:t>单击此处编辑母版文本样式</a:t>
             </a:r>
-            <a:endParaRPr lang="zh-CN" altLang="en-US" smtClean="0"/>
           </a:p>
           <a:p>
             <a:pPr lvl="1"/>
@@ -9697,7 +9742,6 @@
               <a:rPr lang="zh-CN" altLang="en-US" smtClean="0"/>
               <a:t>第二级</a:t>
             </a:r>
-            <a:endParaRPr lang="zh-CN" altLang="en-US" smtClean="0"/>
           </a:p>
           <a:p>
             <a:pPr lvl="2"/>
@@ -9705,7 +9749,6 @@
               <a:rPr lang="zh-CN" altLang="en-US" smtClean="0"/>
               <a:t>第三级</a:t>
             </a:r>
-            <a:endParaRPr lang="zh-CN" altLang="en-US" smtClean="0"/>
           </a:p>
           <a:p>
             <a:pPr lvl="3"/>
@@ -9713,7 +9756,6 @@
               <a:rPr lang="zh-CN" altLang="en-US" smtClean="0"/>
               <a:t>第四级</a:t>
             </a:r>
-            <a:endParaRPr lang="zh-CN" altLang="en-US" smtClean="0"/>
           </a:p>
           <a:p>
             <a:pPr lvl="4"/>
@@ -9787,7 +9829,6 @@
               <a:rPr lang="zh-CN" altLang="en-US" smtClean="0"/>
               <a:t>单击此处编辑母版文本样式</a:t>
             </a:r>
-            <a:endParaRPr lang="zh-CN" altLang="en-US" smtClean="0"/>
           </a:p>
         </p:txBody>
       </p:sp>
@@ -9816,7 +9857,6 @@
               <a:rPr lang="zh-CN" altLang="en-US" smtClean="0"/>
               <a:t>单击此处编辑母版文本样式</a:t>
             </a:r>
-            <a:endParaRPr lang="zh-CN" altLang="en-US" smtClean="0"/>
           </a:p>
           <a:p>
             <a:pPr lvl="1"/>
@@ -9824,7 +9864,6 @@
               <a:rPr lang="zh-CN" altLang="en-US" smtClean="0"/>
               <a:t>第二级</a:t>
             </a:r>
-            <a:endParaRPr lang="zh-CN" altLang="en-US" smtClean="0"/>
           </a:p>
           <a:p>
             <a:pPr lvl="2"/>
@@ -9832,7 +9871,6 @@
               <a:rPr lang="zh-CN" altLang="en-US" smtClean="0"/>
               <a:t>第三级</a:t>
             </a:r>
-            <a:endParaRPr lang="zh-CN" altLang="en-US" smtClean="0"/>
           </a:p>
           <a:p>
             <a:pPr lvl="3"/>
@@ -9840,7 +9878,6 @@
               <a:rPr lang="zh-CN" altLang="en-US" smtClean="0"/>
               <a:t>第四级</a:t>
             </a:r>
-            <a:endParaRPr lang="zh-CN" altLang="en-US" smtClean="0"/>
           </a:p>
           <a:p>
             <a:pPr lvl="4"/>
@@ -10038,7 +10075,6 @@
               <a:rPr lang="zh-CN" altLang="en-US" smtClean="0"/>
               <a:t>单击此处编辑母版文本样式</a:t>
             </a:r>
-            <a:endParaRPr lang="zh-CN" altLang="en-US" smtClean="0"/>
           </a:p>
           <a:p>
             <a:pPr lvl="1"/>
@@ -10046,7 +10082,6 @@
               <a:rPr lang="zh-CN" altLang="en-US" smtClean="0"/>
               <a:t>第二级</a:t>
             </a:r>
-            <a:endParaRPr lang="zh-CN" altLang="en-US" smtClean="0"/>
           </a:p>
           <a:p>
             <a:pPr lvl="2"/>
@@ -10054,7 +10089,6 @@
               <a:rPr lang="zh-CN" altLang="en-US" smtClean="0"/>
               <a:t>第三级</a:t>
             </a:r>
-            <a:endParaRPr lang="zh-CN" altLang="en-US" smtClean="0"/>
           </a:p>
           <a:p>
             <a:pPr lvl="3"/>
@@ -10062,7 +10096,6 @@
               <a:rPr lang="zh-CN" altLang="en-US" smtClean="0"/>
               <a:t>第四级</a:t>
             </a:r>
-            <a:endParaRPr lang="zh-CN" altLang="en-US" smtClean="0"/>
           </a:p>
           <a:p>
             <a:pPr lvl="4"/>
@@ -10136,7 +10169,6 @@
               <a:rPr lang="zh-CN" altLang="en-US" smtClean="0"/>
               <a:t>单击此处编辑母版文本样式</a:t>
             </a:r>
-            <a:endParaRPr lang="zh-CN" altLang="en-US" smtClean="0"/>
           </a:p>
         </p:txBody>
       </p:sp>
@@ -10194,7 +10226,6 @@
               <a:rPr lang="zh-CN" altLang="en-US" smtClean="0"/>
               <a:t>单击此处编辑母版文本样式</a:t>
             </a:r>
-            <a:endParaRPr lang="zh-CN" altLang="en-US" smtClean="0"/>
           </a:p>
           <a:p>
             <a:pPr lvl="1"/>
@@ -10202,7 +10233,6 @@
               <a:rPr lang="zh-CN" altLang="en-US" smtClean="0"/>
               <a:t>第二级</a:t>
             </a:r>
-            <a:endParaRPr lang="zh-CN" altLang="en-US" smtClean="0"/>
           </a:p>
           <a:p>
             <a:pPr lvl="2"/>
@@ -10210,7 +10240,6 @@
               <a:rPr lang="zh-CN" altLang="en-US" smtClean="0"/>
               <a:t>第三级</a:t>
             </a:r>
-            <a:endParaRPr lang="zh-CN" altLang="en-US" smtClean="0"/>
           </a:p>
           <a:p>
             <a:pPr lvl="3"/>
@@ -10218,7 +10247,6 @@
               <a:rPr lang="zh-CN" altLang="en-US" smtClean="0"/>
               <a:t>第四级</a:t>
             </a:r>
-            <a:endParaRPr lang="zh-CN" altLang="en-US" smtClean="0"/>
           </a:p>
           <a:p>
             <a:pPr lvl="4"/>
@@ -10441,7 +10469,6 @@
               <a:rPr lang="zh-CN" altLang="en-US" smtClean="0"/>
               <a:t>单击此处编辑母版文本样式</a:t>
             </a:r>
-            <a:endParaRPr lang="zh-CN" altLang="en-US" smtClean="0"/>
           </a:p>
         </p:txBody>
       </p:sp>
@@ -10514,7 +10541,6 @@
               <a:rPr lang="zh-CN" altLang="en-US" smtClean="0"/>
               <a:t>单击此处编辑母版文本样式</a:t>
             </a:r>
-            <a:endParaRPr lang="zh-CN" altLang="en-US" smtClean="0"/>
           </a:p>
           <a:p>
             <a:pPr lvl="1"/>
@@ -10522,7 +10548,6 @@
               <a:rPr lang="zh-CN" altLang="en-US" smtClean="0"/>
               <a:t>第二级</a:t>
             </a:r>
-            <a:endParaRPr lang="zh-CN" altLang="en-US" smtClean="0"/>
           </a:p>
           <a:p>
             <a:pPr lvl="2"/>
@@ -10530,7 +10555,6 @@
               <a:rPr lang="zh-CN" altLang="en-US" smtClean="0"/>
               <a:t>第三级</a:t>
             </a:r>
-            <a:endParaRPr lang="zh-CN" altLang="en-US" smtClean="0"/>
           </a:p>
           <a:p>
             <a:pPr lvl="3"/>
@@ -10538,7 +10562,6 @@
               <a:rPr lang="zh-CN" altLang="en-US" smtClean="0"/>
               <a:t>第四级</a:t>
             </a:r>
-            <a:endParaRPr lang="zh-CN" altLang="en-US" smtClean="0"/>
           </a:p>
           <a:p>
             <a:pPr lvl="4"/>
@@ -10629,7 +10652,6 @@
               <a:rPr lang="zh-CN" altLang="en-US" smtClean="0"/>
               <a:t>单击此处编辑母版文本样式</a:t>
             </a:r>
-            <a:endParaRPr lang="zh-CN" altLang="en-US" smtClean="0"/>
           </a:p>
           <a:p>
             <a:pPr lvl="1"/>
@@ -10637,7 +10659,6 @@
               <a:rPr lang="zh-CN" altLang="en-US" smtClean="0"/>
               <a:t>第二级</a:t>
             </a:r>
-            <a:endParaRPr lang="zh-CN" altLang="en-US" smtClean="0"/>
           </a:p>
           <a:p>
             <a:pPr lvl="2"/>
@@ -10645,7 +10666,6 @@
               <a:rPr lang="zh-CN" altLang="en-US" smtClean="0"/>
               <a:t>第三级</a:t>
             </a:r>
-            <a:endParaRPr lang="zh-CN" altLang="en-US" smtClean="0"/>
           </a:p>
           <a:p>
             <a:pPr lvl="3"/>
@@ -10653,7 +10673,6 @@
               <a:rPr lang="zh-CN" altLang="en-US" smtClean="0"/>
               <a:t>第四级</a:t>
             </a:r>
-            <a:endParaRPr lang="zh-CN" altLang="en-US" smtClean="0"/>
           </a:p>
           <a:p>
             <a:pPr lvl="4"/>
@@ -10868,7 +10887,6 @@
               <a:rPr lang="zh-CN" altLang="en-US" smtClean="0"/>
               <a:t>单击此处编辑母版文本样式</a:t>
             </a:r>
-            <a:endParaRPr lang="zh-CN" altLang="en-US" smtClean="0"/>
           </a:p>
           <a:p>
             <a:pPr lvl="1"/>
@@ -10876,7 +10894,6 @@
               <a:rPr lang="zh-CN" altLang="en-US" smtClean="0"/>
               <a:t>第二级</a:t>
             </a:r>
-            <a:endParaRPr lang="zh-CN" altLang="en-US" smtClean="0"/>
           </a:p>
           <a:p>
             <a:pPr lvl="2"/>
@@ -10884,7 +10901,6 @@
               <a:rPr lang="zh-CN" altLang="en-US" smtClean="0"/>
               <a:t>第三级</a:t>
             </a:r>
-            <a:endParaRPr lang="zh-CN" altLang="en-US" smtClean="0"/>
           </a:p>
           <a:p>
             <a:pPr lvl="3"/>
@@ -10892,7 +10908,6 @@
               <a:rPr lang="zh-CN" altLang="en-US" smtClean="0"/>
               <a:t>第四级</a:t>
             </a:r>
-            <a:endParaRPr lang="zh-CN" altLang="en-US" smtClean="0"/>
           </a:p>
           <a:p>
             <a:pPr lvl="4"/>
@@ -11027,7 +11042,6 @@
               <a:rPr lang="zh-CN" altLang="en-US" smtClean="0"/>
               <a:t>单击此处编辑母版文本样式</a:t>
             </a:r>
-            <a:endParaRPr lang="zh-CN" altLang="en-US" smtClean="0"/>
           </a:p>
         </p:txBody>
       </p:sp>
@@ -11108,7 +11122,6 @@
               <a:rPr lang="zh-CN" altLang="en-US" smtClean="0"/>
               <a:t>单击此处编辑母版文本样式</a:t>
             </a:r>
-            <a:endParaRPr lang="zh-CN" altLang="en-US" smtClean="0"/>
           </a:p>
           <a:p>
             <a:pPr lvl="1"/>
@@ -11116,7 +11129,6 @@
               <a:rPr lang="zh-CN" altLang="en-US" smtClean="0"/>
               <a:t>第二级</a:t>
             </a:r>
-            <a:endParaRPr lang="zh-CN" altLang="en-US" smtClean="0"/>
           </a:p>
           <a:p>
             <a:pPr lvl="2"/>
@@ -11124,7 +11136,6 @@
               <a:rPr lang="zh-CN" altLang="en-US" smtClean="0"/>
               <a:t>第三级</a:t>
             </a:r>
-            <a:endParaRPr lang="zh-CN" altLang="en-US" smtClean="0"/>
           </a:p>
           <a:p>
             <a:pPr lvl="3"/>
@@ -11132,7 +11143,6 @@
               <a:rPr lang="zh-CN" altLang="en-US" smtClean="0"/>
               <a:t>第四级</a:t>
             </a:r>
-            <a:endParaRPr lang="zh-CN" altLang="en-US" smtClean="0"/>
           </a:p>
           <a:p>
             <a:pPr lvl="4"/>
@@ -11172,7 +11182,6 @@
               <a:rPr lang="zh-CN" altLang="en-US" smtClean="0"/>
               <a:t>单击此处编辑母版文本样式</a:t>
             </a:r>
-            <a:endParaRPr lang="zh-CN" altLang="en-US" smtClean="0"/>
           </a:p>
           <a:p>
             <a:pPr lvl="1"/>
@@ -11180,7 +11189,6 @@
               <a:rPr lang="zh-CN" altLang="en-US" smtClean="0"/>
               <a:t>第二级</a:t>
             </a:r>
-            <a:endParaRPr lang="zh-CN" altLang="en-US" smtClean="0"/>
           </a:p>
           <a:p>
             <a:pPr lvl="2"/>
@@ -11188,7 +11196,6 @@
               <a:rPr lang="zh-CN" altLang="en-US" smtClean="0"/>
               <a:t>第三级</a:t>
             </a:r>
-            <a:endParaRPr lang="zh-CN" altLang="en-US" smtClean="0"/>
           </a:p>
           <a:p>
             <a:pPr lvl="3"/>
@@ -11196,7 +11203,6 @@
               <a:rPr lang="zh-CN" altLang="en-US" smtClean="0"/>
               <a:t>第四级</a:t>
             </a:r>
-            <a:endParaRPr lang="zh-CN" altLang="en-US" smtClean="0"/>
           </a:p>
           <a:p>
             <a:pPr lvl="4"/>
@@ -11327,7 +11333,6 @@
               <a:rPr lang="zh-CN" altLang="en-US" smtClean="0"/>
               <a:t>单击此处编辑母版文本样式</a:t>
             </a:r>
-            <a:endParaRPr lang="zh-CN" altLang="en-US" smtClean="0"/>
           </a:p>
         </p:txBody>
       </p:sp>
@@ -11359,7 +11364,6 @@
               <a:rPr lang="zh-CN" altLang="en-US" smtClean="0"/>
               <a:t>单击此处编辑母版文本样式</a:t>
             </a:r>
-            <a:endParaRPr lang="zh-CN" altLang="en-US" smtClean="0"/>
           </a:p>
           <a:p>
             <a:pPr lvl="1"/>
@@ -11367,7 +11371,6 @@
               <a:rPr lang="zh-CN" altLang="en-US" smtClean="0"/>
               <a:t>第二级</a:t>
             </a:r>
-            <a:endParaRPr lang="zh-CN" altLang="en-US" smtClean="0"/>
           </a:p>
           <a:p>
             <a:pPr lvl="2"/>
@@ -11375,7 +11378,6 @@
               <a:rPr lang="zh-CN" altLang="en-US" smtClean="0"/>
               <a:t>第三级</a:t>
             </a:r>
-            <a:endParaRPr lang="zh-CN" altLang="en-US" smtClean="0"/>
           </a:p>
           <a:p>
             <a:pPr lvl="3"/>
@@ -11383,7 +11385,6 @@
               <a:rPr lang="zh-CN" altLang="en-US" smtClean="0"/>
               <a:t>第四级</a:t>
             </a:r>
-            <a:endParaRPr lang="zh-CN" altLang="en-US" smtClean="0"/>
           </a:p>
           <a:p>
             <a:pPr lvl="4"/>
@@ -11460,7 +11461,6 @@
               <a:rPr lang="zh-CN" altLang="en-US" smtClean="0"/>
               <a:t>单击此处编辑母版文本样式</a:t>
             </a:r>
-            <a:endParaRPr lang="zh-CN" altLang="en-US" smtClean="0"/>
           </a:p>
         </p:txBody>
       </p:sp>
@@ -11492,7 +11492,6 @@
               <a:rPr lang="zh-CN" altLang="en-US" smtClean="0"/>
               <a:t>单击此处编辑母版文本样式</a:t>
             </a:r>
-            <a:endParaRPr lang="zh-CN" altLang="en-US" smtClean="0"/>
           </a:p>
           <a:p>
             <a:pPr lvl="1"/>
@@ -11500,7 +11499,6 @@
               <a:rPr lang="zh-CN" altLang="en-US" smtClean="0"/>
               <a:t>第二级</a:t>
             </a:r>
-            <a:endParaRPr lang="zh-CN" altLang="en-US" smtClean="0"/>
           </a:p>
           <a:p>
             <a:pPr lvl="2"/>
@@ -11508,7 +11506,6 @@
               <a:rPr lang="zh-CN" altLang="en-US" smtClean="0"/>
               <a:t>第三级</a:t>
             </a:r>
-            <a:endParaRPr lang="zh-CN" altLang="en-US" smtClean="0"/>
           </a:p>
           <a:p>
             <a:pPr lvl="3"/>
@@ -11516,7 +11513,6 @@
               <a:rPr lang="zh-CN" altLang="en-US" smtClean="0"/>
               <a:t>第四级</a:t>
             </a:r>
-            <a:endParaRPr lang="zh-CN" altLang="en-US" smtClean="0"/>
           </a:p>
           <a:p>
             <a:pPr lvl="4"/>
@@ -11729,7 +11725,6 @@
               <a:rPr lang="zh-CN" altLang="en-US" smtClean="0"/>
               <a:t>单击此处编辑母版文本样式</a:t>
             </a:r>
-            <a:endParaRPr lang="zh-CN" altLang="en-US" smtClean="0"/>
           </a:p>
         </p:txBody>
       </p:sp>
@@ -11847,7 +11842,6 @@
               <a:rPr lang="zh-CN" altLang="en-US" smtClean="0"/>
               <a:t>单击此处编辑母版文本样式</a:t>
             </a:r>
-            <a:endParaRPr lang="zh-CN" altLang="en-US" smtClean="0"/>
           </a:p>
           <a:p>
             <a:pPr lvl="1"/>
@@ -11855,7 +11849,6 @@
               <a:rPr lang="zh-CN" altLang="en-US" smtClean="0"/>
               <a:t>第二级</a:t>
             </a:r>
-            <a:endParaRPr lang="zh-CN" altLang="en-US" smtClean="0"/>
           </a:p>
           <a:p>
             <a:pPr lvl="2"/>
@@ -11863,7 +11856,6 @@
               <a:rPr lang="zh-CN" altLang="en-US" smtClean="0"/>
               <a:t>第三级</a:t>
             </a:r>
-            <a:endParaRPr lang="zh-CN" altLang="en-US" smtClean="0"/>
           </a:p>
           <a:p>
             <a:pPr lvl="3"/>
@@ -11871,7 +11863,6 @@
               <a:rPr lang="zh-CN" altLang="en-US" smtClean="0"/>
               <a:t>第四级</a:t>
             </a:r>
-            <a:endParaRPr lang="zh-CN" altLang="en-US" smtClean="0"/>
           </a:p>
           <a:p>
             <a:pPr lvl="4"/>
@@ -11948,7 +11939,6 @@
               <a:rPr lang="zh-CN" altLang="en-US" smtClean="0"/>
               <a:t>单击此处编辑母版文本样式</a:t>
             </a:r>
-            <a:endParaRPr lang="zh-CN" altLang="en-US" smtClean="0"/>
           </a:p>
         </p:txBody>
       </p:sp>
@@ -12169,7 +12159,6 @@
               <a:rPr lang="zh-CN" altLang="en-US" smtClean="0"/>
               <a:t>单击此处编辑母版文本样式</a:t>
             </a:r>
-            <a:endParaRPr lang="zh-CN" altLang="en-US" smtClean="0"/>
           </a:p>
         </p:txBody>
       </p:sp>
@@ -12250,7 +12239,6 @@
               <a:rPr lang="zh-CN" altLang="en-US" smtClean="0"/>
               <a:t>单击此处编辑母版文本样式</a:t>
             </a:r>
-            <a:endParaRPr lang="zh-CN" altLang="en-US" smtClean="0"/>
           </a:p>
           <a:p>
             <a:pPr lvl="1"/>
@@ -12258,7 +12246,6 @@
               <a:rPr lang="zh-CN" altLang="en-US" smtClean="0"/>
               <a:t>第二级</a:t>
             </a:r>
-            <a:endParaRPr lang="zh-CN" altLang="en-US" smtClean="0"/>
           </a:p>
           <a:p>
             <a:pPr lvl="2"/>
@@ -12266,7 +12253,6 @@
               <a:rPr lang="zh-CN" altLang="en-US" smtClean="0"/>
               <a:t>第三级</a:t>
             </a:r>
-            <a:endParaRPr lang="zh-CN" altLang="en-US" smtClean="0"/>
           </a:p>
           <a:p>
             <a:pPr lvl="3"/>
@@ -12274,7 +12260,6 @@
               <a:rPr lang="zh-CN" altLang="en-US" smtClean="0"/>
               <a:t>第四级</a:t>
             </a:r>
-            <a:endParaRPr lang="zh-CN" altLang="en-US" smtClean="0"/>
           </a:p>
           <a:p>
             <a:pPr lvl="4"/>
@@ -12368,7 +12353,6 @@
               <a:rPr lang="zh-CN" altLang="en-US" smtClean="0"/>
               <a:t>单击此处编辑母版文本样式</a:t>
             </a:r>
-            <a:endParaRPr lang="zh-CN" altLang="en-US" smtClean="0"/>
           </a:p>
           <a:p>
             <a:pPr lvl="1"/>
@@ -12376,7 +12360,6 @@
               <a:rPr lang="zh-CN" altLang="en-US" smtClean="0"/>
               <a:t>第二级</a:t>
             </a:r>
-            <a:endParaRPr lang="zh-CN" altLang="en-US" smtClean="0"/>
           </a:p>
           <a:p>
             <a:pPr lvl="2"/>
@@ -12384,7 +12367,6 @@
               <a:rPr lang="zh-CN" altLang="en-US" smtClean="0"/>
               <a:t>第三级</a:t>
             </a:r>
-            <a:endParaRPr lang="zh-CN" altLang="en-US" smtClean="0"/>
           </a:p>
           <a:p>
             <a:pPr lvl="3"/>
@@ -12392,7 +12374,6 @@
               <a:rPr lang="zh-CN" altLang="en-US" smtClean="0"/>
               <a:t>第四级</a:t>
             </a:r>
-            <a:endParaRPr lang="zh-CN" altLang="en-US" smtClean="0"/>
           </a:p>
           <a:p>
             <a:pPr lvl="4"/>
@@ -12596,7 +12577,6 @@
               <a:rPr lang="zh-CN" altLang="en-US" smtClean="0"/>
               <a:t>单击此处编辑母版文本样式</a:t>
             </a:r>
-            <a:endParaRPr lang="zh-CN" altLang="en-US" smtClean="0"/>
           </a:p>
           <a:p>
             <a:pPr lvl="1"/>
@@ -12604,7 +12584,6 @@
               <a:rPr lang="zh-CN" altLang="en-US" smtClean="0"/>
               <a:t>第二级</a:t>
             </a:r>
-            <a:endParaRPr lang="zh-CN" altLang="en-US" smtClean="0"/>
           </a:p>
           <a:p>
             <a:pPr lvl="2"/>
@@ -12612,7 +12591,6 @@
               <a:rPr lang="zh-CN" altLang="en-US" smtClean="0"/>
               <a:t>第三级</a:t>
             </a:r>
-            <a:endParaRPr lang="zh-CN" altLang="en-US" smtClean="0"/>
           </a:p>
           <a:p>
             <a:pPr lvl="3"/>
@@ -12620,7 +12598,6 @@
               <a:rPr lang="zh-CN" altLang="en-US" smtClean="0"/>
               <a:t>第四级</a:t>
             </a:r>
-            <a:endParaRPr lang="zh-CN" altLang="en-US" smtClean="0"/>
           </a:p>
           <a:p>
             <a:pPr lvl="4"/>
@@ -12752,7 +12729,6 @@
               <a:rPr lang="zh-CN" altLang="en-US" smtClean="0"/>
               <a:t>单击此处编辑母版文本样式</a:t>
             </a:r>
-            <a:endParaRPr lang="zh-CN" altLang="en-US" smtClean="0"/>
           </a:p>
         </p:txBody>
       </p:sp>
@@ -12830,7 +12806,6 @@
               <a:rPr lang="zh-CN" altLang="en-US" smtClean="0"/>
               <a:t>单击此处编辑母版文本样式</a:t>
             </a:r>
-            <a:endParaRPr lang="zh-CN" altLang="en-US" smtClean="0"/>
           </a:p>
           <a:p>
             <a:pPr lvl="1"/>
@@ -12838,7 +12813,6 @@
               <a:rPr lang="zh-CN" altLang="en-US" smtClean="0"/>
               <a:t>第二级</a:t>
             </a:r>
-            <a:endParaRPr lang="zh-CN" altLang="en-US" smtClean="0"/>
           </a:p>
           <a:p>
             <a:pPr lvl="2"/>
@@ -12846,7 +12820,6 @@
               <a:rPr lang="zh-CN" altLang="en-US" smtClean="0"/>
               <a:t>第三级</a:t>
             </a:r>
-            <a:endParaRPr lang="zh-CN" altLang="en-US" smtClean="0"/>
           </a:p>
           <a:p>
             <a:pPr lvl="3"/>
@@ -12854,7 +12827,6 @@
               <a:rPr lang="zh-CN" altLang="en-US" smtClean="0"/>
               <a:t>第四级</a:t>
             </a:r>
-            <a:endParaRPr lang="zh-CN" altLang="en-US" smtClean="0"/>
           </a:p>
           <a:p>
             <a:pPr lvl="4"/>
@@ -12891,7 +12863,6 @@
               <a:rPr lang="zh-CN" altLang="en-US" smtClean="0"/>
               <a:t>单击此处编辑母版文本样式</a:t>
             </a:r>
-            <a:endParaRPr lang="zh-CN" altLang="en-US" smtClean="0"/>
           </a:p>
           <a:p>
             <a:pPr lvl="1"/>
@@ -12899,7 +12870,6 @@
               <a:rPr lang="zh-CN" altLang="en-US" smtClean="0"/>
               <a:t>第二级</a:t>
             </a:r>
-            <a:endParaRPr lang="zh-CN" altLang="en-US" smtClean="0"/>
           </a:p>
           <a:p>
             <a:pPr lvl="2"/>
@@ -12907,7 +12877,6 @@
               <a:rPr lang="zh-CN" altLang="en-US" smtClean="0"/>
               <a:t>第三级</a:t>
             </a:r>
-            <a:endParaRPr lang="zh-CN" altLang="en-US" smtClean="0"/>
           </a:p>
           <a:p>
             <a:pPr lvl="3"/>
@@ -12915,7 +12884,6 @@
               <a:rPr lang="zh-CN" altLang="en-US" smtClean="0"/>
               <a:t>第四级</a:t>
             </a:r>
-            <a:endParaRPr lang="zh-CN" altLang="en-US" smtClean="0"/>
           </a:p>
           <a:p>
             <a:pPr lvl="4"/>
@@ -13043,7 +13011,6 @@
               <a:rPr lang="zh-CN" altLang="en-US" smtClean="0"/>
               <a:t>单击此处编辑母版文本样式</a:t>
             </a:r>
-            <a:endParaRPr lang="zh-CN" altLang="en-US" smtClean="0"/>
           </a:p>
         </p:txBody>
       </p:sp>
@@ -13072,7 +13039,6 @@
               <a:rPr lang="zh-CN" altLang="en-US" smtClean="0"/>
               <a:t>单击此处编辑母版文本样式</a:t>
             </a:r>
-            <a:endParaRPr lang="zh-CN" altLang="en-US" smtClean="0"/>
           </a:p>
           <a:p>
             <a:pPr lvl="1"/>
@@ -13080,7 +13046,6 @@
               <a:rPr lang="zh-CN" altLang="en-US" smtClean="0"/>
               <a:t>第二级</a:t>
             </a:r>
-            <a:endParaRPr lang="zh-CN" altLang="en-US" smtClean="0"/>
           </a:p>
           <a:p>
             <a:pPr lvl="2"/>
@@ -13088,7 +13053,6 @@
               <a:rPr lang="zh-CN" altLang="en-US" smtClean="0"/>
               <a:t>第三级</a:t>
             </a:r>
-            <a:endParaRPr lang="zh-CN" altLang="en-US" smtClean="0"/>
           </a:p>
           <a:p>
             <a:pPr lvl="3"/>
@@ -13096,7 +13060,6 @@
               <a:rPr lang="zh-CN" altLang="en-US" smtClean="0"/>
               <a:t>第四级</a:t>
             </a:r>
-            <a:endParaRPr lang="zh-CN" altLang="en-US" smtClean="0"/>
           </a:p>
           <a:p>
             <a:pPr lvl="4"/>
@@ -13170,7 +13133,6 @@
               <a:rPr lang="zh-CN" altLang="en-US" smtClean="0"/>
               <a:t>单击此处编辑母版文本样式</a:t>
             </a:r>
-            <a:endParaRPr lang="zh-CN" altLang="en-US" smtClean="0"/>
           </a:p>
         </p:txBody>
       </p:sp>
@@ -13199,7 +13161,6 @@
               <a:rPr lang="zh-CN" altLang="en-US" smtClean="0"/>
               <a:t>单击此处编辑母版文本样式</a:t>
             </a:r>
-            <a:endParaRPr lang="zh-CN" altLang="en-US" smtClean="0"/>
           </a:p>
           <a:p>
             <a:pPr lvl="1"/>
@@ -13207,7 +13168,6 @@
               <a:rPr lang="zh-CN" altLang="en-US" smtClean="0"/>
               <a:t>第二级</a:t>
             </a:r>
-            <a:endParaRPr lang="zh-CN" altLang="en-US" smtClean="0"/>
           </a:p>
           <a:p>
             <a:pPr lvl="2"/>
@@ -13215,7 +13175,6 @@
               <a:rPr lang="zh-CN" altLang="en-US" smtClean="0"/>
               <a:t>第三级</a:t>
             </a:r>
-            <a:endParaRPr lang="zh-CN" altLang="en-US" smtClean="0"/>
           </a:p>
           <a:p>
             <a:pPr lvl="3"/>
@@ -13223,7 +13182,6 @@
               <a:rPr lang="zh-CN" altLang="en-US" smtClean="0"/>
               <a:t>第四级</a:t>
             </a:r>
-            <a:endParaRPr lang="zh-CN" altLang="en-US" smtClean="0"/>
           </a:p>
           <a:p>
             <a:pPr lvl="4"/>
@@ -13369,7 +13327,6 @@
               <a:rPr lang="zh-CN" altLang="en-US" smtClean="0"/>
               <a:t>单击此处编辑母版文本样式</a:t>
             </a:r>
-            <a:endParaRPr lang="zh-CN" altLang="en-US" smtClean="0"/>
           </a:p>
           <a:p>
             <a:pPr lvl="1"/>
@@ -13377,7 +13334,6 @@
               <a:rPr lang="zh-CN" altLang="en-US" smtClean="0"/>
               <a:t>第二级</a:t>
             </a:r>
-            <a:endParaRPr lang="zh-CN" altLang="en-US" smtClean="0"/>
           </a:p>
           <a:p>
             <a:pPr lvl="2"/>
@@ -13385,7 +13341,6 @@
               <a:rPr lang="zh-CN" altLang="en-US" smtClean="0"/>
               <a:t>第三级</a:t>
             </a:r>
-            <a:endParaRPr lang="zh-CN" altLang="en-US" smtClean="0"/>
           </a:p>
           <a:p>
             <a:pPr lvl="3"/>
@@ -13393,7 +13348,6 @@
               <a:rPr lang="zh-CN" altLang="en-US" smtClean="0"/>
               <a:t>第四级</a:t>
             </a:r>
-            <a:endParaRPr lang="zh-CN" altLang="en-US" smtClean="0"/>
           </a:p>
           <a:p>
             <a:pPr lvl="4"/>
@@ -13433,7 +13387,6 @@
               <a:rPr lang="zh-CN" altLang="en-US" smtClean="0"/>
               <a:t>单击此处编辑母版文本样式</a:t>
             </a:r>
-            <a:endParaRPr lang="zh-CN" altLang="en-US" smtClean="0"/>
           </a:p>
           <a:p>
             <a:pPr lvl="1"/>
@@ -13441,7 +13394,6 @@
               <a:rPr lang="zh-CN" altLang="en-US" smtClean="0"/>
               <a:t>第二级</a:t>
             </a:r>
-            <a:endParaRPr lang="zh-CN" altLang="en-US" smtClean="0"/>
           </a:p>
           <a:p>
             <a:pPr lvl="2"/>
@@ -13449,7 +13401,6 @@
               <a:rPr lang="zh-CN" altLang="en-US" smtClean="0"/>
               <a:t>第三级</a:t>
             </a:r>
-            <a:endParaRPr lang="zh-CN" altLang="en-US" smtClean="0"/>
           </a:p>
           <a:p>
             <a:pPr lvl="3"/>
@@ -13457,7 +13408,6 @@
               <a:rPr lang="zh-CN" altLang="en-US" smtClean="0"/>
               <a:t>第四级</a:t>
             </a:r>
-            <a:endParaRPr lang="zh-CN" altLang="en-US" smtClean="0"/>
           </a:p>
           <a:p>
             <a:pPr lvl="4"/>
@@ -13606,7 +13556,6 @@
               <a:rPr lang="zh-CN" altLang="en-US" smtClean="0"/>
               <a:t>单击此处编辑母版文本样式</a:t>
             </a:r>
-            <a:endParaRPr lang="zh-CN" altLang="en-US" smtClean="0"/>
           </a:p>
           <a:p>
             <a:pPr lvl="1"/>
@@ -13614,7 +13563,6 @@
               <a:rPr lang="zh-CN" altLang="en-US" smtClean="0"/>
               <a:t>第二级</a:t>
             </a:r>
-            <a:endParaRPr lang="zh-CN" altLang="en-US" smtClean="0"/>
           </a:p>
           <a:p>
             <a:pPr lvl="2"/>
@@ -13622,7 +13570,6 @@
               <a:rPr lang="zh-CN" altLang="en-US" smtClean="0"/>
               <a:t>第三级</a:t>
             </a:r>
-            <a:endParaRPr lang="zh-CN" altLang="en-US" smtClean="0"/>
           </a:p>
           <a:p>
             <a:pPr lvl="3"/>
@@ -13630,7 +13577,6 @@
               <a:rPr lang="zh-CN" altLang="en-US" smtClean="0"/>
               <a:t>第四级</a:t>
             </a:r>
-            <a:endParaRPr lang="zh-CN" altLang="en-US" smtClean="0"/>
           </a:p>
           <a:p>
             <a:pPr lvl="4"/>
@@ -13704,7 +13650,6 @@
               <a:rPr lang="zh-CN" altLang="en-US" smtClean="0"/>
               <a:t>单击此处编辑母版文本样式</a:t>
             </a:r>
-            <a:endParaRPr lang="zh-CN" altLang="en-US" smtClean="0"/>
           </a:p>
         </p:txBody>
       </p:sp>
@@ -13919,7 +13864,6 @@
               <a:rPr lang="zh-CN" altLang="en-US" smtClean="0"/>
               <a:t>单击此处编辑母版文本样式</a:t>
             </a:r>
-            <a:endParaRPr lang="zh-CN" altLang="en-US" smtClean="0"/>
           </a:p>
         </p:txBody>
       </p:sp>
@@ -13992,7 +13936,6 @@
               <a:rPr lang="zh-CN" altLang="en-US" smtClean="0"/>
               <a:t>单击此处编辑母版文本样式</a:t>
             </a:r>
-            <a:endParaRPr lang="zh-CN" altLang="en-US" smtClean="0"/>
           </a:p>
           <a:p>
             <a:pPr lvl="1"/>
@@ -14000,7 +13943,6 @@
               <a:rPr lang="zh-CN" altLang="en-US" smtClean="0"/>
               <a:t>第二级</a:t>
             </a:r>
-            <a:endParaRPr lang="zh-CN" altLang="en-US" smtClean="0"/>
           </a:p>
           <a:p>
             <a:pPr lvl="2"/>
@@ -14008,7 +13950,6 @@
               <a:rPr lang="zh-CN" altLang="en-US" smtClean="0"/>
               <a:t>第三级</a:t>
             </a:r>
-            <a:endParaRPr lang="zh-CN" altLang="en-US" smtClean="0"/>
           </a:p>
           <a:p>
             <a:pPr lvl="3"/>
@@ -14016,7 +13957,6 @@
               <a:rPr lang="zh-CN" altLang="en-US" smtClean="0"/>
               <a:t>第四级</a:t>
             </a:r>
-            <a:endParaRPr lang="zh-CN" altLang="en-US" smtClean="0"/>
           </a:p>
           <a:p>
             <a:pPr lvl="4"/>
@@ -14107,7 +14047,6 @@
               <a:rPr lang="zh-CN" altLang="en-US" smtClean="0"/>
               <a:t>单击此处编辑母版文本样式</a:t>
             </a:r>
-            <a:endParaRPr lang="zh-CN" altLang="en-US" smtClean="0"/>
           </a:p>
           <a:p>
             <a:pPr lvl="1"/>
@@ -14115,7 +14054,6 @@
               <a:rPr lang="zh-CN" altLang="en-US" smtClean="0"/>
               <a:t>第二级</a:t>
             </a:r>
-            <a:endParaRPr lang="zh-CN" altLang="en-US" smtClean="0"/>
           </a:p>
           <a:p>
             <a:pPr lvl="2"/>
@@ -14123,7 +14061,6 @@
               <a:rPr lang="zh-CN" altLang="en-US" smtClean="0"/>
               <a:t>第三级</a:t>
             </a:r>
-            <a:endParaRPr lang="zh-CN" altLang="en-US" smtClean="0"/>
           </a:p>
           <a:p>
             <a:pPr lvl="3"/>
@@ -14131,7 +14068,6 @@
               <a:rPr lang="zh-CN" altLang="en-US" smtClean="0"/>
               <a:t>第四级</a:t>
             </a:r>
-            <a:endParaRPr lang="zh-CN" altLang="en-US" smtClean="0"/>
           </a:p>
           <a:p>
             <a:pPr lvl="4"/>
@@ -14346,7 +14282,6 @@
               <a:rPr lang="zh-CN" altLang="en-US" smtClean="0"/>
               <a:t>单击此处编辑母版文本样式</a:t>
             </a:r>
-            <a:endParaRPr lang="zh-CN" altLang="en-US" smtClean="0"/>
           </a:p>
           <a:p>
             <a:pPr lvl="1"/>
@@ -14354,7 +14289,6 @@
               <a:rPr lang="zh-CN" altLang="en-US" smtClean="0"/>
               <a:t>第二级</a:t>
             </a:r>
-            <a:endParaRPr lang="zh-CN" altLang="en-US" smtClean="0"/>
           </a:p>
           <a:p>
             <a:pPr lvl="2"/>
@@ -14362,7 +14296,6 @@
               <a:rPr lang="zh-CN" altLang="en-US" smtClean="0"/>
               <a:t>第三级</a:t>
             </a:r>
-            <a:endParaRPr lang="zh-CN" altLang="en-US" smtClean="0"/>
           </a:p>
           <a:p>
             <a:pPr lvl="3"/>
@@ -14370,7 +14303,6 @@
               <a:rPr lang="zh-CN" altLang="en-US" smtClean="0"/>
               <a:t>第四级</a:t>
             </a:r>
-            <a:endParaRPr lang="zh-CN" altLang="en-US" smtClean="0"/>
           </a:p>
           <a:p>
             <a:pPr lvl="4"/>
@@ -14505,7 +14437,6 @@
               <a:rPr lang="zh-CN" altLang="en-US" smtClean="0"/>
               <a:t>单击此处编辑母版文本样式</a:t>
             </a:r>
-            <a:endParaRPr lang="zh-CN" altLang="en-US" smtClean="0"/>
           </a:p>
         </p:txBody>
       </p:sp>
@@ -14586,7 +14517,6 @@
               <a:rPr lang="zh-CN" altLang="en-US" smtClean="0"/>
               <a:t>单击此处编辑母版文本样式</a:t>
             </a:r>
-            <a:endParaRPr lang="zh-CN" altLang="en-US" smtClean="0"/>
           </a:p>
           <a:p>
             <a:pPr lvl="1"/>
@@ -14594,7 +14524,6 @@
               <a:rPr lang="zh-CN" altLang="en-US" smtClean="0"/>
               <a:t>第二级</a:t>
             </a:r>
-            <a:endParaRPr lang="zh-CN" altLang="en-US" smtClean="0"/>
           </a:p>
           <a:p>
             <a:pPr lvl="2"/>
@@ -14602,7 +14531,6 @@
               <a:rPr lang="zh-CN" altLang="en-US" smtClean="0"/>
               <a:t>第三级</a:t>
             </a:r>
-            <a:endParaRPr lang="zh-CN" altLang="en-US" smtClean="0"/>
           </a:p>
           <a:p>
             <a:pPr lvl="3"/>
@@ -14610,7 +14538,6 @@
               <a:rPr lang="zh-CN" altLang="en-US" smtClean="0"/>
               <a:t>第四级</a:t>
             </a:r>
-            <a:endParaRPr lang="zh-CN" altLang="en-US" smtClean="0"/>
           </a:p>
           <a:p>
             <a:pPr lvl="4"/>
@@ -14650,7 +14577,6 @@
               <a:rPr lang="zh-CN" altLang="en-US" smtClean="0"/>
               <a:t>单击此处编辑母版文本样式</a:t>
             </a:r>
-            <a:endParaRPr lang="zh-CN" altLang="en-US" smtClean="0"/>
           </a:p>
           <a:p>
             <a:pPr lvl="1"/>
@@ -14658,7 +14584,6 @@
               <a:rPr lang="zh-CN" altLang="en-US" smtClean="0"/>
               <a:t>第二级</a:t>
             </a:r>
-            <a:endParaRPr lang="zh-CN" altLang="en-US" smtClean="0"/>
           </a:p>
           <a:p>
             <a:pPr lvl="2"/>
@@ -14666,7 +14591,6 @@
               <a:rPr lang="zh-CN" altLang="en-US" smtClean="0"/>
               <a:t>第三级</a:t>
             </a:r>
-            <a:endParaRPr lang="zh-CN" altLang="en-US" smtClean="0"/>
           </a:p>
           <a:p>
             <a:pPr lvl="3"/>
@@ -14674,7 +14598,6 @@
               <a:rPr lang="zh-CN" altLang="en-US" smtClean="0"/>
               <a:t>第四级</a:t>
             </a:r>
-            <a:endParaRPr lang="zh-CN" altLang="en-US" smtClean="0"/>
           </a:p>
           <a:p>
             <a:pPr lvl="4"/>
@@ -14805,7 +14728,6 @@
               <a:rPr lang="zh-CN" altLang="en-US" smtClean="0"/>
               <a:t>单击此处编辑母版文本样式</a:t>
             </a:r>
-            <a:endParaRPr lang="zh-CN" altLang="en-US" smtClean="0"/>
           </a:p>
         </p:txBody>
       </p:sp>
@@ -14837,7 +14759,6 @@
               <a:rPr lang="zh-CN" altLang="en-US" smtClean="0"/>
               <a:t>单击此处编辑母版文本样式</a:t>
             </a:r>
-            <a:endParaRPr lang="zh-CN" altLang="en-US" smtClean="0"/>
           </a:p>
           <a:p>
             <a:pPr lvl="1"/>
@@ -14845,7 +14766,6 @@
               <a:rPr lang="zh-CN" altLang="en-US" smtClean="0"/>
               <a:t>第二级</a:t>
             </a:r>
-            <a:endParaRPr lang="zh-CN" altLang="en-US" smtClean="0"/>
           </a:p>
           <a:p>
             <a:pPr lvl="2"/>
@@ -14853,7 +14773,6 @@
               <a:rPr lang="zh-CN" altLang="en-US" smtClean="0"/>
               <a:t>第三级</a:t>
             </a:r>
-            <a:endParaRPr lang="zh-CN" altLang="en-US" smtClean="0"/>
           </a:p>
           <a:p>
             <a:pPr lvl="3"/>
@@ -14861,7 +14780,6 @@
               <a:rPr lang="zh-CN" altLang="en-US" smtClean="0"/>
               <a:t>第四级</a:t>
             </a:r>
-            <a:endParaRPr lang="zh-CN" altLang="en-US" smtClean="0"/>
           </a:p>
           <a:p>
             <a:pPr lvl="4"/>
@@ -14938,7 +14856,6 @@
               <a:rPr lang="zh-CN" altLang="en-US" smtClean="0"/>
               <a:t>单击此处编辑母版文本样式</a:t>
             </a:r>
-            <a:endParaRPr lang="zh-CN" altLang="en-US" smtClean="0"/>
           </a:p>
         </p:txBody>
       </p:sp>
@@ -14970,7 +14887,6 @@
               <a:rPr lang="zh-CN" altLang="en-US" smtClean="0"/>
               <a:t>单击此处编辑母版文本样式</a:t>
             </a:r>
-            <a:endParaRPr lang="zh-CN" altLang="en-US" smtClean="0"/>
           </a:p>
           <a:p>
             <a:pPr lvl="1"/>
@@ -14978,7 +14894,6 @@
               <a:rPr lang="zh-CN" altLang="en-US" smtClean="0"/>
               <a:t>第二级</a:t>
             </a:r>
-            <a:endParaRPr lang="zh-CN" altLang="en-US" smtClean="0"/>
           </a:p>
           <a:p>
             <a:pPr lvl="2"/>
@@ -14986,7 +14901,6 @@
               <a:rPr lang="zh-CN" altLang="en-US" smtClean="0"/>
               <a:t>第三级</a:t>
             </a:r>
-            <a:endParaRPr lang="zh-CN" altLang="en-US" smtClean="0"/>
           </a:p>
           <a:p>
             <a:pPr lvl="3"/>
@@ -14994,7 +14908,6 @@
               <a:rPr lang="zh-CN" altLang="en-US" smtClean="0"/>
               <a:t>第四级</a:t>
             </a:r>
-            <a:endParaRPr lang="zh-CN" altLang="en-US" smtClean="0"/>
           </a:p>
           <a:p>
             <a:pPr lvl="4"/>
@@ -15128,7 +15041,6 @@
               <a:rPr lang="zh-CN" altLang="en-US" smtClean="0"/>
               <a:t>单击此处编辑母版文本样式</a:t>
             </a:r>
-            <a:endParaRPr lang="zh-CN" altLang="en-US" smtClean="0"/>
           </a:p>
         </p:txBody>
       </p:sp>
@@ -15160,7 +15072,6 @@
               <a:rPr lang="zh-CN" altLang="en-US" smtClean="0"/>
               <a:t>单击此处编辑母版文本样式</a:t>
             </a:r>
-            <a:endParaRPr lang="zh-CN" altLang="en-US" smtClean="0"/>
           </a:p>
           <a:p>
             <a:pPr lvl="1"/>
@@ -15168,7 +15079,6 @@
               <a:rPr lang="zh-CN" altLang="en-US" smtClean="0"/>
               <a:t>第二级</a:t>
             </a:r>
-            <a:endParaRPr lang="zh-CN" altLang="en-US" smtClean="0"/>
           </a:p>
           <a:p>
             <a:pPr lvl="2"/>
@@ -15176,7 +15086,6 @@
               <a:rPr lang="zh-CN" altLang="en-US" smtClean="0"/>
               <a:t>第三级</a:t>
             </a:r>
-            <a:endParaRPr lang="zh-CN" altLang="en-US" smtClean="0"/>
           </a:p>
           <a:p>
             <a:pPr lvl="3"/>
@@ -15184,7 +15093,6 @@
               <a:rPr lang="zh-CN" altLang="en-US" smtClean="0"/>
               <a:t>第四级</a:t>
             </a:r>
-            <a:endParaRPr lang="zh-CN" altLang="en-US" smtClean="0"/>
           </a:p>
           <a:p>
             <a:pPr lvl="4"/>
@@ -15261,7 +15169,6 @@
               <a:rPr lang="zh-CN" altLang="en-US" smtClean="0"/>
               <a:t>单击此处编辑母版文本样式</a:t>
             </a:r>
-            <a:endParaRPr lang="zh-CN" altLang="en-US" smtClean="0"/>
           </a:p>
         </p:txBody>
       </p:sp>
@@ -15293,7 +15200,6 @@
               <a:rPr lang="zh-CN" altLang="en-US" smtClean="0"/>
               <a:t>单击此处编辑母版文本样式</a:t>
             </a:r>
-            <a:endParaRPr lang="zh-CN" altLang="en-US" smtClean="0"/>
           </a:p>
           <a:p>
             <a:pPr lvl="1"/>
@@ -15301,7 +15207,6 @@
               <a:rPr lang="zh-CN" altLang="en-US" smtClean="0"/>
               <a:t>第二级</a:t>
             </a:r>
-            <a:endParaRPr lang="zh-CN" altLang="en-US" smtClean="0"/>
           </a:p>
           <a:p>
             <a:pPr lvl="2"/>
@@ -15309,7 +15214,6 @@
               <a:rPr lang="zh-CN" altLang="en-US" smtClean="0"/>
               <a:t>第三级</a:t>
             </a:r>
-            <a:endParaRPr lang="zh-CN" altLang="en-US" smtClean="0"/>
           </a:p>
           <a:p>
             <a:pPr lvl="3"/>
@@ -15317,7 +15221,6 @@
               <a:rPr lang="zh-CN" altLang="en-US" smtClean="0"/>
               <a:t>第四级</a:t>
             </a:r>
-            <a:endParaRPr lang="zh-CN" altLang="en-US" smtClean="0"/>
           </a:p>
           <a:p>
             <a:pPr lvl="4"/>
@@ -15518,7 +15421,6 @@
               <a:rPr lang="zh-CN" altLang="en-US" smtClean="0"/>
               <a:t>单击此处编辑母版文本样式</a:t>
             </a:r>
-            <a:endParaRPr lang="zh-CN" altLang="en-US" smtClean="0"/>
           </a:p>
           <a:p>
             <a:pPr lvl="1"/>
@@ -15526,7 +15428,6 @@
               <a:rPr lang="zh-CN" altLang="en-US" smtClean="0"/>
               <a:t>第二级</a:t>
             </a:r>
-            <a:endParaRPr lang="zh-CN" altLang="en-US" smtClean="0"/>
           </a:p>
           <a:p>
             <a:pPr lvl="2"/>
@@ -15534,7 +15435,6 @@
               <a:rPr lang="zh-CN" altLang="en-US" smtClean="0"/>
               <a:t>第三级</a:t>
             </a:r>
-            <a:endParaRPr lang="zh-CN" altLang="en-US" smtClean="0"/>
           </a:p>
           <a:p>
             <a:pPr lvl="3"/>
@@ -15542,7 +15442,6 @@
               <a:rPr lang="zh-CN" altLang="en-US" smtClean="0"/>
               <a:t>第四级</a:t>
             </a:r>
-            <a:endParaRPr lang="zh-CN" altLang="en-US" smtClean="0"/>
           </a:p>
           <a:p>
             <a:pPr lvl="4"/>
@@ -15619,7 +15518,6 @@
               <a:rPr lang="zh-CN" altLang="en-US" smtClean="0"/>
               <a:t>单击此处编辑母版文本样式</a:t>
             </a:r>
-            <a:endParaRPr lang="zh-CN" altLang="en-US" smtClean="0"/>
           </a:p>
         </p:txBody>
       </p:sp>
@@ -15840,7 +15738,6 @@
               <a:rPr lang="zh-CN" altLang="en-US" smtClean="0"/>
               <a:t>单击此处编辑母版文本样式</a:t>
             </a:r>
-            <a:endParaRPr lang="zh-CN" altLang="en-US" smtClean="0"/>
           </a:p>
         </p:txBody>
       </p:sp>
@@ -15921,7 +15818,6 @@
               <a:rPr lang="zh-CN" altLang="en-US" smtClean="0"/>
               <a:t>单击此处编辑母版文本样式</a:t>
             </a:r>
-            <a:endParaRPr lang="zh-CN" altLang="en-US" smtClean="0"/>
           </a:p>
           <a:p>
             <a:pPr lvl="1"/>
@@ -15929,7 +15825,6 @@
               <a:rPr lang="zh-CN" altLang="en-US" smtClean="0"/>
               <a:t>第二级</a:t>
             </a:r>
-            <a:endParaRPr lang="zh-CN" altLang="en-US" smtClean="0"/>
           </a:p>
           <a:p>
             <a:pPr lvl="2"/>
@@ -15937,7 +15832,6 @@
               <a:rPr lang="zh-CN" altLang="en-US" smtClean="0"/>
               <a:t>第三级</a:t>
             </a:r>
-            <a:endParaRPr lang="zh-CN" altLang="en-US" smtClean="0"/>
           </a:p>
           <a:p>
             <a:pPr lvl="3"/>
@@ -15945,7 +15839,6 @@
               <a:rPr lang="zh-CN" altLang="en-US" smtClean="0"/>
               <a:t>第四级</a:t>
             </a:r>
-            <a:endParaRPr lang="zh-CN" altLang="en-US" smtClean="0"/>
           </a:p>
           <a:p>
             <a:pPr lvl="4"/>
@@ -16039,7 +15932,6 @@
               <a:rPr lang="zh-CN" altLang="en-US" smtClean="0"/>
               <a:t>单击此处编辑母版文本样式</a:t>
             </a:r>
-            <a:endParaRPr lang="zh-CN" altLang="en-US" smtClean="0"/>
           </a:p>
           <a:p>
             <a:pPr lvl="1"/>
@@ -16047,7 +15939,6 @@
               <a:rPr lang="zh-CN" altLang="en-US" smtClean="0"/>
               <a:t>第二级</a:t>
             </a:r>
-            <a:endParaRPr lang="zh-CN" altLang="en-US" smtClean="0"/>
           </a:p>
           <a:p>
             <a:pPr lvl="2"/>
@@ -16055,7 +15946,6 @@
               <a:rPr lang="zh-CN" altLang="en-US" smtClean="0"/>
               <a:t>第三级</a:t>
             </a:r>
-            <a:endParaRPr lang="zh-CN" altLang="en-US" smtClean="0"/>
           </a:p>
           <a:p>
             <a:pPr lvl="3"/>
@@ -16063,7 +15953,6 @@
               <a:rPr lang="zh-CN" altLang="en-US" smtClean="0"/>
               <a:t>第四级</a:t>
             </a:r>
-            <a:endParaRPr lang="zh-CN" altLang="en-US" smtClean="0"/>
           </a:p>
           <a:p>
             <a:pPr lvl="4"/>
@@ -16278,7 +16167,6 @@
               <a:rPr lang="zh-CN" altLang="en-US" smtClean="0"/>
               <a:t>单击此处编辑母版文本样式</a:t>
             </a:r>
-            <a:endParaRPr lang="zh-CN" altLang="en-US" smtClean="0"/>
           </a:p>
           <a:p>
             <a:pPr lvl="1"/>
@@ -16286,7 +16174,6 @@
               <a:rPr lang="zh-CN" altLang="en-US" smtClean="0"/>
               <a:t>第二级</a:t>
             </a:r>
-            <a:endParaRPr lang="zh-CN" altLang="en-US" smtClean="0"/>
           </a:p>
           <a:p>
             <a:pPr lvl="2"/>
@@ -16294,7 +16181,6 @@
               <a:rPr lang="zh-CN" altLang="en-US" smtClean="0"/>
               <a:t>第三级</a:t>
             </a:r>
-            <a:endParaRPr lang="zh-CN" altLang="en-US" smtClean="0"/>
           </a:p>
           <a:p>
             <a:pPr lvl="3"/>
@@ -16302,7 +16188,6 @@
               <a:rPr lang="zh-CN" altLang="en-US" smtClean="0"/>
               <a:t>第四级</a:t>
             </a:r>
-            <a:endParaRPr lang="zh-CN" altLang="en-US" smtClean="0"/>
           </a:p>
           <a:p>
             <a:pPr lvl="4"/>
@@ -16437,7 +16322,6 @@
               <a:rPr lang="zh-CN" altLang="en-US" smtClean="0"/>
               <a:t>单击此处编辑母版文本样式</a:t>
             </a:r>
-            <a:endParaRPr lang="zh-CN" altLang="en-US" smtClean="0"/>
           </a:p>
         </p:txBody>
       </p:sp>
@@ -16518,7 +16402,6 @@
               <a:rPr lang="zh-CN" altLang="en-US" smtClean="0"/>
               <a:t>单击此处编辑母版文本样式</a:t>
             </a:r>
-            <a:endParaRPr lang="zh-CN" altLang="en-US" smtClean="0"/>
           </a:p>
           <a:p>
             <a:pPr lvl="1"/>
@@ -16526,7 +16409,6 @@
               <a:rPr lang="zh-CN" altLang="en-US" smtClean="0"/>
               <a:t>第二级</a:t>
             </a:r>
-            <a:endParaRPr lang="zh-CN" altLang="en-US" smtClean="0"/>
           </a:p>
           <a:p>
             <a:pPr lvl="2"/>
@@ -16534,7 +16416,6 @@
               <a:rPr lang="zh-CN" altLang="en-US" smtClean="0"/>
               <a:t>第三级</a:t>
             </a:r>
-            <a:endParaRPr lang="zh-CN" altLang="en-US" smtClean="0"/>
           </a:p>
           <a:p>
             <a:pPr lvl="3"/>
@@ -16542,7 +16423,6 @@
               <a:rPr lang="zh-CN" altLang="en-US" smtClean="0"/>
               <a:t>第四级</a:t>
             </a:r>
-            <a:endParaRPr lang="zh-CN" altLang="en-US" smtClean="0"/>
           </a:p>
           <a:p>
             <a:pPr lvl="4"/>
@@ -16582,7 +16462,6 @@
               <a:rPr lang="zh-CN" altLang="en-US" smtClean="0"/>
               <a:t>单击此处编辑母版文本样式</a:t>
             </a:r>
-            <a:endParaRPr lang="zh-CN" altLang="en-US" smtClean="0"/>
           </a:p>
           <a:p>
             <a:pPr lvl="1"/>
@@ -16590,7 +16469,6 @@
               <a:rPr lang="zh-CN" altLang="en-US" smtClean="0"/>
               <a:t>第二级</a:t>
             </a:r>
-            <a:endParaRPr lang="zh-CN" altLang="en-US" smtClean="0"/>
           </a:p>
           <a:p>
             <a:pPr lvl="2"/>
@@ -16598,7 +16476,6 @@
               <a:rPr lang="zh-CN" altLang="en-US" smtClean="0"/>
               <a:t>第三级</a:t>
             </a:r>
-            <a:endParaRPr lang="zh-CN" altLang="en-US" smtClean="0"/>
           </a:p>
           <a:p>
             <a:pPr lvl="3"/>
@@ -16606,7 +16483,6 @@
               <a:rPr lang="zh-CN" altLang="en-US" smtClean="0"/>
               <a:t>第四级</a:t>
             </a:r>
-            <a:endParaRPr lang="zh-CN" altLang="en-US" smtClean="0"/>
           </a:p>
           <a:p>
             <a:pPr lvl="4"/>
@@ -16794,7 +16670,6 @@
               <a:rPr lang="zh-CN" altLang="en-US" smtClean="0"/>
               <a:t>单击此处编辑母版文本样式</a:t>
             </a:r>
-            <a:endParaRPr lang="zh-CN" altLang="en-US" smtClean="0"/>
           </a:p>
         </p:txBody>
       </p:sp>
@@ -16826,7 +16701,6 @@
               <a:rPr lang="zh-CN" altLang="en-US" smtClean="0"/>
               <a:t>单击此处编辑母版文本样式</a:t>
             </a:r>
-            <a:endParaRPr lang="zh-CN" altLang="en-US" smtClean="0"/>
           </a:p>
           <a:p>
             <a:pPr lvl="1"/>
@@ -16834,7 +16708,6 @@
               <a:rPr lang="zh-CN" altLang="en-US" smtClean="0"/>
               <a:t>第二级</a:t>
             </a:r>
-            <a:endParaRPr lang="zh-CN" altLang="en-US" smtClean="0"/>
           </a:p>
           <a:p>
             <a:pPr lvl="2"/>
@@ -16842,7 +16715,6 @@
               <a:rPr lang="zh-CN" altLang="en-US" smtClean="0"/>
               <a:t>第三级</a:t>
             </a:r>
-            <a:endParaRPr lang="zh-CN" altLang="en-US" smtClean="0"/>
           </a:p>
           <a:p>
             <a:pPr lvl="3"/>
@@ -16850,7 +16722,6 @@
               <a:rPr lang="zh-CN" altLang="en-US" smtClean="0"/>
               <a:t>第四级</a:t>
             </a:r>
-            <a:endParaRPr lang="zh-CN" altLang="en-US" smtClean="0"/>
           </a:p>
           <a:p>
             <a:pPr lvl="4"/>
@@ -16927,7 +16798,6 @@
               <a:rPr lang="zh-CN" altLang="en-US" smtClean="0"/>
               <a:t>单击此处编辑母版文本样式</a:t>
             </a:r>
-            <a:endParaRPr lang="zh-CN" altLang="en-US" smtClean="0"/>
           </a:p>
         </p:txBody>
       </p:sp>
@@ -16959,7 +16829,6 @@
               <a:rPr lang="zh-CN" altLang="en-US" smtClean="0"/>
               <a:t>单击此处编辑母版文本样式</a:t>
             </a:r>
-            <a:endParaRPr lang="zh-CN" altLang="en-US" smtClean="0"/>
           </a:p>
           <a:p>
             <a:pPr lvl="1"/>
@@ -16967,7 +16836,6 @@
               <a:rPr lang="zh-CN" altLang="en-US" smtClean="0"/>
               <a:t>第二级</a:t>
             </a:r>
-            <a:endParaRPr lang="zh-CN" altLang="en-US" smtClean="0"/>
           </a:p>
           <a:p>
             <a:pPr lvl="2"/>
@@ -16975,7 +16843,6 @@
               <a:rPr lang="zh-CN" altLang="en-US" smtClean="0"/>
               <a:t>第三级</a:t>
             </a:r>
-            <a:endParaRPr lang="zh-CN" altLang="en-US" smtClean="0"/>
           </a:p>
           <a:p>
             <a:pPr lvl="3"/>
@@ -16983,7 +16850,6 @@
               <a:rPr lang="zh-CN" altLang="en-US" smtClean="0"/>
               <a:t>第四级</a:t>
             </a:r>
-            <a:endParaRPr lang="zh-CN" altLang="en-US" smtClean="0"/>
           </a:p>
           <a:p>
             <a:pPr lvl="4"/>
@@ -17184,7 +17050,6 @@
               <a:rPr lang="zh-CN" altLang="en-US" smtClean="0"/>
               <a:t>单击此处编辑母版文本样式</a:t>
             </a:r>
-            <a:endParaRPr lang="zh-CN" altLang="en-US" smtClean="0"/>
           </a:p>
           <a:p>
             <a:pPr lvl="1"/>
@@ -17192,7 +17057,6 @@
               <a:rPr lang="zh-CN" altLang="en-US" smtClean="0"/>
               <a:t>第二级</a:t>
             </a:r>
-            <a:endParaRPr lang="zh-CN" altLang="en-US" smtClean="0"/>
           </a:p>
           <a:p>
             <a:pPr lvl="2"/>
@@ -17200,7 +17064,6 @@
               <a:rPr lang="zh-CN" altLang="en-US" smtClean="0"/>
               <a:t>第三级</a:t>
             </a:r>
-            <a:endParaRPr lang="zh-CN" altLang="en-US" smtClean="0"/>
           </a:p>
           <a:p>
             <a:pPr lvl="3"/>
@@ -17208,7 +17071,6 @@
               <a:rPr lang="zh-CN" altLang="en-US" smtClean="0"/>
               <a:t>第四级</a:t>
             </a:r>
-            <a:endParaRPr lang="zh-CN" altLang="en-US" smtClean="0"/>
           </a:p>
           <a:p>
             <a:pPr lvl="4"/>
@@ -17285,7 +17147,6 @@
               <a:rPr lang="zh-CN" altLang="en-US" smtClean="0"/>
               <a:t>单击此处编辑母版文本样式</a:t>
             </a:r>
-            <a:endParaRPr lang="zh-CN" altLang="en-US" smtClean="0"/>
           </a:p>
         </p:txBody>
       </p:sp>
@@ -17506,7 +17367,6 @@
               <a:rPr lang="zh-CN" altLang="en-US" smtClean="0"/>
               <a:t>单击此处编辑母版文本样式</a:t>
             </a:r>
-            <a:endParaRPr lang="zh-CN" altLang="en-US" smtClean="0"/>
           </a:p>
         </p:txBody>
       </p:sp>
@@ -17587,7 +17447,6 @@
               <a:rPr lang="zh-CN" altLang="en-US" smtClean="0"/>
               <a:t>单击此处编辑母版文本样式</a:t>
             </a:r>
-            <a:endParaRPr lang="zh-CN" altLang="en-US" smtClean="0"/>
           </a:p>
           <a:p>
             <a:pPr lvl="1"/>
@@ -17595,7 +17454,6 @@
               <a:rPr lang="zh-CN" altLang="en-US" smtClean="0"/>
               <a:t>第二级</a:t>
             </a:r>
-            <a:endParaRPr lang="zh-CN" altLang="en-US" smtClean="0"/>
           </a:p>
           <a:p>
             <a:pPr lvl="2"/>
@@ -17603,7 +17461,6 @@
               <a:rPr lang="zh-CN" altLang="en-US" smtClean="0"/>
               <a:t>第三级</a:t>
             </a:r>
-            <a:endParaRPr lang="zh-CN" altLang="en-US" smtClean="0"/>
           </a:p>
           <a:p>
             <a:pPr lvl="3"/>
@@ -17611,7 +17468,6 @@
               <a:rPr lang="zh-CN" altLang="en-US" smtClean="0"/>
               <a:t>第四级</a:t>
             </a:r>
-            <a:endParaRPr lang="zh-CN" altLang="en-US" smtClean="0"/>
           </a:p>
           <a:p>
             <a:pPr lvl="4"/>
@@ -17705,7 +17561,6 @@
               <a:rPr lang="zh-CN" altLang="en-US" smtClean="0"/>
               <a:t>单击此处编辑母版文本样式</a:t>
             </a:r>
-            <a:endParaRPr lang="zh-CN" altLang="en-US" smtClean="0"/>
           </a:p>
           <a:p>
             <a:pPr lvl="1"/>
@@ -17713,7 +17568,6 @@
               <a:rPr lang="zh-CN" altLang="en-US" smtClean="0"/>
               <a:t>第二级</a:t>
             </a:r>
-            <a:endParaRPr lang="zh-CN" altLang="en-US" smtClean="0"/>
           </a:p>
           <a:p>
             <a:pPr lvl="2"/>
@@ -17721,7 +17575,6 @@
               <a:rPr lang="zh-CN" altLang="en-US" smtClean="0"/>
               <a:t>第三级</a:t>
             </a:r>
-            <a:endParaRPr lang="zh-CN" altLang="en-US" smtClean="0"/>
           </a:p>
           <a:p>
             <a:pPr lvl="3"/>
@@ -17729,7 +17582,6 @@
               <a:rPr lang="zh-CN" altLang="en-US" smtClean="0"/>
               <a:t>第四级</a:t>
             </a:r>
-            <a:endParaRPr lang="zh-CN" altLang="en-US" smtClean="0"/>
           </a:p>
           <a:p>
             <a:pPr lvl="4"/>
@@ -17933,7 +17785,6 @@
               <a:rPr lang="zh-CN" altLang="en-US" smtClean="0"/>
               <a:t>单击此处编辑母版文本样式</a:t>
             </a:r>
-            <a:endParaRPr lang="zh-CN" altLang="en-US" smtClean="0"/>
           </a:p>
           <a:p>
             <a:pPr lvl="1"/>
@@ -17941,7 +17792,6 @@
               <a:rPr lang="zh-CN" altLang="en-US" smtClean="0"/>
               <a:t>第二级</a:t>
             </a:r>
-            <a:endParaRPr lang="zh-CN" altLang="en-US" smtClean="0"/>
           </a:p>
           <a:p>
             <a:pPr lvl="2"/>
@@ -17949,7 +17799,6 @@
               <a:rPr lang="zh-CN" altLang="en-US" smtClean="0"/>
               <a:t>第三级</a:t>
             </a:r>
-            <a:endParaRPr lang="zh-CN" altLang="en-US" smtClean="0"/>
           </a:p>
           <a:p>
             <a:pPr lvl="3"/>
@@ -17957,7 +17806,6 @@
               <a:rPr lang="zh-CN" altLang="en-US" smtClean="0"/>
               <a:t>第四级</a:t>
             </a:r>
-            <a:endParaRPr lang="zh-CN" altLang="en-US" smtClean="0"/>
           </a:p>
           <a:p>
             <a:pPr lvl="4"/>
@@ -18089,7 +17937,6 @@
               <a:rPr lang="zh-CN" altLang="en-US" smtClean="0"/>
               <a:t>单击此处编辑母版文本样式</a:t>
             </a:r>
-            <a:endParaRPr lang="zh-CN" altLang="en-US" smtClean="0"/>
           </a:p>
         </p:txBody>
       </p:sp>
@@ -18193,7 +18040,6 @@
               <a:rPr lang="zh-CN" altLang="en-US" smtClean="0"/>
               <a:t>单击此处编辑母版文本样式</a:t>
             </a:r>
-            <a:endParaRPr lang="zh-CN" altLang="en-US" smtClean="0"/>
           </a:p>
           <a:p>
             <a:pPr lvl="1"/>
@@ -18201,7 +18047,6 @@
               <a:rPr lang="zh-CN" altLang="en-US" smtClean="0"/>
               <a:t>第二级</a:t>
             </a:r>
-            <a:endParaRPr lang="zh-CN" altLang="en-US" smtClean="0"/>
           </a:p>
           <a:p>
             <a:pPr lvl="2"/>
@@ -18209,7 +18054,6 @@
               <a:rPr lang="zh-CN" altLang="en-US" smtClean="0"/>
               <a:t>第三级</a:t>
             </a:r>
-            <a:endParaRPr lang="zh-CN" altLang="en-US" smtClean="0"/>
           </a:p>
           <a:p>
             <a:pPr lvl="3"/>
@@ -18217,7 +18061,6 @@
               <a:rPr lang="zh-CN" altLang="en-US" smtClean="0"/>
               <a:t>第四级</a:t>
             </a:r>
-            <a:endParaRPr lang="zh-CN" altLang="en-US" smtClean="0"/>
           </a:p>
           <a:p>
             <a:pPr lvl="4"/>
@@ -18254,7 +18097,6 @@
               <a:rPr lang="zh-CN" altLang="en-US" smtClean="0"/>
               <a:t>单击此处编辑母版文本样式</a:t>
             </a:r>
-            <a:endParaRPr lang="zh-CN" altLang="en-US" smtClean="0"/>
           </a:p>
           <a:p>
             <a:pPr lvl="1"/>
@@ -18262,7 +18104,6 @@
               <a:rPr lang="zh-CN" altLang="en-US" smtClean="0"/>
               <a:t>第二级</a:t>
             </a:r>
-            <a:endParaRPr lang="zh-CN" altLang="en-US" smtClean="0"/>
           </a:p>
           <a:p>
             <a:pPr lvl="2"/>
@@ -18270,7 +18111,6 @@
               <a:rPr lang="zh-CN" altLang="en-US" smtClean="0"/>
               <a:t>第三级</a:t>
             </a:r>
-            <a:endParaRPr lang="zh-CN" altLang="en-US" smtClean="0"/>
           </a:p>
           <a:p>
             <a:pPr lvl="3"/>
@@ -18278,7 +18118,6 @@
               <a:rPr lang="zh-CN" altLang="en-US" smtClean="0"/>
               <a:t>第四级</a:t>
             </a:r>
-            <a:endParaRPr lang="zh-CN" altLang="en-US" smtClean="0"/>
           </a:p>
           <a:p>
             <a:pPr lvl="4"/>
@@ -18406,7 +18245,6 @@
               <a:rPr lang="zh-CN" altLang="en-US" smtClean="0"/>
               <a:t>单击此处编辑母版文本样式</a:t>
             </a:r>
-            <a:endParaRPr lang="zh-CN" altLang="en-US" smtClean="0"/>
           </a:p>
         </p:txBody>
       </p:sp>
@@ -18435,7 +18273,6 @@
               <a:rPr lang="zh-CN" altLang="en-US" smtClean="0"/>
               <a:t>单击此处编辑母版文本样式</a:t>
             </a:r>
-            <a:endParaRPr lang="zh-CN" altLang="en-US" smtClean="0"/>
           </a:p>
           <a:p>
             <a:pPr lvl="1"/>
@@ -18443,7 +18280,6 @@
               <a:rPr lang="zh-CN" altLang="en-US" smtClean="0"/>
               <a:t>第二级</a:t>
             </a:r>
-            <a:endParaRPr lang="zh-CN" altLang="en-US" smtClean="0"/>
           </a:p>
           <a:p>
             <a:pPr lvl="2"/>
@@ -18451,7 +18287,6 @@
               <a:rPr lang="zh-CN" altLang="en-US" smtClean="0"/>
               <a:t>第三级</a:t>
             </a:r>
-            <a:endParaRPr lang="zh-CN" altLang="en-US" smtClean="0"/>
           </a:p>
           <a:p>
             <a:pPr lvl="3"/>
@@ -18459,7 +18294,6 @@
               <a:rPr lang="zh-CN" altLang="en-US" smtClean="0"/>
               <a:t>第四级</a:t>
             </a:r>
-            <a:endParaRPr lang="zh-CN" altLang="en-US" smtClean="0"/>
           </a:p>
           <a:p>
             <a:pPr lvl="4"/>
@@ -18533,7 +18367,6 @@
               <a:rPr lang="zh-CN" altLang="en-US" smtClean="0"/>
               <a:t>单击此处编辑母版文本样式</a:t>
             </a:r>
-            <a:endParaRPr lang="zh-CN" altLang="en-US" smtClean="0"/>
           </a:p>
         </p:txBody>
       </p:sp>
@@ -18562,7 +18395,6 @@
               <a:rPr lang="zh-CN" altLang="en-US" smtClean="0"/>
               <a:t>单击此处编辑母版文本样式</a:t>
             </a:r>
-            <a:endParaRPr lang="zh-CN" altLang="en-US" smtClean="0"/>
           </a:p>
           <a:p>
             <a:pPr lvl="1"/>
@@ -18570,7 +18402,6 @@
               <a:rPr lang="zh-CN" altLang="en-US" smtClean="0"/>
               <a:t>第二级</a:t>
             </a:r>
-            <a:endParaRPr lang="zh-CN" altLang="en-US" smtClean="0"/>
           </a:p>
           <a:p>
             <a:pPr lvl="2"/>
@@ -18578,7 +18409,6 @@
               <a:rPr lang="zh-CN" altLang="en-US" smtClean="0"/>
               <a:t>第三级</a:t>
             </a:r>
-            <a:endParaRPr lang="zh-CN" altLang="en-US" smtClean="0"/>
           </a:p>
           <a:p>
             <a:pPr lvl="3"/>
@@ -18586,7 +18416,6 @@
               <a:rPr lang="zh-CN" altLang="en-US" smtClean="0"/>
               <a:t>第四级</a:t>
             </a:r>
-            <a:endParaRPr lang="zh-CN" altLang="en-US" smtClean="0"/>
           </a:p>
           <a:p>
             <a:pPr lvl="4"/>
@@ -18784,7 +18613,6 @@
               <a:rPr lang="zh-CN" altLang="en-US" smtClean="0"/>
               <a:t>单击此处编辑母版文本样式</a:t>
             </a:r>
-            <a:endParaRPr lang="zh-CN" altLang="en-US" smtClean="0"/>
           </a:p>
           <a:p>
             <a:pPr lvl="1"/>
@@ -18792,7 +18620,6 @@
               <a:rPr lang="zh-CN" altLang="en-US" smtClean="0"/>
               <a:t>第二级</a:t>
             </a:r>
-            <a:endParaRPr lang="zh-CN" altLang="en-US" smtClean="0"/>
           </a:p>
           <a:p>
             <a:pPr lvl="2"/>
@@ -18800,7 +18627,6 @@
               <a:rPr lang="zh-CN" altLang="en-US" smtClean="0"/>
               <a:t>第三级</a:t>
             </a:r>
-            <a:endParaRPr lang="zh-CN" altLang="en-US" smtClean="0"/>
           </a:p>
           <a:p>
             <a:pPr lvl="3"/>
@@ -18808,7 +18634,6 @@
               <a:rPr lang="zh-CN" altLang="en-US" smtClean="0"/>
               <a:t>第四级</a:t>
             </a:r>
-            <a:endParaRPr lang="zh-CN" altLang="en-US" smtClean="0"/>
           </a:p>
           <a:p>
             <a:pPr lvl="4"/>
@@ -18882,7 +18707,6 @@
               <a:rPr lang="zh-CN" altLang="en-US" smtClean="0"/>
               <a:t>单击此处编辑母版文本样式</a:t>
             </a:r>
-            <a:endParaRPr lang="zh-CN" altLang="en-US" smtClean="0"/>
           </a:p>
         </p:txBody>
       </p:sp>
@@ -19097,7 +18921,6 @@
               <a:rPr lang="zh-CN" altLang="en-US" smtClean="0"/>
               <a:t>单击此处编辑母版文本样式</a:t>
             </a:r>
-            <a:endParaRPr lang="zh-CN" altLang="en-US" smtClean="0"/>
           </a:p>
         </p:txBody>
       </p:sp>
@@ -19170,7 +18993,6 @@
               <a:rPr lang="zh-CN" altLang="en-US" smtClean="0"/>
               <a:t>单击此处编辑母版文本样式</a:t>
             </a:r>
-            <a:endParaRPr lang="zh-CN" altLang="en-US" smtClean="0"/>
           </a:p>
           <a:p>
             <a:pPr lvl="1"/>
@@ -19178,7 +19000,6 @@
               <a:rPr lang="zh-CN" altLang="en-US" smtClean="0"/>
               <a:t>第二级</a:t>
             </a:r>
-            <a:endParaRPr lang="zh-CN" altLang="en-US" smtClean="0"/>
           </a:p>
           <a:p>
             <a:pPr lvl="2"/>
@@ -19186,7 +19007,6 @@
               <a:rPr lang="zh-CN" altLang="en-US" smtClean="0"/>
               <a:t>第三级</a:t>
             </a:r>
-            <a:endParaRPr lang="zh-CN" altLang="en-US" smtClean="0"/>
           </a:p>
           <a:p>
             <a:pPr lvl="3"/>
@@ -19194,7 +19014,6 @@
               <a:rPr lang="zh-CN" altLang="en-US" smtClean="0"/>
               <a:t>第四级</a:t>
             </a:r>
-            <a:endParaRPr lang="zh-CN" altLang="en-US" smtClean="0"/>
           </a:p>
           <a:p>
             <a:pPr lvl="4"/>
@@ -19285,7 +19104,6 @@
               <a:rPr lang="zh-CN" altLang="en-US" smtClean="0"/>
               <a:t>单击此处编辑母版文本样式</a:t>
             </a:r>
-            <a:endParaRPr lang="zh-CN" altLang="en-US" smtClean="0"/>
           </a:p>
           <a:p>
             <a:pPr lvl="1"/>
@@ -19293,7 +19111,6 @@
               <a:rPr lang="zh-CN" altLang="en-US" smtClean="0"/>
               <a:t>第二级</a:t>
             </a:r>
-            <a:endParaRPr lang="zh-CN" altLang="en-US" smtClean="0"/>
           </a:p>
           <a:p>
             <a:pPr lvl="2"/>
@@ -19301,7 +19118,6 @@
               <a:rPr lang="zh-CN" altLang="en-US" smtClean="0"/>
               <a:t>第三级</a:t>
             </a:r>
-            <a:endParaRPr lang="zh-CN" altLang="en-US" smtClean="0"/>
           </a:p>
           <a:p>
             <a:pPr lvl="3"/>
@@ -19309,7 +19125,6 @@
               <a:rPr lang="zh-CN" altLang="en-US" smtClean="0"/>
               <a:t>第四级</a:t>
             </a:r>
-            <a:endParaRPr lang="zh-CN" altLang="en-US" smtClean="0"/>
           </a:p>
           <a:p>
             <a:pPr lvl="4"/>
@@ -19513,7 +19328,6 @@
               <a:rPr lang="zh-CN" altLang="en-US" smtClean="0"/>
               <a:t>单击此处编辑母版文本样式</a:t>
             </a:r>
-            <a:endParaRPr lang="zh-CN" altLang="en-US" smtClean="0"/>
           </a:p>
           <a:p>
             <a:pPr lvl="1"/>
@@ -19521,7 +19335,6 @@
               <a:rPr lang="zh-CN" altLang="en-US" smtClean="0"/>
               <a:t>第二级</a:t>
             </a:r>
-            <a:endParaRPr lang="zh-CN" altLang="en-US" smtClean="0"/>
           </a:p>
           <a:p>
             <a:pPr lvl="2"/>
@@ -19529,7 +19342,6 @@
               <a:rPr lang="zh-CN" altLang="en-US" smtClean="0"/>
               <a:t>第三级</a:t>
             </a:r>
-            <a:endParaRPr lang="zh-CN" altLang="en-US" smtClean="0"/>
           </a:p>
           <a:p>
             <a:pPr lvl="3"/>
@@ -19537,7 +19349,6 @@
               <a:rPr lang="zh-CN" altLang="en-US" smtClean="0"/>
               <a:t>第四级</a:t>
             </a:r>
-            <a:endParaRPr lang="zh-CN" altLang="en-US" smtClean="0"/>
           </a:p>
           <a:p>
             <a:pPr lvl="4"/>
@@ -19666,7 +19477,6 @@
               <a:rPr lang="zh-CN" altLang="en-US" smtClean="0"/>
               <a:t>单击此处编辑母版文本样式</a:t>
             </a:r>
-            <a:endParaRPr lang="zh-CN" altLang="en-US" smtClean="0"/>
           </a:p>
           <a:p>
             <a:pPr lvl="1"/>
@@ -19674,7 +19484,6 @@
               <a:rPr lang="zh-CN" altLang="en-US" smtClean="0"/>
               <a:t>第二级</a:t>
             </a:r>
-            <a:endParaRPr lang="zh-CN" altLang="en-US" smtClean="0"/>
           </a:p>
           <a:p>
             <a:pPr lvl="2"/>
@@ -19682,7 +19491,6 @@
               <a:rPr lang="zh-CN" altLang="en-US" smtClean="0"/>
               <a:t>第三级</a:t>
             </a:r>
-            <a:endParaRPr lang="zh-CN" altLang="en-US" smtClean="0"/>
           </a:p>
           <a:p>
             <a:pPr lvl="3"/>
@@ -19690,7 +19498,6 @@
               <a:rPr lang="zh-CN" altLang="en-US" smtClean="0"/>
               <a:t>第四级</a:t>
             </a:r>
-            <a:endParaRPr lang="zh-CN" altLang="en-US" smtClean="0"/>
           </a:p>
           <a:p>
             <a:pPr lvl="4"/>
@@ -19767,7 +19574,6 @@
               <a:rPr lang="zh-CN" altLang="en-US" smtClean="0"/>
               <a:t>单击此处编辑母版文本样式</a:t>
             </a:r>
-            <a:endParaRPr lang="zh-CN" altLang="en-US" smtClean="0"/>
           </a:p>
         </p:txBody>
       </p:sp>
@@ -19891,7 +19697,6 @@
               <a:rPr lang="zh-CN" altLang="en-US" smtClean="0"/>
               <a:t>单击此处编辑母版文本样式</a:t>
             </a:r>
-            <a:endParaRPr lang="zh-CN" altLang="en-US" smtClean="0"/>
           </a:p>
         </p:txBody>
       </p:sp>
@@ -19969,7 +19774,6 @@
               <a:rPr lang="zh-CN" altLang="en-US" smtClean="0"/>
               <a:t>单击此处编辑母版文本样式</a:t>
             </a:r>
-            <a:endParaRPr lang="zh-CN" altLang="en-US" smtClean="0"/>
           </a:p>
           <a:p>
             <a:pPr lvl="1"/>
@@ -19977,7 +19781,6 @@
               <a:rPr lang="zh-CN" altLang="en-US" smtClean="0"/>
               <a:t>第二级</a:t>
             </a:r>
-            <a:endParaRPr lang="zh-CN" altLang="en-US" smtClean="0"/>
           </a:p>
           <a:p>
             <a:pPr lvl="2"/>
@@ -19985,7 +19788,6 @@
               <a:rPr lang="zh-CN" altLang="en-US" smtClean="0"/>
               <a:t>第三级</a:t>
             </a:r>
-            <a:endParaRPr lang="zh-CN" altLang="en-US" smtClean="0"/>
           </a:p>
           <a:p>
             <a:pPr lvl="3"/>
@@ -19993,7 +19795,6 @@
               <a:rPr lang="zh-CN" altLang="en-US" smtClean="0"/>
               <a:t>第四级</a:t>
             </a:r>
-            <a:endParaRPr lang="zh-CN" altLang="en-US" smtClean="0"/>
           </a:p>
           <a:p>
             <a:pPr lvl="4"/>
@@ -20030,7 +19831,6 @@
               <a:rPr lang="zh-CN" altLang="en-US" smtClean="0"/>
               <a:t>单击此处编辑母版文本样式</a:t>
             </a:r>
-            <a:endParaRPr lang="zh-CN" altLang="en-US" smtClean="0"/>
           </a:p>
           <a:p>
             <a:pPr lvl="1"/>
@@ -20038,7 +19838,6 @@
               <a:rPr lang="zh-CN" altLang="en-US" smtClean="0"/>
               <a:t>第二级</a:t>
             </a:r>
-            <a:endParaRPr lang="zh-CN" altLang="en-US" smtClean="0"/>
           </a:p>
           <a:p>
             <a:pPr lvl="2"/>
@@ -20046,7 +19845,6 @@
               <a:rPr lang="zh-CN" altLang="en-US" smtClean="0"/>
               <a:t>第三级</a:t>
             </a:r>
-            <a:endParaRPr lang="zh-CN" altLang="en-US" smtClean="0"/>
           </a:p>
           <a:p>
             <a:pPr lvl="3"/>
@@ -20054,7 +19852,6 @@
               <a:rPr lang="zh-CN" altLang="en-US" smtClean="0"/>
               <a:t>第四级</a:t>
             </a:r>
-            <a:endParaRPr lang="zh-CN" altLang="en-US" smtClean="0"/>
           </a:p>
           <a:p>
             <a:pPr lvl="4"/>
@@ -20182,7 +19979,6 @@
               <a:rPr lang="zh-CN" altLang="en-US" smtClean="0"/>
               <a:t>单击此处编辑母版文本样式</a:t>
             </a:r>
-            <a:endParaRPr lang="zh-CN" altLang="en-US" smtClean="0"/>
           </a:p>
         </p:txBody>
       </p:sp>
@@ -20211,7 +20007,6 @@
               <a:rPr lang="zh-CN" altLang="en-US" smtClean="0"/>
               <a:t>单击此处编辑母版文本样式</a:t>
             </a:r>
-            <a:endParaRPr lang="zh-CN" altLang="en-US" smtClean="0"/>
           </a:p>
           <a:p>
             <a:pPr lvl="1"/>
@@ -20219,7 +20014,6 @@
               <a:rPr lang="zh-CN" altLang="en-US" smtClean="0"/>
               <a:t>第二级</a:t>
             </a:r>
-            <a:endParaRPr lang="zh-CN" altLang="en-US" smtClean="0"/>
           </a:p>
           <a:p>
             <a:pPr lvl="2"/>
@@ -20227,7 +20021,6 @@
               <a:rPr lang="zh-CN" altLang="en-US" smtClean="0"/>
               <a:t>第三级</a:t>
             </a:r>
-            <a:endParaRPr lang="zh-CN" altLang="en-US" smtClean="0"/>
           </a:p>
           <a:p>
             <a:pPr lvl="3"/>
@@ -20235,7 +20028,6 @@
               <a:rPr lang="zh-CN" altLang="en-US" smtClean="0"/>
               <a:t>第四级</a:t>
             </a:r>
-            <a:endParaRPr lang="zh-CN" altLang="en-US" smtClean="0"/>
           </a:p>
           <a:p>
             <a:pPr lvl="4"/>
@@ -20309,7 +20101,6 @@
               <a:rPr lang="zh-CN" altLang="en-US" smtClean="0"/>
               <a:t>单击此处编辑母版文本样式</a:t>
             </a:r>
-            <a:endParaRPr lang="zh-CN" altLang="en-US" smtClean="0"/>
           </a:p>
         </p:txBody>
       </p:sp>
@@ -20338,7 +20129,6 @@
               <a:rPr lang="zh-CN" altLang="en-US" smtClean="0"/>
               <a:t>单击此处编辑母版文本样式</a:t>
             </a:r>
-            <a:endParaRPr lang="zh-CN" altLang="en-US" smtClean="0"/>
           </a:p>
           <a:p>
             <a:pPr lvl="1"/>
@@ -20346,7 +20136,6 @@
               <a:rPr lang="zh-CN" altLang="en-US" smtClean="0"/>
               <a:t>第二级</a:t>
             </a:r>
-            <a:endParaRPr lang="zh-CN" altLang="en-US" smtClean="0"/>
           </a:p>
           <a:p>
             <a:pPr lvl="2"/>
@@ -20354,7 +20143,6 @@
               <a:rPr lang="zh-CN" altLang="en-US" smtClean="0"/>
               <a:t>第三级</a:t>
             </a:r>
-            <a:endParaRPr lang="zh-CN" altLang="en-US" smtClean="0"/>
           </a:p>
           <a:p>
             <a:pPr lvl="3"/>
@@ -20362,7 +20150,6 @@
               <a:rPr lang="zh-CN" altLang="en-US" smtClean="0"/>
               <a:t>第四级</a:t>
             </a:r>
-            <a:endParaRPr lang="zh-CN" altLang="en-US" smtClean="0"/>
           </a:p>
           <a:p>
             <a:pPr lvl="4"/>
@@ -20560,7 +20347,6 @@
               <a:rPr lang="zh-CN" altLang="en-US" smtClean="0"/>
               <a:t>单击此处编辑母版文本样式</a:t>
             </a:r>
-            <a:endParaRPr lang="zh-CN" altLang="en-US" smtClean="0"/>
           </a:p>
           <a:p>
             <a:pPr lvl="1"/>
@@ -20568,7 +20354,6 @@
               <a:rPr lang="zh-CN" altLang="en-US" smtClean="0"/>
               <a:t>第二级</a:t>
             </a:r>
-            <a:endParaRPr lang="zh-CN" altLang="en-US" smtClean="0"/>
           </a:p>
           <a:p>
             <a:pPr lvl="2"/>
@@ -20576,7 +20361,6 @@
               <a:rPr lang="zh-CN" altLang="en-US" smtClean="0"/>
               <a:t>第三级</a:t>
             </a:r>
-            <a:endParaRPr lang="zh-CN" altLang="en-US" smtClean="0"/>
           </a:p>
           <a:p>
             <a:pPr lvl="3"/>
@@ -20584,7 +20368,6 @@
               <a:rPr lang="zh-CN" altLang="en-US" smtClean="0"/>
               <a:t>第四级</a:t>
             </a:r>
-            <a:endParaRPr lang="zh-CN" altLang="en-US" smtClean="0"/>
           </a:p>
           <a:p>
             <a:pPr lvl="4"/>
@@ -20658,7 +20441,6 @@
               <a:rPr lang="zh-CN" altLang="en-US" smtClean="0"/>
               <a:t>单击此处编辑母版文本样式</a:t>
             </a:r>
-            <a:endParaRPr lang="zh-CN" altLang="en-US" smtClean="0"/>
           </a:p>
         </p:txBody>
       </p:sp>
@@ -20873,7 +20655,6 @@
               <a:rPr lang="zh-CN" altLang="en-US" smtClean="0"/>
               <a:t>单击此处编辑母版文本样式</a:t>
             </a:r>
-            <a:endParaRPr lang="zh-CN" altLang="en-US" smtClean="0"/>
           </a:p>
         </p:txBody>
       </p:sp>
@@ -20946,7 +20727,6 @@
               <a:rPr lang="zh-CN" altLang="en-US" smtClean="0"/>
               <a:t>单击此处编辑母版文本样式</a:t>
             </a:r>
-            <a:endParaRPr lang="zh-CN" altLang="en-US" smtClean="0"/>
           </a:p>
           <a:p>
             <a:pPr lvl="1"/>
@@ -20954,7 +20734,6 @@
               <a:rPr lang="zh-CN" altLang="en-US" smtClean="0"/>
               <a:t>第二级</a:t>
             </a:r>
-            <a:endParaRPr lang="zh-CN" altLang="en-US" smtClean="0"/>
           </a:p>
           <a:p>
             <a:pPr lvl="2"/>
@@ -20962,7 +20741,6 @@
               <a:rPr lang="zh-CN" altLang="en-US" smtClean="0"/>
               <a:t>第三级</a:t>
             </a:r>
-            <a:endParaRPr lang="zh-CN" altLang="en-US" smtClean="0"/>
           </a:p>
           <a:p>
             <a:pPr lvl="3"/>
@@ -20970,7 +20748,6 @@
               <a:rPr lang="zh-CN" altLang="en-US" smtClean="0"/>
               <a:t>第四级</a:t>
             </a:r>
-            <a:endParaRPr lang="zh-CN" altLang="en-US" smtClean="0"/>
           </a:p>
           <a:p>
             <a:pPr lvl="4"/>
@@ -21061,7 +20838,6 @@
               <a:rPr lang="zh-CN" altLang="en-US" smtClean="0"/>
               <a:t>单击此处编辑母版文本样式</a:t>
             </a:r>
-            <a:endParaRPr lang="zh-CN" altLang="en-US" smtClean="0"/>
           </a:p>
           <a:p>
             <a:pPr lvl="1"/>
@@ -21069,7 +20845,6 @@
               <a:rPr lang="zh-CN" altLang="en-US" smtClean="0"/>
               <a:t>第二级</a:t>
             </a:r>
-            <a:endParaRPr lang="zh-CN" altLang="en-US" smtClean="0"/>
           </a:p>
           <a:p>
             <a:pPr lvl="2"/>
@@ -21077,7 +20852,6 @@
               <a:rPr lang="zh-CN" altLang="en-US" smtClean="0"/>
               <a:t>第三级</a:t>
             </a:r>
-            <a:endParaRPr lang="zh-CN" altLang="en-US" smtClean="0"/>
           </a:p>
           <a:p>
             <a:pPr lvl="3"/>
@@ -21085,7 +20859,6 @@
               <a:rPr lang="zh-CN" altLang="en-US" smtClean="0"/>
               <a:t>第四级</a:t>
             </a:r>
-            <a:endParaRPr lang="zh-CN" altLang="en-US" smtClean="0"/>
           </a:p>
           <a:p>
             <a:pPr lvl="4"/>
@@ -21443,7 +21216,6 @@
               <a:rPr lang="zh-CN" altLang="en-US" smtClean="0"/>
               <a:t>单击此处编辑母版文本样式</a:t>
             </a:r>
-            <a:endParaRPr lang="zh-CN" altLang="en-US" smtClean="0"/>
           </a:p>
         </p:txBody>
       </p:sp>
@@ -21524,7 +21296,6 @@
               <a:rPr lang="zh-CN" altLang="en-US" smtClean="0"/>
               <a:t>单击此处编辑母版文本样式</a:t>
             </a:r>
-            <a:endParaRPr lang="zh-CN" altLang="en-US" smtClean="0"/>
           </a:p>
           <a:p>
             <a:pPr lvl="1"/>
@@ -21532,7 +21303,6 @@
               <a:rPr lang="zh-CN" altLang="en-US" smtClean="0"/>
               <a:t>第二级</a:t>
             </a:r>
-            <a:endParaRPr lang="zh-CN" altLang="en-US" smtClean="0"/>
           </a:p>
           <a:p>
             <a:pPr lvl="2"/>
@@ -21540,7 +21310,6 @@
               <a:rPr lang="zh-CN" altLang="en-US" smtClean="0"/>
               <a:t>第三级</a:t>
             </a:r>
-            <a:endParaRPr lang="zh-CN" altLang="en-US" smtClean="0"/>
           </a:p>
           <a:p>
             <a:pPr lvl="3"/>
@@ -21548,7 +21317,6 @@
               <a:rPr lang="zh-CN" altLang="en-US" smtClean="0"/>
               <a:t>第四级</a:t>
             </a:r>
-            <a:endParaRPr lang="zh-CN" altLang="en-US" smtClean="0"/>
           </a:p>
           <a:p>
             <a:pPr lvl="4"/>
@@ -21683,7 +21451,6 @@
               <a:rPr lang="zh-CN" altLang="en-US" smtClean="0"/>
               <a:t>单击此处编辑母版文本样式</a:t>
             </a:r>
-            <a:endParaRPr lang="zh-CN" altLang="en-US" smtClean="0"/>
           </a:p>
         </p:txBody>
       </p:sp>
@@ -21764,7 +21531,6 @@
               <a:rPr lang="zh-CN" altLang="en-US" smtClean="0"/>
               <a:t>单击此处编辑母版文本样式</a:t>
             </a:r>
-            <a:endParaRPr lang="zh-CN" altLang="en-US" smtClean="0"/>
           </a:p>
           <a:p>
             <a:pPr lvl="1"/>
@@ -21772,7 +21538,6 @@
               <a:rPr lang="zh-CN" altLang="en-US" smtClean="0"/>
               <a:t>第二级</a:t>
             </a:r>
-            <a:endParaRPr lang="zh-CN" altLang="en-US" smtClean="0"/>
           </a:p>
           <a:p>
             <a:pPr lvl="2"/>
@@ -21780,7 +21545,6 @@
               <a:rPr lang="zh-CN" altLang="en-US" smtClean="0"/>
               <a:t>第三级</a:t>
             </a:r>
-            <a:endParaRPr lang="zh-CN" altLang="en-US" smtClean="0"/>
           </a:p>
           <a:p>
             <a:pPr lvl="3"/>
@@ -21788,7 +21552,6 @@
               <a:rPr lang="zh-CN" altLang="en-US" smtClean="0"/>
               <a:t>第四级</a:t>
             </a:r>
-            <a:endParaRPr lang="zh-CN" altLang="en-US" smtClean="0"/>
           </a:p>
           <a:p>
             <a:pPr lvl="4"/>
@@ -21828,7 +21591,6 @@
               <a:rPr lang="zh-CN" altLang="en-US" smtClean="0"/>
               <a:t>单击此处编辑母版文本样式</a:t>
             </a:r>
-            <a:endParaRPr lang="zh-CN" altLang="en-US" smtClean="0"/>
           </a:p>
           <a:p>
             <a:pPr lvl="1"/>
@@ -21836,7 +21598,6 @@
               <a:rPr lang="zh-CN" altLang="en-US" smtClean="0"/>
               <a:t>第二级</a:t>
             </a:r>
-            <a:endParaRPr lang="zh-CN" altLang="en-US" smtClean="0"/>
           </a:p>
           <a:p>
             <a:pPr lvl="2"/>
@@ -21844,7 +21605,6 @@
               <a:rPr lang="zh-CN" altLang="en-US" smtClean="0"/>
               <a:t>第三级</a:t>
             </a:r>
-            <a:endParaRPr lang="zh-CN" altLang="en-US" smtClean="0"/>
           </a:p>
           <a:p>
             <a:pPr lvl="3"/>
@@ -21852,7 +21612,6 @@
               <a:rPr lang="zh-CN" altLang="en-US" smtClean="0"/>
               <a:t>第四级</a:t>
             </a:r>
-            <a:endParaRPr lang="zh-CN" altLang="en-US" smtClean="0"/>
           </a:p>
           <a:p>
             <a:pPr lvl="4"/>
@@ -21983,7 +21742,6 @@
               <a:rPr lang="zh-CN" altLang="en-US" smtClean="0"/>
               <a:t>单击此处编辑母版文本样式</a:t>
             </a:r>
-            <a:endParaRPr lang="zh-CN" altLang="en-US" smtClean="0"/>
           </a:p>
         </p:txBody>
       </p:sp>
@@ -22015,7 +21773,6 @@
               <a:rPr lang="zh-CN" altLang="en-US" smtClean="0"/>
               <a:t>单击此处编辑母版文本样式</a:t>
             </a:r>
-            <a:endParaRPr lang="zh-CN" altLang="en-US" smtClean="0"/>
           </a:p>
           <a:p>
             <a:pPr lvl="1"/>
@@ -22023,7 +21780,6 @@
               <a:rPr lang="zh-CN" altLang="en-US" smtClean="0"/>
               <a:t>第二级</a:t>
             </a:r>
-            <a:endParaRPr lang="zh-CN" altLang="en-US" smtClean="0"/>
           </a:p>
           <a:p>
             <a:pPr lvl="2"/>
@@ -22031,7 +21787,6 @@
               <a:rPr lang="zh-CN" altLang="en-US" smtClean="0"/>
               <a:t>第三级</a:t>
             </a:r>
-            <a:endParaRPr lang="zh-CN" altLang="en-US" smtClean="0"/>
           </a:p>
           <a:p>
             <a:pPr lvl="3"/>
@@ -22039,7 +21794,6 @@
               <a:rPr lang="zh-CN" altLang="en-US" smtClean="0"/>
               <a:t>第四级</a:t>
             </a:r>
-            <a:endParaRPr lang="zh-CN" altLang="en-US" smtClean="0"/>
           </a:p>
           <a:p>
             <a:pPr lvl="4"/>
@@ -22116,7 +21870,6 @@
               <a:rPr lang="zh-CN" altLang="en-US" smtClean="0"/>
               <a:t>单击此处编辑母版文本样式</a:t>
             </a:r>
-            <a:endParaRPr lang="zh-CN" altLang="en-US" smtClean="0"/>
           </a:p>
         </p:txBody>
       </p:sp>
@@ -22148,7 +21901,6 @@
               <a:rPr lang="zh-CN" altLang="en-US" smtClean="0"/>
               <a:t>单击此处编辑母版文本样式</a:t>
             </a:r>
-            <a:endParaRPr lang="zh-CN" altLang="en-US" smtClean="0"/>
           </a:p>
           <a:p>
             <a:pPr lvl="1"/>
@@ -22156,7 +21908,6 @@
               <a:rPr lang="zh-CN" altLang="en-US" smtClean="0"/>
               <a:t>第二级</a:t>
             </a:r>
-            <a:endParaRPr lang="zh-CN" altLang="en-US" smtClean="0"/>
           </a:p>
           <a:p>
             <a:pPr lvl="2"/>
@@ -22164,7 +21915,6 @@
               <a:rPr lang="zh-CN" altLang="en-US" smtClean="0"/>
               <a:t>第三级</a:t>
             </a:r>
-            <a:endParaRPr lang="zh-CN" altLang="en-US" smtClean="0"/>
           </a:p>
           <a:p>
             <a:pPr lvl="3"/>
@@ -22172,7 +21922,6 @@
               <a:rPr lang="zh-CN" altLang="en-US" smtClean="0"/>
               <a:t>第四级</a:t>
             </a:r>
-            <a:endParaRPr lang="zh-CN" altLang="en-US" smtClean="0"/>
           </a:p>
           <a:p>
             <a:pPr lvl="4"/>
@@ -22373,7 +22122,6 @@
               <a:rPr lang="zh-CN" altLang="en-US" smtClean="0"/>
               <a:t>单击此处编辑母版文本样式</a:t>
             </a:r>
-            <a:endParaRPr lang="zh-CN" altLang="en-US" smtClean="0"/>
           </a:p>
           <a:p>
             <a:pPr lvl="1"/>
@@ -22381,7 +22129,6 @@
               <a:rPr lang="zh-CN" altLang="en-US" smtClean="0"/>
               <a:t>第二级</a:t>
             </a:r>
-            <a:endParaRPr lang="zh-CN" altLang="en-US" smtClean="0"/>
           </a:p>
           <a:p>
             <a:pPr lvl="2"/>
@@ -22389,7 +22136,6 @@
               <a:rPr lang="zh-CN" altLang="en-US" smtClean="0"/>
               <a:t>第三级</a:t>
             </a:r>
-            <a:endParaRPr lang="zh-CN" altLang="en-US" smtClean="0"/>
           </a:p>
           <a:p>
             <a:pPr lvl="3"/>
@@ -22397,7 +22143,6 @@
               <a:rPr lang="zh-CN" altLang="en-US" smtClean="0"/>
               <a:t>第四级</a:t>
             </a:r>
-            <a:endParaRPr lang="zh-CN" altLang="en-US" smtClean="0"/>
           </a:p>
           <a:p>
             <a:pPr lvl="4"/>
@@ -22474,7 +22219,6 @@
               <a:rPr lang="zh-CN" altLang="en-US" smtClean="0"/>
               <a:t>单击此处编辑母版文本样式</a:t>
             </a:r>
-            <a:endParaRPr lang="zh-CN" altLang="en-US" smtClean="0"/>
           </a:p>
         </p:txBody>
       </p:sp>
@@ -22695,7 +22439,6 @@
               <a:rPr lang="zh-CN" altLang="en-US" smtClean="0"/>
               <a:t>单击此处编辑母版文本样式</a:t>
             </a:r>
-            <a:endParaRPr lang="zh-CN" altLang="en-US" smtClean="0"/>
           </a:p>
         </p:txBody>
       </p:sp>
@@ -22776,7 +22519,6 @@
               <a:rPr lang="zh-CN" altLang="en-US" smtClean="0"/>
               <a:t>单击此处编辑母版文本样式</a:t>
             </a:r>
-            <a:endParaRPr lang="zh-CN" altLang="en-US" smtClean="0"/>
           </a:p>
           <a:p>
             <a:pPr lvl="1"/>
@@ -22784,7 +22526,6 @@
               <a:rPr lang="zh-CN" altLang="en-US" smtClean="0"/>
               <a:t>第二级</a:t>
             </a:r>
-            <a:endParaRPr lang="zh-CN" altLang="en-US" smtClean="0"/>
           </a:p>
           <a:p>
             <a:pPr lvl="2"/>
@@ -22792,7 +22533,6 @@
               <a:rPr lang="zh-CN" altLang="en-US" smtClean="0"/>
               <a:t>第三级</a:t>
             </a:r>
-            <a:endParaRPr lang="zh-CN" altLang="en-US" smtClean="0"/>
           </a:p>
           <a:p>
             <a:pPr lvl="3"/>
@@ -22800,7 +22540,6 @@
               <a:rPr lang="zh-CN" altLang="en-US" smtClean="0"/>
               <a:t>第四级</a:t>
             </a:r>
-            <a:endParaRPr lang="zh-CN" altLang="en-US" smtClean="0"/>
           </a:p>
           <a:p>
             <a:pPr lvl="4"/>
@@ -22894,7 +22633,6 @@
               <a:rPr lang="zh-CN" altLang="en-US" smtClean="0"/>
               <a:t>单击此处编辑母版文本样式</a:t>
             </a:r>
-            <a:endParaRPr lang="zh-CN" altLang="en-US" smtClean="0"/>
           </a:p>
           <a:p>
             <a:pPr lvl="1"/>
@@ -22902,7 +22640,6 @@
               <a:rPr lang="zh-CN" altLang="en-US" smtClean="0"/>
               <a:t>第二级</a:t>
             </a:r>
-            <a:endParaRPr lang="zh-CN" altLang="en-US" smtClean="0"/>
           </a:p>
           <a:p>
             <a:pPr lvl="2"/>
@@ -22910,7 +22647,6 @@
               <a:rPr lang="zh-CN" altLang="en-US" smtClean="0"/>
               <a:t>第三级</a:t>
             </a:r>
-            <a:endParaRPr lang="zh-CN" altLang="en-US" smtClean="0"/>
           </a:p>
           <a:p>
             <a:pPr lvl="3"/>
@@ -22918,7 +22654,6 @@
               <a:rPr lang="zh-CN" altLang="en-US" smtClean="0"/>
               <a:t>第四级</a:t>
             </a:r>
-            <a:endParaRPr lang="zh-CN" altLang="en-US" smtClean="0"/>
           </a:p>
           <a:p>
             <a:pPr lvl="4"/>
@@ -22945,7 +22680,7 @@
     <p:bg>
       <p:bgPr>
         <a:blipFill rotWithShape="0">
-          <a:blip r:embed="rId12"/>
+          <a:blip r:embed="rId13"/>
           <a:stretch>
             <a:fillRect/>
           </a:stretch>
@@ -23420,7 +23155,7 @@
     <p:bg>
       <p:bgPr>
         <a:blipFill rotWithShape="0">
-          <a:blip r:embed="rId12"/>
+          <a:blip r:embed="rId13"/>
           <a:stretch>
             <a:fillRect/>
           </a:stretch>
@@ -23474,7 +23209,6 @@
               <a:rPr lang="en-US" altLang="zh-HK" dirty="0"/>
               <a:t>Click to edit Master text styles</a:t>
             </a:r>
-            <a:endParaRPr lang="en-US" altLang="zh-HK" dirty="0"/>
           </a:p>
           <a:p>
             <a:pPr lvl="1"/>
@@ -23482,7 +23216,6 @@
               <a:rPr lang="en-US" altLang="zh-HK" dirty="0"/>
               <a:t>Second level</a:t>
             </a:r>
-            <a:endParaRPr lang="en-US" altLang="zh-HK" dirty="0"/>
           </a:p>
           <a:p>
             <a:pPr lvl="2"/>
@@ -23490,7 +23223,6 @@
               <a:rPr lang="en-US" altLang="zh-HK" dirty="0"/>
               <a:t>Third level</a:t>
             </a:r>
-            <a:endParaRPr lang="en-US" altLang="zh-HK" dirty="0"/>
           </a:p>
           <a:p>
             <a:pPr lvl="3"/>
@@ -23498,7 +23230,6 @@
               <a:rPr lang="en-US" altLang="zh-HK" dirty="0"/>
               <a:t>Fourth level</a:t>
             </a:r>
-            <a:endParaRPr lang="en-US" altLang="zh-HK" dirty="0"/>
           </a:p>
           <a:p>
             <a:pPr lvl="4"/>
@@ -23506,7 +23237,6 @@
               <a:rPr lang="en-US" altLang="zh-HK" dirty="0"/>
               <a:t>Fifth level</a:t>
             </a:r>
-            <a:endParaRPr lang="en-US" altLang="zh-HK" dirty="0"/>
           </a:p>
         </p:txBody>
       </p:sp>
@@ -23963,7 +23693,7 @@
     <p:bg>
       <p:bgPr>
         <a:blipFill rotWithShape="0">
-          <a:blip r:embed="rId12"/>
+          <a:blip r:embed="rId13"/>
           <a:stretch>
             <a:fillRect/>
           </a:stretch>
@@ -24017,7 +23747,6 @@
               <a:rPr lang="en-US" altLang="zh-HK" dirty="0"/>
               <a:t>Click to edit Master title style</a:t>
             </a:r>
-            <a:endParaRPr lang="en-US" altLang="zh-HK" dirty="0"/>
           </a:p>
         </p:txBody>
       </p:sp>
@@ -24053,7 +23782,6 @@
               <a:rPr lang="en-US" altLang="zh-HK" dirty="0"/>
               <a:t>Click to edit Master text styles</a:t>
             </a:r>
-            <a:endParaRPr lang="en-US" altLang="zh-HK" dirty="0"/>
           </a:p>
           <a:p>
             <a:pPr lvl="1"/>
@@ -24061,7 +23789,6 @@
               <a:rPr lang="en-US" altLang="zh-HK" dirty="0"/>
               <a:t>Second level</a:t>
             </a:r>
-            <a:endParaRPr lang="en-US" altLang="zh-HK" dirty="0"/>
           </a:p>
           <a:p>
             <a:pPr lvl="2"/>
@@ -24069,7 +23796,6 @@
               <a:rPr lang="en-US" altLang="zh-HK" dirty="0"/>
               <a:t>Third level</a:t>
             </a:r>
-            <a:endParaRPr lang="en-US" altLang="zh-HK" dirty="0"/>
           </a:p>
           <a:p>
             <a:pPr lvl="3"/>
@@ -24077,7 +23803,6 @@
               <a:rPr lang="en-US" altLang="zh-HK" dirty="0"/>
               <a:t>Fourth level</a:t>
             </a:r>
-            <a:endParaRPr lang="en-US" altLang="zh-HK" dirty="0"/>
           </a:p>
           <a:p>
             <a:pPr lvl="4"/>
@@ -24085,7 +23810,6 @@
               <a:rPr lang="en-US" altLang="zh-HK" dirty="0"/>
               <a:t>Fifth level</a:t>
             </a:r>
-            <a:endParaRPr lang="en-US" altLang="zh-HK" dirty="0"/>
           </a:p>
         </p:txBody>
       </p:sp>
@@ -24542,7 +24266,7 @@
     <p:bg>
       <p:bgPr>
         <a:blipFill rotWithShape="0">
-          <a:blip r:embed="rId12"/>
+          <a:blip r:embed="rId13"/>
           <a:stretch>
             <a:fillRect/>
           </a:stretch>
@@ -24596,7 +24320,6 @@
               <a:rPr lang="en-US" altLang="zh-HK" dirty="0"/>
               <a:t>Click to edit Master title style</a:t>
             </a:r>
-            <a:endParaRPr lang="en-US" altLang="zh-HK" dirty="0"/>
           </a:p>
         </p:txBody>
       </p:sp>
@@ -24632,7 +24355,6 @@
               <a:rPr lang="en-US" altLang="zh-HK" dirty="0"/>
               <a:t>Click to edit Master text styles</a:t>
             </a:r>
-            <a:endParaRPr lang="en-US" altLang="zh-HK" dirty="0"/>
           </a:p>
           <a:p>
             <a:pPr lvl="1"/>
@@ -24640,7 +24362,6 @@
               <a:rPr lang="en-US" altLang="zh-HK" dirty="0"/>
               <a:t>Second level</a:t>
             </a:r>
-            <a:endParaRPr lang="en-US" altLang="zh-HK" dirty="0"/>
           </a:p>
           <a:p>
             <a:pPr lvl="2"/>
@@ -24648,7 +24369,6 @@
               <a:rPr lang="en-US" altLang="zh-HK" dirty="0"/>
               <a:t>Third level</a:t>
             </a:r>
-            <a:endParaRPr lang="en-US" altLang="zh-HK" dirty="0"/>
           </a:p>
           <a:p>
             <a:pPr lvl="3"/>
@@ -24656,7 +24376,6 @@
               <a:rPr lang="en-US" altLang="zh-HK" dirty="0"/>
               <a:t>Fourth level</a:t>
             </a:r>
-            <a:endParaRPr lang="en-US" altLang="zh-HK" dirty="0"/>
           </a:p>
           <a:p>
             <a:pPr lvl="4"/>
@@ -24664,7 +24383,6 @@
               <a:rPr lang="en-US" altLang="zh-HK" dirty="0"/>
               <a:t>Fifth level</a:t>
             </a:r>
-            <a:endParaRPr lang="en-US" altLang="zh-HK" dirty="0"/>
           </a:p>
         </p:txBody>
       </p:sp>
@@ -25121,7 +24839,7 @@
     <p:bg>
       <p:bgPr>
         <a:blipFill rotWithShape="0">
-          <a:blip r:embed="rId12"/>
+          <a:blip r:embed="rId13"/>
           <a:stretch>
             <a:fillRect/>
           </a:stretch>
@@ -25175,7 +24893,6 @@
               <a:rPr lang="en-US" altLang="zh-HK" dirty="0"/>
               <a:t>Click to edit Master title style</a:t>
             </a:r>
-            <a:endParaRPr lang="en-US" altLang="zh-HK" dirty="0"/>
           </a:p>
         </p:txBody>
       </p:sp>
@@ -25211,7 +24928,6 @@
               <a:rPr lang="en-US" altLang="zh-HK" dirty="0"/>
               <a:t>Click to edit Master text styles</a:t>
             </a:r>
-            <a:endParaRPr lang="en-US" altLang="zh-HK" dirty="0"/>
           </a:p>
           <a:p>
             <a:pPr lvl="1"/>
@@ -25219,7 +24935,6 @@
               <a:rPr lang="en-US" altLang="zh-HK" dirty="0"/>
               <a:t>Second level</a:t>
             </a:r>
-            <a:endParaRPr lang="en-US" altLang="zh-HK" dirty="0"/>
           </a:p>
           <a:p>
             <a:pPr lvl="2"/>
@@ -25227,7 +24942,6 @@
               <a:rPr lang="en-US" altLang="zh-HK" dirty="0"/>
               <a:t>Third level</a:t>
             </a:r>
-            <a:endParaRPr lang="en-US" altLang="zh-HK" dirty="0"/>
           </a:p>
           <a:p>
             <a:pPr lvl="3"/>
@@ -25235,7 +24949,6 @@
               <a:rPr lang="en-US" altLang="zh-HK" dirty="0"/>
               <a:t>Fourth level</a:t>
             </a:r>
-            <a:endParaRPr lang="en-US" altLang="zh-HK" dirty="0"/>
           </a:p>
           <a:p>
             <a:pPr lvl="4"/>
@@ -25243,7 +24956,6 @@
               <a:rPr lang="en-US" altLang="zh-HK" dirty="0"/>
               <a:t>Fifth level</a:t>
             </a:r>
-            <a:endParaRPr lang="en-US" altLang="zh-HK" dirty="0"/>
           </a:p>
         </p:txBody>
       </p:sp>
@@ -25700,7 +25412,7 @@
     <p:bg>
       <p:bgPr>
         <a:blipFill rotWithShape="0">
-          <a:blip r:embed="rId12"/>
+          <a:blip r:embed="rId13"/>
           <a:stretch>
             <a:fillRect/>
           </a:stretch>
@@ -25754,7 +25466,6 @@
               <a:rPr lang="en-US" altLang="zh-HK" dirty="0"/>
               <a:t>Click to edit Master text styles</a:t>
             </a:r>
-            <a:endParaRPr lang="en-US" altLang="zh-HK" dirty="0"/>
           </a:p>
           <a:p>
             <a:pPr lvl="1"/>
@@ -25762,7 +25473,6 @@
               <a:rPr lang="en-US" altLang="zh-HK" dirty="0"/>
               <a:t>Second level</a:t>
             </a:r>
-            <a:endParaRPr lang="en-US" altLang="zh-HK" dirty="0"/>
           </a:p>
           <a:p>
             <a:pPr lvl="2"/>
@@ -25770,7 +25480,6 @@
               <a:rPr lang="en-US" altLang="zh-HK" dirty="0"/>
               <a:t>Third level</a:t>
             </a:r>
-            <a:endParaRPr lang="en-US" altLang="zh-HK" dirty="0"/>
           </a:p>
           <a:p>
             <a:pPr lvl="3"/>
@@ -25778,7 +25487,6 @@
               <a:rPr lang="en-US" altLang="zh-HK" dirty="0"/>
               <a:t>Fourth level</a:t>
             </a:r>
-            <a:endParaRPr lang="en-US" altLang="zh-HK" dirty="0"/>
           </a:p>
           <a:p>
             <a:pPr lvl="4"/>
@@ -25786,7 +25494,6 @@
               <a:rPr lang="en-US" altLang="zh-HK" dirty="0"/>
               <a:t>Fifth level</a:t>
             </a:r>
-            <a:endParaRPr lang="en-US" altLang="zh-HK" dirty="0"/>
           </a:p>
         </p:txBody>
       </p:sp>
@@ -25822,7 +25529,6 @@
               <a:rPr lang="en-US" altLang="zh-HK" dirty="0"/>
               <a:t>Click to edit Master title style</a:t>
             </a:r>
-            <a:endParaRPr lang="en-US" altLang="zh-HK" dirty="0"/>
           </a:p>
         </p:txBody>
       </p:sp>
@@ -26279,7 +25985,7 @@
     <p:bg>
       <p:bgPr>
         <a:blipFill rotWithShape="0">
-          <a:blip r:embed="rId12"/>
+          <a:blip r:embed="rId13"/>
           <a:stretch>
             <a:fillRect/>
           </a:stretch>
@@ -26333,7 +26039,6 @@
               <a:rPr lang="en-US" altLang="zh-HK" dirty="0"/>
               <a:t>Click to edit Master title style</a:t>
             </a:r>
-            <a:endParaRPr lang="en-US" altLang="zh-HK" dirty="0"/>
           </a:p>
         </p:txBody>
       </p:sp>
@@ -26369,7 +26074,6 @@
               <a:rPr lang="en-US" altLang="zh-HK" dirty="0"/>
               <a:t>Click to edit Master text styles</a:t>
             </a:r>
-            <a:endParaRPr lang="en-US" altLang="zh-HK" dirty="0"/>
           </a:p>
           <a:p>
             <a:pPr lvl="1"/>
@@ -26377,7 +26081,6 @@
               <a:rPr lang="en-US" altLang="zh-HK" dirty="0"/>
               <a:t>Second level</a:t>
             </a:r>
-            <a:endParaRPr lang="en-US" altLang="zh-HK" dirty="0"/>
           </a:p>
           <a:p>
             <a:pPr lvl="2"/>
@@ -26385,7 +26088,6 @@
               <a:rPr lang="en-US" altLang="zh-HK" dirty="0"/>
               <a:t>Third level</a:t>
             </a:r>
-            <a:endParaRPr lang="en-US" altLang="zh-HK" dirty="0"/>
           </a:p>
           <a:p>
             <a:pPr lvl="3"/>
@@ -26393,7 +26095,6 @@
               <a:rPr lang="en-US" altLang="zh-HK" dirty="0"/>
               <a:t>Fourth level</a:t>
             </a:r>
-            <a:endParaRPr lang="en-US" altLang="zh-HK" dirty="0"/>
           </a:p>
           <a:p>
             <a:pPr lvl="4"/>
@@ -26401,7 +26102,6 @@
               <a:rPr lang="en-US" altLang="zh-HK" dirty="0"/>
               <a:t>Fifth level</a:t>
             </a:r>
-            <a:endParaRPr lang="en-US" altLang="zh-HK" dirty="0"/>
           </a:p>
         </p:txBody>
       </p:sp>
@@ -26858,7 +26558,7 @@
     <p:bg>
       <p:bgPr>
         <a:blipFill rotWithShape="0">
-          <a:blip r:embed="rId12"/>
+          <a:blip r:embed="rId13"/>
           <a:stretch>
             <a:fillRect/>
           </a:stretch>
@@ -26912,7 +26612,6 @@
               <a:rPr lang="en-US" altLang="zh-HK" dirty="0"/>
               <a:t>Click to edit Master title style</a:t>
             </a:r>
-            <a:endParaRPr lang="en-US" altLang="zh-HK" dirty="0"/>
           </a:p>
         </p:txBody>
       </p:sp>
@@ -27354,7 +27053,7 @@
     <p:bg>
       <p:bgPr>
         <a:blipFill rotWithShape="0">
-          <a:blip r:embed="rId12"/>
+          <a:blip r:embed="rId13"/>
           <a:stretch>
             <a:fillRect/>
           </a:stretch>
@@ -27408,7 +27107,6 @@
               <a:rPr lang="en-US" altLang="zh-HK" dirty="0"/>
               <a:t>Click to edit Master title style</a:t>
             </a:r>
-            <a:endParaRPr lang="en-US" altLang="zh-HK" dirty="0"/>
           </a:p>
         </p:txBody>
       </p:sp>
@@ -27444,7 +27142,6 @@
               <a:rPr lang="en-US" altLang="zh-HK" dirty="0"/>
               <a:t>Click to edit Master text styles</a:t>
             </a:r>
-            <a:endParaRPr lang="en-US" altLang="zh-HK" dirty="0"/>
           </a:p>
           <a:p>
             <a:pPr lvl="1"/>
@@ -27452,7 +27149,6 @@
               <a:rPr lang="en-US" altLang="zh-HK" dirty="0"/>
               <a:t>Second level</a:t>
             </a:r>
-            <a:endParaRPr lang="en-US" altLang="zh-HK" dirty="0"/>
           </a:p>
           <a:p>
             <a:pPr lvl="2"/>
@@ -27460,7 +27156,6 @@
               <a:rPr lang="en-US" altLang="zh-HK" dirty="0"/>
               <a:t>Third level</a:t>
             </a:r>
-            <a:endParaRPr lang="en-US" altLang="zh-HK" dirty="0"/>
           </a:p>
           <a:p>
             <a:pPr lvl="3"/>
@@ -27468,7 +27163,6 @@
               <a:rPr lang="en-US" altLang="zh-HK" dirty="0"/>
               <a:t>Fourth level</a:t>
             </a:r>
-            <a:endParaRPr lang="en-US" altLang="zh-HK" dirty="0"/>
           </a:p>
           <a:p>
             <a:pPr lvl="4"/>
@@ -27476,7 +27170,6 @@
               <a:rPr lang="en-US" altLang="zh-HK" dirty="0"/>
               <a:t>Fifth level</a:t>
             </a:r>
-            <a:endParaRPr lang="en-US" altLang="zh-HK" dirty="0"/>
           </a:p>
         </p:txBody>
       </p:sp>
@@ -27918,7 +27611,7 @@
     <p:bg>
       <p:bgPr>
         <a:blipFill rotWithShape="0">
-          <a:blip r:embed="rId12"/>
+          <a:blip r:embed="rId13"/>
           <a:stretch>
             <a:fillRect/>
           </a:stretch>
@@ -27972,7 +27665,6 @@
               <a:rPr lang="en-US" altLang="zh-HK" dirty="0"/>
               <a:t>Click to edit Master title style</a:t>
             </a:r>
-            <a:endParaRPr lang="en-US" altLang="zh-HK" dirty="0"/>
           </a:p>
         </p:txBody>
       </p:sp>
@@ -28414,7 +28106,7 @@
     <p:bg>
       <p:bgPr>
         <a:blipFill rotWithShape="0">
-          <a:blip r:embed="rId12"/>
+          <a:blip r:embed="rId13"/>
           <a:stretch>
             <a:fillRect/>
           </a:stretch>
@@ -28468,7 +28160,6 @@
               <a:rPr lang="en-US" altLang="zh-HK" dirty="0"/>
               <a:t>Click to edit Master title style</a:t>
             </a:r>
-            <a:endParaRPr lang="en-US" altLang="zh-HK" dirty="0"/>
           </a:p>
         </p:txBody>
       </p:sp>
@@ -28910,7 +28601,7 @@
     <p:bg>
       <p:bgPr>
         <a:blipFill rotWithShape="0">
-          <a:blip r:embed="rId12"/>
+          <a:blip r:embed="rId13"/>
           <a:stretch>
             <a:fillRect/>
           </a:stretch>
@@ -28964,7 +28655,6 @@
               <a:rPr lang="en-US" altLang="zh-HK" dirty="0"/>
               <a:t>Click to edit Master title style</a:t>
             </a:r>
-            <a:endParaRPr lang="en-US" altLang="zh-HK" dirty="0"/>
           </a:p>
         </p:txBody>
       </p:sp>
@@ -29000,7 +28690,6 @@
               <a:rPr lang="en-US" altLang="zh-HK" dirty="0"/>
               <a:t>Click to edit Master text styles</a:t>
             </a:r>
-            <a:endParaRPr lang="en-US" altLang="zh-HK" dirty="0"/>
           </a:p>
           <a:p>
             <a:pPr lvl="1"/>
@@ -29008,7 +28697,6 @@
               <a:rPr lang="en-US" altLang="zh-HK" dirty="0"/>
               <a:t>Second level</a:t>
             </a:r>
-            <a:endParaRPr lang="en-US" altLang="zh-HK" dirty="0"/>
           </a:p>
           <a:p>
             <a:pPr lvl="2"/>
@@ -29016,7 +28704,6 @@
               <a:rPr lang="en-US" altLang="zh-HK" dirty="0"/>
               <a:t>Third level</a:t>
             </a:r>
-            <a:endParaRPr lang="en-US" altLang="zh-HK" dirty="0"/>
           </a:p>
           <a:p>
             <a:pPr lvl="3"/>
@@ -29024,7 +28711,6 @@
               <a:rPr lang="en-US" altLang="zh-HK" dirty="0"/>
               <a:t>Fourth level</a:t>
             </a:r>
-            <a:endParaRPr lang="en-US" altLang="zh-HK" dirty="0"/>
           </a:p>
           <a:p>
             <a:pPr lvl="4"/>
@@ -29032,7 +28718,6 @@
               <a:rPr lang="en-US" altLang="zh-HK" dirty="0"/>
               <a:t>Fifth level</a:t>
             </a:r>
-            <a:endParaRPr lang="en-US" altLang="zh-HK" dirty="0"/>
           </a:p>
         </p:txBody>
       </p:sp>
@@ -29474,7 +29159,7 @@
     <p:bg>
       <p:bgPr>
         <a:blipFill rotWithShape="0">
-          <a:blip r:embed="rId12"/>
+          <a:blip r:embed="rId13"/>
           <a:stretch>
             <a:fillRect/>
           </a:stretch>
@@ -29528,7 +29213,6 @@
               <a:rPr lang="en-US" altLang="zh-HK" dirty="0"/>
               <a:t>Click to edit Master title style</a:t>
             </a:r>
-            <a:endParaRPr lang="en-US" altLang="zh-HK" dirty="0"/>
           </a:p>
         </p:txBody>
       </p:sp>
@@ -29564,7 +29248,6 @@
               <a:rPr lang="en-US" altLang="zh-HK" dirty="0"/>
               <a:t>Click to edit Master text styles</a:t>
             </a:r>
-            <a:endParaRPr lang="en-US" altLang="zh-HK" dirty="0"/>
           </a:p>
           <a:p>
             <a:pPr lvl="1"/>
@@ -29572,7 +29255,6 @@
               <a:rPr lang="en-US" altLang="zh-HK" dirty="0"/>
               <a:t>Second level</a:t>
             </a:r>
-            <a:endParaRPr lang="en-US" altLang="zh-HK" dirty="0"/>
           </a:p>
           <a:p>
             <a:pPr lvl="2"/>
@@ -29580,7 +29262,6 @@
               <a:rPr lang="en-US" altLang="zh-HK" dirty="0"/>
               <a:t>Third level</a:t>
             </a:r>
-            <a:endParaRPr lang="en-US" altLang="zh-HK" dirty="0"/>
           </a:p>
           <a:p>
             <a:pPr lvl="3"/>
@@ -29588,7 +29269,6 @@
               <a:rPr lang="en-US" altLang="zh-HK" dirty="0"/>
               <a:t>Fourth level</a:t>
             </a:r>
-            <a:endParaRPr lang="en-US" altLang="zh-HK" dirty="0"/>
           </a:p>
           <a:p>
             <a:pPr lvl="4"/>
@@ -29596,7 +29276,6 @@
               <a:rPr lang="en-US" altLang="zh-HK" dirty="0"/>
               <a:t>Fifth level</a:t>
             </a:r>
-            <a:endParaRPr lang="en-US" altLang="zh-HK" dirty="0"/>
           </a:p>
         </p:txBody>
       </p:sp>
@@ -30038,7 +29717,7 @@
     <p:bg>
       <p:bgPr>
         <a:blipFill rotWithShape="0">
-          <a:blip r:embed="rId12"/>
+          <a:blip r:embed="rId13"/>
           <a:stretch>
             <a:fillRect/>
           </a:stretch>
@@ -30092,7 +29771,6 @@
               <a:rPr lang="en-US" altLang="zh-HK" dirty="0"/>
               <a:t>Click to edit Master title style</a:t>
             </a:r>
-            <a:endParaRPr lang="en-US" altLang="zh-HK" dirty="0"/>
           </a:p>
         </p:txBody>
       </p:sp>
@@ -30587,7 +30265,6 @@
               <a:rPr lang="zh-CN" altLang="zh-CN" sz="11500"/>
               <a:t>机器学习及数学基础</a:t>
             </a:r>
-            <a:endParaRPr lang="zh-CN" altLang="zh-CN" sz="11500"/>
           </a:p>
         </p:txBody>
       </p:sp>
@@ -30626,10 +30303,1415 @@
               <a:rPr lang="zh-CN" altLang="en-US"/>
               <a:t>福州电信</a:t>
             </a:r>
+          </a:p>
+        </p:txBody>
+      </p:sp>
+    </p:spTree>
+  </p:cSld>
+  <p:clrMapOvr>
+    <a:masterClrMapping/>
+  </p:clrMapOvr>
+  <p:transition/>
+</p:sld>
+</file>
+
+<file path=ppt/slides/slide10.xml><?xml version="1.0" encoding="utf-8"?>
+<p:sld xmlns:a="http://schemas.openxmlformats.org/drawingml/2006/main" xmlns:r="http://schemas.openxmlformats.org/officeDocument/2006/relationships" xmlns:p="http://schemas.openxmlformats.org/presentationml/2006/main">
+  <p:cSld>
+    <p:spTree>
+      <p:nvGrpSpPr>
+        <p:cNvPr id="1" name=""/>
+        <p:cNvGrpSpPr/>
+        <p:nvPr/>
+      </p:nvGrpSpPr>
+      <p:grpSpPr>
+        <a:xfrm>
+          <a:off x="0" y="0"/>
+          <a:ext cx="0" cy="0"/>
+          <a:chOff x="0" y="0"/>
+          <a:chExt cx="0" cy="0"/>
+        </a:xfrm>
+      </p:grpSpPr>
+      <p:sp>
+        <p:nvSpPr>
+          <p:cNvPr id="3" name="文本框 2"/>
+          <p:cNvSpPr txBox="1"/>
+          <p:nvPr/>
+        </p:nvSpPr>
+        <p:spPr>
+          <a:xfrm>
+            <a:off x="4991200" y="3401616"/>
+            <a:ext cx="14113568" cy="954107"/>
+          </a:xfrm>
+          <a:prstGeom prst="rect">
+            <a:avLst/>
+          </a:prstGeom>
+          <a:noFill/>
+        </p:spPr>
+        <p:txBody>
+          <a:bodyPr wrap="square" rtlCol="0">
+            <a:spAutoFit/>
+          </a:bodyPr>
+          <a:lstStyle/>
+          <a:p>
+            <a:pPr algn="ctr"/>
+            <a:r>
+              <a:rPr lang="en-US" altLang="zh-CN" dirty="0" smtClean="0"/>
+              <a:t>[</a:t>
+            </a:r>
+            <a:r>
+              <a:rPr lang="zh-CN" altLang="en-US" dirty="0" smtClean="0"/>
+              <a:t>加法法则</a:t>
+            </a:r>
+            <a:r>
+              <a:rPr lang="en-US" altLang="zh-CN" dirty="0" smtClean="0"/>
+              <a:t>]</a:t>
+            </a:r>
+            <a:endParaRPr lang="zh-CN" altLang="en-US" dirty="0"/>
+          </a:p>
+        </p:txBody>
+      </p:sp>
+      <mc:AlternateContent xmlns:mc="http://schemas.openxmlformats.org/markup-compatibility/2006">
+        <mc:Choice xmlns:a14="http://schemas.microsoft.com/office/drawing/2010/main" Requires="a14">
+          <p:sp>
+            <p:nvSpPr>
+              <p:cNvPr id="2" name="文本框 1"/>
+              <p:cNvSpPr txBox="1"/>
+              <p:nvPr/>
+            </p:nvSpPr>
+            <p:spPr>
+              <a:xfrm>
+                <a:off x="8735616" y="5273824"/>
+                <a:ext cx="6374566" cy="1641475"/>
+              </a:xfrm>
+              <a:prstGeom prst="rect">
+                <a:avLst/>
+              </a:prstGeom>
+              <a:noFill/>
+            </p:spPr>
+            <p:txBody>
+              <a:bodyPr wrap="none" lIns="0" tIns="0" rIns="0" bIns="0" rtlCol="0">
+                <a:spAutoFit/>
+              </a:bodyPr>
+              <a:lstStyle/>
+              <a:p>
+                <a14:m>
+                  <m:oMathPara xmlns:m="http://schemas.openxmlformats.org/officeDocument/2006/math">
+                    <m:oMathParaPr>
+                      <m:jc m:val="centerGroup"/>
+                    </m:oMathParaPr>
+                    <m:oMath xmlns:m="http://schemas.openxmlformats.org/officeDocument/2006/math">
+                      <m:f>
+                        <m:fPr>
+                          <m:ctrlPr>
+                            <a:rPr lang="en-US" altLang="zh-CN" i="1" smtClean="0">
+                              <a:latin typeface="Cambria Math" panose="02040503050406030204" pitchFamily="18" charset="0"/>
+                            </a:rPr>
+                          </m:ctrlPr>
+                        </m:fPr>
+                        <m:num>
+                          <m:r>
+                            <m:rPr>
+                              <m:sty m:val="p"/>
+                            </m:rPr>
+                            <a:rPr lang="en-US" altLang="zh-CN" i="1">
+                              <a:latin typeface="Cambria Math" panose="02040503050406030204" pitchFamily="18" charset="0"/>
+                            </a:rPr>
+                            <m:t>d</m:t>
+                          </m:r>
+                          <m:r>
+                            <a:rPr lang="en-US" altLang="zh-CN" b="0" i="1" smtClean="0">
+                              <a:latin typeface="Cambria Math" panose="02040503050406030204" pitchFamily="18" charset="0"/>
+                            </a:rPr>
+                            <m:t>(</m:t>
+                          </m:r>
+                          <m:r>
+                            <a:rPr lang="en-US" altLang="zh-CN" b="0" i="1" smtClean="0">
+                              <a:latin typeface="Cambria Math" panose="02040503050406030204" pitchFamily="18" charset="0"/>
+                            </a:rPr>
+                            <m:t>𝑓</m:t>
+                          </m:r>
+                          <m:r>
+                            <a:rPr lang="en-US" altLang="zh-CN" b="0" i="1" smtClean="0">
+                              <a:latin typeface="Cambria Math" panose="02040503050406030204" pitchFamily="18" charset="0"/>
+                            </a:rPr>
+                            <m:t>+</m:t>
+                          </m:r>
+                          <m:r>
+                            <a:rPr lang="en-US" altLang="zh-CN" b="0" i="1" smtClean="0">
+                              <a:latin typeface="Cambria Math" panose="02040503050406030204" pitchFamily="18" charset="0"/>
+                            </a:rPr>
+                            <m:t>𝑔</m:t>
+                          </m:r>
+                          <m:r>
+                            <a:rPr lang="en-US" altLang="zh-CN" b="0" i="1" smtClean="0">
+                              <a:latin typeface="Cambria Math" panose="02040503050406030204" pitchFamily="18" charset="0"/>
+                            </a:rPr>
+                            <m:t>)</m:t>
+                          </m:r>
+                        </m:num>
+                        <m:den>
+                          <m:r>
+                            <m:rPr>
+                              <m:sty m:val="p"/>
+                            </m:rPr>
+                            <a:rPr lang="en-US" altLang="zh-CN" i="1">
+                              <a:latin typeface="Cambria Math" panose="02040503050406030204" pitchFamily="18" charset="0"/>
+                            </a:rPr>
+                            <m:t>d</m:t>
+                          </m:r>
+                          <m:r>
+                            <a:rPr lang="en-US" altLang="zh-CN" b="0" i="1" smtClean="0">
+                              <a:latin typeface="Cambria Math" panose="02040503050406030204" pitchFamily="18" charset="0"/>
+                            </a:rPr>
+                            <m:t>𝑥</m:t>
+                          </m:r>
+                        </m:den>
+                      </m:f>
+                      <m:r>
+                        <a:rPr lang="en-US" altLang="zh-CN" i="1" smtClean="0">
+                          <a:latin typeface="Cambria Math" panose="02040503050406030204" pitchFamily="18" charset="0"/>
+                        </a:rPr>
+                        <m:t>=</m:t>
+                      </m:r>
+                      <m:f>
+                        <m:fPr>
+                          <m:ctrlPr>
+                            <a:rPr lang="en-US" altLang="zh-CN" i="1">
+                              <a:latin typeface="Cambria Math" panose="02040503050406030204" pitchFamily="18" charset="0"/>
+                            </a:rPr>
+                          </m:ctrlPr>
+                        </m:fPr>
+                        <m:num>
+                          <m:r>
+                            <m:rPr>
+                              <m:sty m:val="p"/>
+                            </m:rPr>
+                            <a:rPr lang="en-US" altLang="zh-CN" i="1">
+                              <a:latin typeface="Cambria Math" panose="02040503050406030204" pitchFamily="18" charset="0"/>
+                            </a:rPr>
+                            <m:t>d</m:t>
+                          </m:r>
+                          <m:r>
+                            <a:rPr lang="en-US" altLang="zh-CN" b="0" i="1" smtClean="0">
+                              <a:latin typeface="Cambria Math" panose="02040503050406030204" pitchFamily="18" charset="0"/>
+                            </a:rPr>
+                            <m:t>𝑓</m:t>
+                          </m:r>
+                        </m:num>
+                        <m:den>
+                          <m:r>
+                            <m:rPr>
+                              <m:sty m:val="p"/>
+                            </m:rPr>
+                            <a:rPr lang="en-US" altLang="zh-CN" i="1">
+                              <a:latin typeface="Cambria Math" panose="02040503050406030204" pitchFamily="18" charset="0"/>
+                            </a:rPr>
+                            <m:t>d</m:t>
+                          </m:r>
+                          <m:r>
+                            <a:rPr lang="en-US" altLang="zh-CN" i="1">
+                              <a:latin typeface="Cambria Math" panose="02040503050406030204" pitchFamily="18" charset="0"/>
+                            </a:rPr>
+                            <m:t>𝑥</m:t>
+                          </m:r>
+                        </m:den>
+                      </m:f>
+                      <m:r>
+                        <a:rPr lang="en-US" altLang="zh-CN" b="0" i="1" smtClean="0">
+                          <a:latin typeface="Cambria Math" panose="02040503050406030204" pitchFamily="18" charset="0"/>
+                        </a:rPr>
+                        <m:t>+</m:t>
+                      </m:r>
+                      <m:f>
+                        <m:fPr>
+                          <m:ctrlPr>
+                            <a:rPr lang="en-US" altLang="zh-CN" i="1">
+                              <a:latin typeface="Cambria Math" panose="02040503050406030204" pitchFamily="18" charset="0"/>
+                            </a:rPr>
+                          </m:ctrlPr>
+                        </m:fPr>
+                        <m:num>
+                          <m:r>
+                            <m:rPr>
+                              <m:sty m:val="p"/>
+                            </m:rPr>
+                            <a:rPr lang="en-US" altLang="zh-CN" i="1">
+                              <a:latin typeface="Cambria Math" panose="02040503050406030204" pitchFamily="18" charset="0"/>
+                            </a:rPr>
+                            <m:t>d</m:t>
+                          </m:r>
+                          <m:r>
+                            <a:rPr lang="en-US" altLang="zh-CN" b="0" i="1" smtClean="0">
+                              <a:latin typeface="Cambria Math" panose="02040503050406030204" pitchFamily="18" charset="0"/>
+                            </a:rPr>
+                            <m:t>𝑔</m:t>
+                          </m:r>
+                        </m:num>
+                        <m:den>
+                          <m:r>
+                            <m:rPr>
+                              <m:sty m:val="p"/>
+                            </m:rPr>
+                            <a:rPr lang="en-US" altLang="zh-CN" i="1">
+                              <a:latin typeface="Cambria Math" panose="02040503050406030204" pitchFamily="18" charset="0"/>
+                            </a:rPr>
+                            <m:t>d</m:t>
+                          </m:r>
+                          <m:r>
+                            <a:rPr lang="en-US" altLang="zh-CN" i="1">
+                              <a:latin typeface="Cambria Math" panose="02040503050406030204" pitchFamily="18" charset="0"/>
+                            </a:rPr>
+                            <m:t>𝑥</m:t>
+                          </m:r>
+                        </m:den>
+                      </m:f>
+                    </m:oMath>
+                  </m:oMathPara>
+                </a14:m>
+                <a:endParaRPr lang="zh-CN" altLang="en-US" dirty="0"/>
+              </a:p>
+            </p:txBody>
+          </p:sp>
+        </mc:Choice>
+        <mc:Fallback>
+          <p:sp>
+            <p:nvSpPr>
+              <p:cNvPr id="2" name="文本框 1"/>
+              <p:cNvSpPr txBox="1">
+                <a:spLocks noRot="1" noChangeAspect="1" noMove="1" noResize="1" noEditPoints="1" noAdjustHandles="1" noChangeArrowheads="1" noChangeShapeType="1" noTextEdit="1"/>
+              </p:cNvSpPr>
+              <p:nvPr/>
+            </p:nvSpPr>
+            <p:spPr>
+              <a:xfrm>
+                <a:off x="8735616" y="5273824"/>
+                <a:ext cx="6374566" cy="1641475"/>
+              </a:xfrm>
+              <a:prstGeom prst="rect">
+                <a:avLst/>
+              </a:prstGeom>
+              <a:blipFill rotWithShape="0">
+                <a:blip r:embed="rId2"/>
+                <a:stretch>
+                  <a:fillRect/>
+                </a:stretch>
+              </a:blipFill>
+            </p:spPr>
+            <p:txBody>
+              <a:bodyPr/>
+              <a:lstStyle/>
+              <a:p>
+                <a:r>
+                  <a:rPr lang="zh-CN" altLang="en-US">
+                    <a:noFill/>
+                  </a:rPr>
+                  <a:t> </a:t>
+                </a:r>
+              </a:p>
+            </p:txBody>
+          </p:sp>
+        </mc:Fallback>
+      </mc:AlternateContent>
+    </p:spTree>
+    <p:extLst>
+      <p:ext uri="{BB962C8B-B14F-4D97-AF65-F5344CB8AC3E}">
+        <p14:creationId xmlns:p14="http://schemas.microsoft.com/office/powerpoint/2010/main" val="3458431251"/>
+      </p:ext>
+    </p:extLst>
+  </p:cSld>
+  <p:clrMapOvr>
+    <a:masterClrMapping/>
+  </p:clrMapOvr>
+  <p:transition/>
+  <p:timing>
+    <p:tnLst>
+      <p:par>
+        <p:cTn id="1" dur="indefinite" restart="never" nodeType="tmRoot"/>
+      </p:par>
+    </p:tnLst>
+  </p:timing>
+</p:sld>
+</file>
+
+<file path=ppt/slides/slide11.xml><?xml version="1.0" encoding="utf-8"?>
+<p:sld xmlns:a="http://schemas.openxmlformats.org/drawingml/2006/main" xmlns:r="http://schemas.openxmlformats.org/officeDocument/2006/relationships" xmlns:p="http://schemas.openxmlformats.org/presentationml/2006/main">
+  <p:cSld>
+    <p:spTree>
+      <p:nvGrpSpPr>
+        <p:cNvPr id="1" name=""/>
+        <p:cNvGrpSpPr/>
+        <p:nvPr/>
+      </p:nvGrpSpPr>
+      <p:grpSpPr>
+        <a:xfrm>
+          <a:off x="0" y="0"/>
+          <a:ext cx="0" cy="0"/>
+          <a:chOff x="0" y="0"/>
+          <a:chExt cx="0" cy="0"/>
+        </a:xfrm>
+      </p:grpSpPr>
+      <p:sp>
+        <p:nvSpPr>
+          <p:cNvPr id="3" name="文本框 2"/>
+          <p:cNvSpPr txBox="1"/>
+          <p:nvPr/>
+        </p:nvSpPr>
+        <p:spPr>
+          <a:xfrm>
+            <a:off x="4991200" y="3401616"/>
+            <a:ext cx="14113568" cy="954107"/>
+          </a:xfrm>
+          <a:prstGeom prst="rect">
+            <a:avLst/>
+          </a:prstGeom>
+          <a:noFill/>
+        </p:spPr>
+        <p:txBody>
+          <a:bodyPr wrap="square" rtlCol="0">
+            <a:spAutoFit/>
+          </a:bodyPr>
+          <a:lstStyle/>
+          <a:p>
+            <a:pPr algn="ctr"/>
+            <a:r>
+              <a:rPr lang="en-US" altLang="zh-CN" dirty="0" smtClean="0"/>
+              <a:t>[</a:t>
+            </a:r>
+            <a:r>
+              <a:rPr lang="zh-CN" altLang="en-US" dirty="0" smtClean="0"/>
+              <a:t>乘法法则</a:t>
+            </a:r>
+            <a:r>
+              <a:rPr lang="en-US" altLang="zh-CN" dirty="0" smtClean="0"/>
+              <a:t>]</a:t>
+            </a:r>
+            <a:endParaRPr lang="zh-CN" altLang="en-US" dirty="0"/>
+          </a:p>
+        </p:txBody>
+      </p:sp>
+      <mc:AlternateContent xmlns:mc="http://schemas.openxmlformats.org/markup-compatibility/2006">
+        <mc:Choice xmlns:a14="http://schemas.microsoft.com/office/drawing/2010/main" Requires="a14">
+          <p:sp>
+            <p:nvSpPr>
+              <p:cNvPr id="2" name="文本框 1"/>
+              <p:cNvSpPr txBox="1"/>
+              <p:nvPr/>
+            </p:nvSpPr>
+            <p:spPr>
+              <a:xfrm>
+                <a:off x="8735616" y="5273824"/>
+                <a:ext cx="6639703" cy="1641475"/>
+              </a:xfrm>
+              <a:prstGeom prst="rect">
+                <a:avLst/>
+              </a:prstGeom>
+              <a:noFill/>
+            </p:spPr>
+            <p:txBody>
+              <a:bodyPr wrap="none" lIns="0" tIns="0" rIns="0" bIns="0" rtlCol="0">
+                <a:spAutoFit/>
+              </a:bodyPr>
+              <a:lstStyle/>
+              <a:p>
+                <a14:m>
+                  <m:oMathPara xmlns:m="http://schemas.openxmlformats.org/officeDocument/2006/math">
+                    <m:oMathParaPr>
+                      <m:jc m:val="centerGroup"/>
+                    </m:oMathParaPr>
+                    <m:oMath xmlns:m="http://schemas.openxmlformats.org/officeDocument/2006/math">
+                      <m:f>
+                        <m:fPr>
+                          <m:ctrlPr>
+                            <a:rPr lang="en-US" altLang="zh-CN" i="1" smtClean="0">
+                              <a:latin typeface="Cambria Math" panose="02040503050406030204" pitchFamily="18" charset="0"/>
+                            </a:rPr>
+                          </m:ctrlPr>
+                        </m:fPr>
+                        <m:num>
+                          <m:r>
+                            <m:rPr>
+                              <m:sty m:val="p"/>
+                            </m:rPr>
+                            <a:rPr lang="en-US" altLang="zh-CN" i="1">
+                              <a:latin typeface="Cambria Math" panose="02040503050406030204" pitchFamily="18" charset="0"/>
+                            </a:rPr>
+                            <m:t>d</m:t>
+                          </m:r>
+                          <m:r>
+                            <a:rPr lang="en-US" altLang="zh-CN" b="0" i="1" smtClean="0">
+                              <a:latin typeface="Cambria Math" panose="02040503050406030204" pitchFamily="18" charset="0"/>
+                            </a:rPr>
+                            <m:t>(</m:t>
+                          </m:r>
+                          <m:r>
+                            <a:rPr lang="en-US" altLang="zh-CN" b="0" i="1" smtClean="0">
+                              <a:latin typeface="Cambria Math" panose="02040503050406030204" pitchFamily="18" charset="0"/>
+                            </a:rPr>
+                            <m:t>𝑓𝑔</m:t>
+                          </m:r>
+                          <m:r>
+                            <a:rPr lang="en-US" altLang="zh-CN" b="0" i="1" smtClean="0">
+                              <a:latin typeface="Cambria Math" panose="02040503050406030204" pitchFamily="18" charset="0"/>
+                            </a:rPr>
+                            <m:t>)</m:t>
+                          </m:r>
+                        </m:num>
+                        <m:den>
+                          <m:r>
+                            <m:rPr>
+                              <m:sty m:val="p"/>
+                            </m:rPr>
+                            <a:rPr lang="en-US" altLang="zh-CN" i="1">
+                              <a:latin typeface="Cambria Math" panose="02040503050406030204" pitchFamily="18" charset="0"/>
+                            </a:rPr>
+                            <m:t>d</m:t>
+                          </m:r>
+                          <m:r>
+                            <a:rPr lang="en-US" altLang="zh-CN" b="0" i="1" smtClean="0">
+                              <a:latin typeface="Cambria Math" panose="02040503050406030204" pitchFamily="18" charset="0"/>
+                            </a:rPr>
+                            <m:t>𝑥</m:t>
+                          </m:r>
+                        </m:den>
+                      </m:f>
+                      <m:r>
+                        <a:rPr lang="en-US" altLang="zh-CN" i="1" smtClean="0">
+                          <a:latin typeface="Cambria Math" panose="02040503050406030204" pitchFamily="18" charset="0"/>
+                        </a:rPr>
+                        <m:t>=</m:t>
+                      </m:r>
+                      <m:r>
+                        <a:rPr lang="en-US" altLang="zh-CN" b="0" i="1" smtClean="0">
+                          <a:latin typeface="Cambria Math" panose="02040503050406030204" pitchFamily="18" charset="0"/>
+                        </a:rPr>
+                        <m:t>𝑓</m:t>
+                      </m:r>
+                      <m:f>
+                        <m:fPr>
+                          <m:ctrlPr>
+                            <a:rPr lang="en-US" altLang="zh-CN" i="1">
+                              <a:latin typeface="Cambria Math" panose="02040503050406030204" pitchFamily="18" charset="0"/>
+                            </a:rPr>
+                          </m:ctrlPr>
+                        </m:fPr>
+                        <m:num>
+                          <m:r>
+                            <m:rPr>
+                              <m:sty m:val="p"/>
+                            </m:rPr>
+                            <a:rPr lang="en-US" altLang="zh-CN" i="1">
+                              <a:latin typeface="Cambria Math" panose="02040503050406030204" pitchFamily="18" charset="0"/>
+                            </a:rPr>
+                            <m:t>d</m:t>
+                          </m:r>
+                          <m:r>
+                            <a:rPr lang="en-US" altLang="zh-CN" b="0" i="1" smtClean="0">
+                              <a:latin typeface="Cambria Math" panose="02040503050406030204" pitchFamily="18" charset="0"/>
+                            </a:rPr>
+                            <m:t>𝑔</m:t>
+                          </m:r>
+                        </m:num>
+                        <m:den>
+                          <m:r>
+                            <m:rPr>
+                              <m:sty m:val="p"/>
+                            </m:rPr>
+                            <a:rPr lang="en-US" altLang="zh-CN" i="1">
+                              <a:latin typeface="Cambria Math" panose="02040503050406030204" pitchFamily="18" charset="0"/>
+                            </a:rPr>
+                            <m:t>d</m:t>
+                          </m:r>
+                          <m:r>
+                            <a:rPr lang="en-US" altLang="zh-CN" i="1">
+                              <a:latin typeface="Cambria Math" panose="02040503050406030204" pitchFamily="18" charset="0"/>
+                            </a:rPr>
+                            <m:t>𝑥</m:t>
+                          </m:r>
+                        </m:den>
+                      </m:f>
+                      <m:r>
+                        <a:rPr lang="en-US" altLang="zh-CN" b="0" i="1" smtClean="0">
+                          <a:latin typeface="Cambria Math" panose="02040503050406030204" pitchFamily="18" charset="0"/>
+                        </a:rPr>
+                        <m:t>+</m:t>
+                      </m:r>
+                      <m:r>
+                        <a:rPr lang="en-US" altLang="zh-CN" b="0" i="1" smtClean="0">
+                          <a:latin typeface="Cambria Math" panose="02040503050406030204" pitchFamily="18" charset="0"/>
+                        </a:rPr>
+                        <m:t>𝑔</m:t>
+                      </m:r>
+                      <m:f>
+                        <m:fPr>
+                          <m:ctrlPr>
+                            <a:rPr lang="en-US" altLang="zh-CN" i="1">
+                              <a:latin typeface="Cambria Math" panose="02040503050406030204" pitchFamily="18" charset="0"/>
+                            </a:rPr>
+                          </m:ctrlPr>
+                        </m:fPr>
+                        <m:num>
+                          <m:r>
+                            <m:rPr>
+                              <m:sty m:val="p"/>
+                            </m:rPr>
+                            <a:rPr lang="en-US" altLang="zh-CN" i="1">
+                              <a:latin typeface="Cambria Math" panose="02040503050406030204" pitchFamily="18" charset="0"/>
+                            </a:rPr>
+                            <m:t>d</m:t>
+                          </m:r>
+                          <m:r>
+                            <a:rPr lang="en-US" altLang="zh-CN" b="0" i="1" smtClean="0">
+                              <a:latin typeface="Cambria Math" panose="02040503050406030204" pitchFamily="18" charset="0"/>
+                            </a:rPr>
+                            <m:t>𝑓</m:t>
+                          </m:r>
+                        </m:num>
+                        <m:den>
+                          <m:r>
+                            <m:rPr>
+                              <m:sty m:val="p"/>
+                            </m:rPr>
+                            <a:rPr lang="en-US" altLang="zh-CN" i="1">
+                              <a:latin typeface="Cambria Math" panose="02040503050406030204" pitchFamily="18" charset="0"/>
+                            </a:rPr>
+                            <m:t>d</m:t>
+                          </m:r>
+                          <m:r>
+                            <a:rPr lang="en-US" altLang="zh-CN" i="1">
+                              <a:latin typeface="Cambria Math" panose="02040503050406030204" pitchFamily="18" charset="0"/>
+                            </a:rPr>
+                            <m:t>𝑥</m:t>
+                          </m:r>
+                        </m:den>
+                      </m:f>
+                    </m:oMath>
+                  </m:oMathPara>
+                </a14:m>
+                <a:endParaRPr lang="zh-CN" altLang="en-US" dirty="0"/>
+              </a:p>
+            </p:txBody>
+          </p:sp>
+        </mc:Choice>
+        <mc:Fallback>
+          <p:sp>
+            <p:nvSpPr>
+              <p:cNvPr id="2" name="文本框 1"/>
+              <p:cNvSpPr txBox="1">
+                <a:spLocks noRot="1" noChangeAspect="1" noMove="1" noResize="1" noEditPoints="1" noAdjustHandles="1" noChangeArrowheads="1" noChangeShapeType="1" noTextEdit="1"/>
+              </p:cNvSpPr>
+              <p:nvPr/>
+            </p:nvSpPr>
+            <p:spPr>
+              <a:xfrm>
+                <a:off x="8735616" y="5273824"/>
+                <a:ext cx="6639703" cy="1641475"/>
+              </a:xfrm>
+              <a:prstGeom prst="rect">
+                <a:avLst/>
+              </a:prstGeom>
+              <a:blipFill rotWithShape="0">
+                <a:blip r:embed="rId2"/>
+                <a:stretch>
+                  <a:fillRect/>
+                </a:stretch>
+              </a:blipFill>
+            </p:spPr>
+            <p:txBody>
+              <a:bodyPr/>
+              <a:lstStyle/>
+              <a:p>
+                <a:r>
+                  <a:rPr lang="zh-CN" altLang="en-US">
+                    <a:noFill/>
+                  </a:rPr>
+                  <a:t> </a:t>
+                </a:r>
+              </a:p>
+            </p:txBody>
+          </p:sp>
+        </mc:Fallback>
+      </mc:AlternateContent>
+    </p:spTree>
+    <p:extLst>
+      <p:ext uri="{BB962C8B-B14F-4D97-AF65-F5344CB8AC3E}">
+        <p14:creationId xmlns:p14="http://schemas.microsoft.com/office/powerpoint/2010/main" val="2920061607"/>
+      </p:ext>
+    </p:extLst>
+  </p:cSld>
+  <p:clrMapOvr>
+    <a:masterClrMapping/>
+  </p:clrMapOvr>
+  <p:transition/>
+  <p:timing>
+    <p:tnLst>
+      <p:par>
+        <p:cTn id="1" dur="indefinite" restart="never" nodeType="tmRoot"/>
+      </p:par>
+    </p:tnLst>
+  </p:timing>
+</p:sld>
+</file>
+
+<file path=ppt/slides/slide12.xml><?xml version="1.0" encoding="utf-8"?>
+<p:sld xmlns:a="http://schemas.openxmlformats.org/drawingml/2006/main" xmlns:r="http://schemas.openxmlformats.org/officeDocument/2006/relationships" xmlns:p="http://schemas.openxmlformats.org/presentationml/2006/main">
+  <p:cSld>
+    <p:spTree>
+      <p:nvGrpSpPr>
+        <p:cNvPr id="1" name=""/>
+        <p:cNvGrpSpPr/>
+        <p:nvPr/>
+      </p:nvGrpSpPr>
+      <p:grpSpPr>
+        <a:xfrm>
+          <a:off x="0" y="0"/>
+          <a:ext cx="0" cy="0"/>
+          <a:chOff x="0" y="0"/>
+          <a:chExt cx="0" cy="0"/>
+        </a:xfrm>
+      </p:grpSpPr>
+      <p:sp>
+        <p:nvSpPr>
+          <p:cNvPr id="3" name="文本框 2"/>
+          <p:cNvSpPr txBox="1"/>
+          <p:nvPr/>
+        </p:nvSpPr>
+        <p:spPr>
+          <a:xfrm>
+            <a:off x="4991200" y="3401616"/>
+            <a:ext cx="14113568" cy="954107"/>
+          </a:xfrm>
+          <a:prstGeom prst="rect">
+            <a:avLst/>
+          </a:prstGeom>
+          <a:noFill/>
+        </p:spPr>
+        <p:txBody>
+          <a:bodyPr wrap="square" rtlCol="0">
+            <a:spAutoFit/>
+          </a:bodyPr>
+          <a:lstStyle/>
+          <a:p>
+            <a:pPr algn="ctr"/>
+            <a:r>
+              <a:rPr lang="en-US" altLang="zh-CN" dirty="0" smtClean="0"/>
+              <a:t>[</a:t>
+            </a:r>
+            <a:r>
+              <a:rPr lang="zh-CN" altLang="en-US" dirty="0" smtClean="0"/>
+              <a:t>复合法则</a:t>
+            </a:r>
+            <a:r>
+              <a:rPr lang="en-US" altLang="zh-CN" dirty="0" smtClean="0"/>
+              <a:t>]</a:t>
+            </a:r>
+            <a:endParaRPr lang="zh-CN" altLang="en-US" dirty="0"/>
+          </a:p>
+        </p:txBody>
+      </p:sp>
+      <mc:AlternateContent xmlns:mc="http://schemas.openxmlformats.org/markup-compatibility/2006">
+        <mc:Choice xmlns:a14="http://schemas.microsoft.com/office/drawing/2010/main" Requires="a14">
+          <p:sp>
+            <p:nvSpPr>
+              <p:cNvPr id="2" name="文本框 1"/>
+              <p:cNvSpPr txBox="1"/>
+              <p:nvPr/>
+            </p:nvSpPr>
+            <p:spPr>
+              <a:xfrm>
+                <a:off x="8735616" y="5273824"/>
+                <a:ext cx="6829241" cy="1792607"/>
+              </a:xfrm>
+              <a:prstGeom prst="rect">
+                <a:avLst/>
+              </a:prstGeom>
+              <a:noFill/>
+            </p:spPr>
+            <p:txBody>
+              <a:bodyPr wrap="none" lIns="0" tIns="0" rIns="0" bIns="0" rtlCol="0">
+                <a:spAutoFit/>
+              </a:bodyPr>
+              <a:lstStyle/>
+              <a:p>
+                <a14:m>
+                  <m:oMathPara xmlns:m="http://schemas.openxmlformats.org/officeDocument/2006/math">
+                    <m:oMathParaPr>
+                      <m:jc m:val="centerGroup"/>
+                    </m:oMathParaPr>
+                    <m:oMath xmlns:m="http://schemas.openxmlformats.org/officeDocument/2006/math">
+                      <m:f>
+                        <m:fPr>
+                          <m:ctrlPr>
+                            <a:rPr lang="en-US" altLang="zh-CN" i="1" smtClean="0">
+                              <a:latin typeface="Cambria Math" panose="02040503050406030204" pitchFamily="18" charset="0"/>
+                            </a:rPr>
+                          </m:ctrlPr>
+                        </m:fPr>
+                        <m:num>
+                          <m:r>
+                            <m:rPr>
+                              <m:sty m:val="p"/>
+                            </m:rPr>
+                            <a:rPr lang="en-US" altLang="zh-CN" i="1">
+                              <a:latin typeface="Cambria Math" panose="02040503050406030204" pitchFamily="18" charset="0"/>
+                            </a:rPr>
+                            <m:t>d</m:t>
+                          </m:r>
+                          <m:r>
+                            <a:rPr lang="en-US" altLang="zh-CN" b="0" i="1" smtClean="0">
+                              <a:latin typeface="Cambria Math" panose="02040503050406030204" pitchFamily="18" charset="0"/>
+                            </a:rPr>
+                            <m:t>𝑓</m:t>
+                          </m:r>
+                          <m:r>
+                            <a:rPr lang="en-US" altLang="zh-CN" b="0" i="1" smtClean="0">
+                              <a:latin typeface="Cambria Math" panose="02040503050406030204" pitchFamily="18" charset="0"/>
+                            </a:rPr>
+                            <m:t>(</m:t>
+                          </m:r>
+                          <m:r>
+                            <a:rPr lang="en-US" altLang="zh-CN" b="0" i="1" smtClean="0">
+                              <a:latin typeface="Cambria Math" panose="02040503050406030204" pitchFamily="18" charset="0"/>
+                            </a:rPr>
+                            <m:t>𝑔</m:t>
+                          </m:r>
+                          <m:r>
+                            <a:rPr lang="en-US" altLang="zh-CN" b="0" i="1" smtClean="0">
+                              <a:latin typeface="Cambria Math" panose="02040503050406030204" pitchFamily="18" charset="0"/>
+                            </a:rPr>
+                            <m:t>(</m:t>
+                          </m:r>
+                          <m:r>
+                            <a:rPr lang="en-US" altLang="zh-CN" b="0" i="1" smtClean="0">
+                              <a:latin typeface="Cambria Math" panose="02040503050406030204" pitchFamily="18" charset="0"/>
+                            </a:rPr>
+                            <m:t>𝑥</m:t>
+                          </m:r>
+                          <m:r>
+                            <a:rPr lang="en-US" altLang="zh-CN" b="0" i="1" smtClean="0">
+                              <a:latin typeface="Cambria Math" panose="02040503050406030204" pitchFamily="18" charset="0"/>
+                            </a:rPr>
+                            <m:t>))</m:t>
+                          </m:r>
+                        </m:num>
+                        <m:den>
+                          <m:r>
+                            <m:rPr>
+                              <m:sty m:val="p"/>
+                            </m:rPr>
+                            <a:rPr lang="en-US" altLang="zh-CN" i="1">
+                              <a:latin typeface="Cambria Math" panose="02040503050406030204" pitchFamily="18" charset="0"/>
+                            </a:rPr>
+                            <m:t>d</m:t>
+                          </m:r>
+                          <m:r>
+                            <a:rPr lang="en-US" altLang="zh-CN" b="0" i="1" smtClean="0">
+                              <a:latin typeface="Cambria Math" panose="02040503050406030204" pitchFamily="18" charset="0"/>
+                            </a:rPr>
+                            <m:t>𝑥</m:t>
+                          </m:r>
+                        </m:den>
+                      </m:f>
+                      <m:r>
+                        <a:rPr lang="en-US" altLang="zh-CN" i="1" smtClean="0">
+                          <a:latin typeface="Cambria Math" panose="02040503050406030204" pitchFamily="18" charset="0"/>
+                        </a:rPr>
+                        <m:t>=</m:t>
+                      </m:r>
+                      <m:f>
+                        <m:fPr>
+                          <m:ctrlPr>
+                            <a:rPr lang="en-US" altLang="zh-CN" i="1">
+                              <a:latin typeface="Cambria Math" panose="02040503050406030204" pitchFamily="18" charset="0"/>
+                            </a:rPr>
+                          </m:ctrlPr>
+                        </m:fPr>
+                        <m:num>
+                          <m:r>
+                            <m:rPr>
+                              <m:sty m:val="p"/>
+                            </m:rPr>
+                            <a:rPr lang="en-US" altLang="zh-CN" i="1">
+                              <a:latin typeface="Cambria Math" panose="02040503050406030204" pitchFamily="18" charset="0"/>
+                            </a:rPr>
+                            <m:t>d</m:t>
+                          </m:r>
+                          <m:r>
+                            <a:rPr lang="en-US" altLang="zh-CN" b="0" i="1" smtClean="0">
+                              <a:latin typeface="Cambria Math" panose="02040503050406030204" pitchFamily="18" charset="0"/>
+                            </a:rPr>
+                            <m:t>𝑓</m:t>
+                          </m:r>
+                          <m:r>
+                            <a:rPr lang="en-US" altLang="zh-CN" b="0" i="1" smtClean="0">
+                              <a:latin typeface="Cambria Math" panose="02040503050406030204" pitchFamily="18" charset="0"/>
+                            </a:rPr>
+                            <m:t>(</m:t>
+                          </m:r>
+                          <m:r>
+                            <a:rPr lang="en-US" altLang="zh-CN" b="0" i="1" smtClean="0">
+                              <a:latin typeface="Cambria Math" panose="02040503050406030204" pitchFamily="18" charset="0"/>
+                            </a:rPr>
+                            <m:t>𝑔</m:t>
+                          </m:r>
+                          <m:r>
+                            <a:rPr lang="en-US" altLang="zh-CN" b="0" i="1" smtClean="0">
+                              <a:latin typeface="Cambria Math" panose="02040503050406030204" pitchFamily="18" charset="0"/>
+                            </a:rPr>
+                            <m:t>)</m:t>
+                          </m:r>
+                        </m:num>
+                        <m:den>
+                          <m:r>
+                            <m:rPr>
+                              <m:sty m:val="p"/>
+                            </m:rPr>
+                            <a:rPr lang="en-US" altLang="zh-CN" i="1">
+                              <a:latin typeface="Cambria Math" panose="02040503050406030204" pitchFamily="18" charset="0"/>
+                            </a:rPr>
+                            <m:t>d</m:t>
+                          </m:r>
+                          <m:r>
+                            <a:rPr lang="en-US" altLang="zh-CN" b="0" i="1" smtClean="0">
+                              <a:latin typeface="Cambria Math" panose="02040503050406030204" pitchFamily="18" charset="0"/>
+                            </a:rPr>
+                            <m:t>𝑔</m:t>
+                          </m:r>
+                        </m:den>
+                      </m:f>
+                      <m:f>
+                        <m:fPr>
+                          <m:ctrlPr>
+                            <a:rPr lang="en-US" altLang="zh-CN" i="1">
+                              <a:latin typeface="Cambria Math" panose="02040503050406030204" pitchFamily="18" charset="0"/>
+                            </a:rPr>
+                          </m:ctrlPr>
+                        </m:fPr>
+                        <m:num>
+                          <m:r>
+                            <m:rPr>
+                              <m:sty m:val="p"/>
+                            </m:rPr>
+                            <a:rPr lang="en-US" altLang="zh-CN" i="1">
+                              <a:latin typeface="Cambria Math" panose="02040503050406030204" pitchFamily="18" charset="0"/>
+                            </a:rPr>
+                            <m:t>d</m:t>
+                          </m:r>
+                          <m:r>
+                            <a:rPr lang="en-US" altLang="zh-CN" b="0" i="1" smtClean="0">
+                              <a:latin typeface="Cambria Math" panose="02040503050406030204" pitchFamily="18" charset="0"/>
+                            </a:rPr>
+                            <m:t>𝑔</m:t>
+                          </m:r>
+                        </m:num>
+                        <m:den>
+                          <m:r>
+                            <m:rPr>
+                              <m:sty m:val="p"/>
+                            </m:rPr>
+                            <a:rPr lang="en-US" altLang="zh-CN" i="1">
+                              <a:latin typeface="Cambria Math" panose="02040503050406030204" pitchFamily="18" charset="0"/>
+                            </a:rPr>
+                            <m:t>d</m:t>
+                          </m:r>
+                          <m:r>
+                            <a:rPr lang="en-US" altLang="zh-CN" i="1">
+                              <a:latin typeface="Cambria Math" panose="02040503050406030204" pitchFamily="18" charset="0"/>
+                            </a:rPr>
+                            <m:t>𝑥</m:t>
+                          </m:r>
+                        </m:den>
+                      </m:f>
+                    </m:oMath>
+                  </m:oMathPara>
+                </a14:m>
+                <a:endParaRPr lang="zh-CN" altLang="en-US" dirty="0"/>
+              </a:p>
+            </p:txBody>
+          </p:sp>
+        </mc:Choice>
+        <mc:Fallback>
+          <p:sp>
+            <p:nvSpPr>
+              <p:cNvPr id="2" name="文本框 1"/>
+              <p:cNvSpPr txBox="1">
+                <a:spLocks noRot="1" noChangeAspect="1" noMove="1" noResize="1" noEditPoints="1" noAdjustHandles="1" noChangeArrowheads="1" noChangeShapeType="1" noTextEdit="1"/>
+              </p:cNvSpPr>
+              <p:nvPr/>
+            </p:nvSpPr>
+            <p:spPr>
+              <a:xfrm>
+                <a:off x="8735616" y="5273824"/>
+                <a:ext cx="6829241" cy="1792607"/>
+              </a:xfrm>
+              <a:prstGeom prst="rect">
+                <a:avLst/>
+              </a:prstGeom>
+              <a:blipFill rotWithShape="0">
+                <a:blip r:embed="rId2"/>
+                <a:stretch>
+                  <a:fillRect/>
+                </a:stretch>
+              </a:blipFill>
+            </p:spPr>
+            <p:txBody>
+              <a:bodyPr/>
+              <a:lstStyle/>
+              <a:p>
+                <a:r>
+                  <a:rPr lang="zh-CN" altLang="en-US">
+                    <a:noFill/>
+                  </a:rPr>
+                  <a:t> </a:t>
+                </a:r>
+              </a:p>
+            </p:txBody>
+          </p:sp>
+        </mc:Fallback>
+      </mc:AlternateContent>
+    </p:spTree>
+    <p:extLst>
+      <p:ext uri="{BB962C8B-B14F-4D97-AF65-F5344CB8AC3E}">
+        <p14:creationId xmlns:p14="http://schemas.microsoft.com/office/powerpoint/2010/main" val="1348990516"/>
+      </p:ext>
+    </p:extLst>
+  </p:cSld>
+  <p:clrMapOvr>
+    <a:masterClrMapping/>
+  </p:clrMapOvr>
+  <p:transition/>
+  <p:timing>
+    <p:tnLst>
+      <p:par>
+        <p:cTn id="1" dur="indefinite" restart="never" nodeType="tmRoot"/>
+      </p:par>
+    </p:tnLst>
+  </p:timing>
+</p:sld>
+</file>
+
+<file path=ppt/slides/slide13.xml><?xml version="1.0" encoding="utf-8"?>
+<p:sld xmlns:a="http://schemas.openxmlformats.org/drawingml/2006/main" xmlns:r="http://schemas.openxmlformats.org/officeDocument/2006/relationships" xmlns:p="http://schemas.openxmlformats.org/presentationml/2006/main">
+  <p:cSld>
+    <p:spTree>
+      <p:nvGrpSpPr>
+        <p:cNvPr id="1" name=""/>
+        <p:cNvGrpSpPr/>
+        <p:nvPr/>
+      </p:nvGrpSpPr>
+      <p:grpSpPr>
+        <a:xfrm>
+          <a:off x="0" y="0"/>
+          <a:ext cx="0" cy="0"/>
+          <a:chOff x="0" y="0"/>
+          <a:chExt cx="0" cy="0"/>
+        </a:xfrm>
+      </p:grpSpPr>
+      <p:sp>
+        <p:nvSpPr>
+          <p:cNvPr id="2" name="文本框 1"/>
+          <p:cNvSpPr txBox="1"/>
+          <p:nvPr/>
+        </p:nvSpPr>
+        <p:spPr>
+          <a:xfrm>
+            <a:off x="2439670" y="4404360"/>
+            <a:ext cx="19818985" cy="1861185"/>
+          </a:xfrm>
+          <a:prstGeom prst="rect">
+            <a:avLst/>
+          </a:prstGeom>
+          <a:noFill/>
+        </p:spPr>
+        <p:txBody>
+          <a:bodyPr wrap="square" rtlCol="0">
+            <a:spAutoFit/>
+          </a:bodyPr>
+          <a:lstStyle/>
+          <a:p>
+            <a:pPr algn="ctr"/>
+            <a:r>
+              <a:rPr lang="zh-CN" altLang="en-US" sz="11500"/>
+              <a:t>第二部分：机器学习</a:t>
+            </a:r>
+            <a:endParaRPr lang="en-US" altLang="zh-CN" sz="11500"/>
+          </a:p>
+        </p:txBody>
+      </p:sp>
+      <p:sp>
+        <p:nvSpPr>
+          <p:cNvPr id="3" name="文本框 2"/>
+          <p:cNvSpPr txBox="1"/>
+          <p:nvPr/>
+        </p:nvSpPr>
+        <p:spPr>
+          <a:xfrm>
+            <a:off x="7057390" y="7846695"/>
+            <a:ext cx="10998835" cy="2676525"/>
+          </a:xfrm>
+          <a:prstGeom prst="rect">
+            <a:avLst/>
+          </a:prstGeom>
+          <a:noFill/>
+        </p:spPr>
+        <p:txBody>
+          <a:bodyPr wrap="square" rtlCol="0">
+            <a:spAutoFit/>
+          </a:bodyPr>
+          <a:lstStyle/>
+          <a:p>
+            <a:pPr marL="685800" indent="-685800" algn="l">
+              <a:buFont typeface="Arial" panose="020B0604020202020204" pitchFamily="34" charset="0"/>
+              <a:buChar char="•"/>
+            </a:pPr>
             <a:endParaRPr lang="zh-CN" altLang="en-US"/>
           </a:p>
-        </p:txBody>
-      </p:sp>
+          <a:p>
+            <a:pPr marL="685800" indent="-685800" algn="l">
+              <a:buFont typeface="Arial" panose="020B0604020202020204" pitchFamily="34" charset="0"/>
+              <a:buChar char="•"/>
+            </a:pPr>
+            <a:r>
+              <a:rPr lang="zh-CN" altLang="en-US"/>
+              <a:t>微积分</a:t>
+            </a:r>
+          </a:p>
+          <a:p>
+            <a:pPr marL="685800" indent="-685800" algn="l">
+              <a:buFont typeface="Arial" panose="020B0604020202020204" pitchFamily="34" charset="0"/>
+              <a:buChar char="•"/>
+            </a:pPr>
+            <a:r>
+              <a:rPr lang="zh-CN" altLang="en-US"/>
+              <a:t>概率论</a:t>
+            </a:r>
+          </a:p>
+        </p:txBody>
+      </p:sp>
+    </p:spTree>
+  </p:cSld>
+  <p:clrMapOvr>
+    <a:masterClrMapping/>
+  </p:clrMapOvr>
+  <p:transition/>
+  <p:timing>
+    <p:tnLst>
+      <p:par>
+        <p:cTn id="1" dur="indefinite" restart="never" nodeType="tmRoot"/>
+      </p:par>
+    </p:tnLst>
+  </p:timing>
+</p:sld>
+</file>
+
+<file path=ppt/slides/slide14.xml><?xml version="1.0" encoding="utf-8"?>
+<p:sld xmlns:a="http://schemas.openxmlformats.org/drawingml/2006/main" xmlns:r="http://schemas.openxmlformats.org/officeDocument/2006/relationships" xmlns:p="http://schemas.openxmlformats.org/presentationml/2006/main">
+  <p:cSld>
+    <p:spTree>
+      <p:nvGrpSpPr>
+        <p:cNvPr id="1" name=""/>
+        <p:cNvGrpSpPr/>
+        <p:nvPr/>
+      </p:nvGrpSpPr>
+      <p:grpSpPr>
+        <a:xfrm>
+          <a:off x="0" y="0"/>
+          <a:ext cx="0" cy="0"/>
+          <a:chOff x="0" y="0"/>
+          <a:chExt cx="0" cy="0"/>
+        </a:xfrm>
+      </p:grpSpPr>
+      <p:sp>
+        <p:nvSpPr>
+          <p:cNvPr id="2" name="文本框 1"/>
+          <p:cNvSpPr txBox="1"/>
+          <p:nvPr/>
+        </p:nvSpPr>
+        <p:spPr>
+          <a:xfrm>
+            <a:off x="2439670" y="4404360"/>
+            <a:ext cx="19818985" cy="1861185"/>
+          </a:xfrm>
+          <a:prstGeom prst="rect">
+            <a:avLst/>
+          </a:prstGeom>
+          <a:noFill/>
+        </p:spPr>
+        <p:txBody>
+          <a:bodyPr wrap="square" rtlCol="0">
+            <a:spAutoFit/>
+          </a:bodyPr>
+          <a:lstStyle/>
+          <a:p>
+            <a:pPr algn="ctr"/>
+            <a:r>
+              <a:rPr lang="zh-CN" altLang="en-US" sz="11500"/>
+              <a:t>背景知识</a:t>
+            </a:r>
+            <a:r>
+              <a:rPr lang="en-US" altLang="zh-CN" sz="11500"/>
+              <a:t>1</a:t>
+            </a:r>
+            <a:r>
+              <a:rPr lang="zh-CN" altLang="en-US" sz="11500"/>
+              <a:t>：</a:t>
+            </a:r>
+            <a:r>
+              <a:rPr lang="zh-CN" altLang="zh-CN" sz="11500"/>
+              <a:t>线性代数</a:t>
+            </a:r>
+            <a:endParaRPr lang="en-US" altLang="zh-CN" sz="11500"/>
+          </a:p>
+        </p:txBody>
+      </p:sp>
+    </p:spTree>
+  </p:cSld>
+  <p:clrMapOvr>
+    <a:masterClrMapping/>
+  </p:clrMapOvr>
+  <p:transition/>
+  <p:timing>
+    <p:tnLst>
+      <p:par>
+        <p:cTn id="1" dur="indefinite" restart="never" nodeType="tmRoot"/>
+      </p:par>
+    </p:tnLst>
+  </p:timing>
+</p:sld>
+</file>
+
+<file path=ppt/slides/slide15.xml><?xml version="1.0" encoding="utf-8"?>
+<p:sld xmlns:a="http://schemas.openxmlformats.org/drawingml/2006/main" xmlns:r="http://schemas.openxmlformats.org/officeDocument/2006/relationships" xmlns:p="http://schemas.openxmlformats.org/presentationml/2006/main">
+  <p:cSld>
+    <p:spTree>
+      <p:nvGrpSpPr>
+        <p:cNvPr id="1" name=""/>
+        <p:cNvGrpSpPr/>
+        <p:nvPr/>
+      </p:nvGrpSpPr>
+      <p:grpSpPr>
+        <a:xfrm>
+          <a:off x="0" y="0"/>
+          <a:ext cx="0" cy="0"/>
+          <a:chOff x="0" y="0"/>
+          <a:chExt cx="0" cy="0"/>
+        </a:xfrm>
+      </p:grpSpPr>
+      <p:sp>
+        <p:nvSpPr>
+          <p:cNvPr id="2" name="文本框 1"/>
+          <p:cNvSpPr txBox="1"/>
+          <p:nvPr/>
+        </p:nvSpPr>
+        <p:spPr>
+          <a:xfrm>
+            <a:off x="2439670" y="4404360"/>
+            <a:ext cx="19818985" cy="1861185"/>
+          </a:xfrm>
+          <a:prstGeom prst="rect">
+            <a:avLst/>
+          </a:prstGeom>
+          <a:noFill/>
+        </p:spPr>
+        <p:txBody>
+          <a:bodyPr wrap="square" rtlCol="0">
+            <a:spAutoFit/>
+          </a:bodyPr>
+          <a:lstStyle/>
+          <a:p>
+            <a:pPr algn="ctr"/>
+            <a:r>
+              <a:rPr lang="zh-CN" altLang="en-US" sz="11500"/>
+              <a:t>背景知识</a:t>
+            </a:r>
+            <a:r>
+              <a:rPr lang="en-US" altLang="zh-CN" sz="11500"/>
+              <a:t>2</a:t>
+            </a:r>
+            <a:r>
+              <a:rPr lang="zh-CN" altLang="en-US" sz="11500"/>
+              <a:t>：</a:t>
+            </a:r>
+            <a:r>
+              <a:rPr lang="zh-CN" altLang="zh-CN" sz="11500"/>
+              <a:t>微积分</a:t>
+            </a:r>
+          </a:p>
+        </p:txBody>
+      </p:sp>
+    </p:spTree>
+  </p:cSld>
+  <p:clrMapOvr>
+    <a:masterClrMapping/>
+  </p:clrMapOvr>
+  <p:transition/>
+</p:sld>
+</file>
+
+<file path=ppt/slides/slide16.xml><?xml version="1.0" encoding="utf-8"?>
+<p:sld xmlns:a="http://schemas.openxmlformats.org/drawingml/2006/main" xmlns:r="http://schemas.openxmlformats.org/officeDocument/2006/relationships" xmlns:p="http://schemas.openxmlformats.org/presentationml/2006/main">
+  <p:cSld>
+    <p:spTree>
+      <p:nvGrpSpPr>
+        <p:cNvPr id="1" name=""/>
+        <p:cNvGrpSpPr/>
+        <p:nvPr/>
+      </p:nvGrpSpPr>
+      <p:grpSpPr>
+        <a:xfrm>
+          <a:off x="0" y="0"/>
+          <a:ext cx="0" cy="0"/>
+          <a:chOff x="0" y="0"/>
+          <a:chExt cx="0" cy="0"/>
+        </a:xfrm>
+      </p:grpSpPr>
+      <p:sp>
+        <p:nvSpPr>
+          <p:cNvPr id="2" name="文本框 1"/>
+          <p:cNvSpPr txBox="1"/>
+          <p:nvPr/>
+        </p:nvSpPr>
+        <p:spPr>
+          <a:xfrm>
+            <a:off x="2439670" y="4404360"/>
+            <a:ext cx="19818985" cy="1861185"/>
+          </a:xfrm>
+          <a:prstGeom prst="rect">
+            <a:avLst/>
+          </a:prstGeom>
+          <a:noFill/>
+        </p:spPr>
+        <p:txBody>
+          <a:bodyPr wrap="square" rtlCol="0">
+            <a:spAutoFit/>
+          </a:bodyPr>
+          <a:lstStyle/>
+          <a:p>
+            <a:pPr algn="ctr"/>
+            <a:r>
+              <a:rPr lang="zh-CN" altLang="zh-CN" sz="11500"/>
+              <a:t>背景知识</a:t>
+            </a:r>
+            <a:r>
+              <a:rPr lang="en-US" altLang="zh-CN" sz="11500"/>
+              <a:t>3</a:t>
+            </a:r>
+            <a:r>
+              <a:rPr lang="zh-CN" altLang="en-US" sz="11500"/>
+              <a:t>：</a:t>
+            </a:r>
+            <a:r>
+              <a:rPr lang="zh-CN" altLang="zh-CN" sz="11500"/>
+              <a:t>概率论</a:t>
+            </a:r>
+          </a:p>
+        </p:txBody>
+      </p:sp>
+    </p:spTree>
+  </p:cSld>
+  <p:clrMapOvr>
+    <a:masterClrMapping/>
+  </p:clrMapOvr>
+  <p:transition/>
+</p:sld>
+</file>
+
+<file path=ppt/slides/slide17.xml><?xml version="1.0" encoding="utf-8"?>
+<p:sld xmlns:a="http://schemas.openxmlformats.org/drawingml/2006/main" xmlns:r="http://schemas.openxmlformats.org/officeDocument/2006/relationships" xmlns:p="http://schemas.openxmlformats.org/presentationml/2006/main">
+  <p:cSld>
+    <p:spTree>
+      <p:nvGrpSpPr>
+        <p:cNvPr id="1" name=""/>
+        <p:cNvGrpSpPr/>
+        <p:nvPr/>
+      </p:nvGrpSpPr>
+      <p:grpSpPr>
+        <a:xfrm>
+          <a:off x="0" y="0"/>
+          <a:ext cx="0" cy="0"/>
+          <a:chOff x="0" y="0"/>
+          <a:chExt cx="0" cy="0"/>
+        </a:xfrm>
+      </p:grpSpPr>
+      <p:sp>
+        <p:nvSpPr>
+          <p:cNvPr id="2" name="标题 1"/>
+          <p:cNvSpPr>
+            <a:spLocks noGrp="1"/>
+          </p:cNvSpPr>
+          <p:nvPr>
+            <p:ph type="ctrTitle"/>
+          </p:nvPr>
+        </p:nvSpPr>
+        <p:spPr>
+          <a:xfrm>
+            <a:off x="1365885" y="4173855"/>
+            <a:ext cx="18288000" cy="2796540"/>
+          </a:xfrm>
+        </p:spPr>
+        <p:txBody>
+          <a:bodyPr/>
+          <a:lstStyle/>
+          <a:p>
+            <a:r>
+              <a:rPr lang="zh-CN" altLang="en-US" sz="16600"/>
+              <a:t>谢谢！</a:t>
+            </a:r>
+          </a:p>
+        </p:txBody>
+      </p:sp>
+      <p:sp>
+        <p:nvSpPr>
+          <p:cNvPr id="3" name="副标题 2"/>
+          <p:cNvSpPr>
+            <a:spLocks noGrp="1"/>
+          </p:cNvSpPr>
+          <p:nvPr>
+            <p:ph type="subTitle" idx="1"/>
+          </p:nvPr>
+        </p:nvSpPr>
+        <p:spPr>
+          <a:xfrm>
+            <a:off x="401955" y="8119110"/>
+            <a:ext cx="18288000" cy="3311525"/>
+          </a:xfrm>
+        </p:spPr>
+        <p:txBody>
+          <a:bodyPr/>
+          <a:lstStyle/>
+          <a:p>
+            <a:r>
+              <a:rPr lang="en-US" altLang="zh-CN" sz="9600"/>
+              <a:t>Q&amp;A</a:t>
+            </a:r>
+          </a:p>
+        </p:txBody>
+      </p:sp>
+      <p:pic>
+        <p:nvPicPr>
+          <p:cNvPr id="4" name="图片 3" descr="qr"/>
+          <p:cNvPicPr>
+            <a:picLocks noChangeAspect="1"/>
+          </p:cNvPicPr>
+          <p:nvPr/>
+        </p:nvPicPr>
+        <p:blipFill>
+          <a:blip r:embed="rId2"/>
+          <a:srcRect l="7697" t="24250" r="7417" b="13979"/>
+          <a:stretch>
+            <a:fillRect/>
+          </a:stretch>
+        </p:blipFill>
+        <p:spPr>
+          <a:xfrm>
+            <a:off x="15142210" y="4551045"/>
+            <a:ext cx="4999990" cy="4991735"/>
+          </a:xfrm>
+          <a:prstGeom prst="rect">
+            <a:avLst/>
+          </a:prstGeom>
+        </p:spPr>
+      </p:pic>
     </p:spTree>
   </p:cSld>
   <p:clrMapOvr>
@@ -30707,6 +31789,7 @@
           <a:bodyPr wrap="square" rtlCol="0">
             <a:spAutoFit/>
           </a:bodyPr>
+          <a:lstStyle/>
           <a:p>
             <a:pPr marL="685800" indent="-685800" algn="l">
               <a:buFont typeface="Arial" panose="020B0604020202020204" pitchFamily="34" charset="0"/>
@@ -30716,7 +31799,6 @@
               <a:rPr lang="zh-CN" altLang="en-US"/>
               <a:t>线性代数</a:t>
             </a:r>
-            <a:endParaRPr lang="zh-CN" altLang="en-US"/>
           </a:p>
           <a:p>
             <a:pPr marL="685800" indent="-685800" algn="l">
@@ -30727,7 +31809,6 @@
               <a:rPr lang="zh-CN" altLang="en-US"/>
               <a:t>微积分</a:t>
             </a:r>
-            <a:endParaRPr lang="zh-CN" altLang="en-US"/>
           </a:p>
           <a:p>
             <a:pPr marL="685800" indent="-685800" algn="l">
@@ -30738,7 +31819,6 @@
               <a:rPr lang="zh-CN" altLang="en-US"/>
               <a:t>概率论</a:t>
             </a:r>
-            <a:endParaRPr lang="zh-CN" altLang="en-US"/>
           </a:p>
         </p:txBody>
       </p:sp>
@@ -30792,65 +31872,19 @@
           <a:p>
             <a:pPr algn="ctr"/>
             <a:r>
-              <a:rPr lang="zh-CN" altLang="en-US" sz="11500"/>
-              <a:t>第二部分：机器学习</a:t>
-            </a:r>
-            <a:endParaRPr lang="en-US" altLang="zh-CN" sz="11500"/>
-          </a:p>
-        </p:txBody>
-      </p:sp>
-      <p:sp>
-        <p:nvSpPr>
-          <p:cNvPr id="3" name="文本框 2"/>
-          <p:cNvSpPr txBox="1"/>
-          <p:nvPr/>
-        </p:nvSpPr>
-        <p:spPr>
-          <a:xfrm>
-            <a:off x="7057390" y="7846695"/>
-            <a:ext cx="10998835" cy="2676525"/>
-          </a:xfrm>
-          <a:prstGeom prst="rect">
-            <a:avLst/>
-          </a:prstGeom>
-          <a:noFill/>
-        </p:spPr>
-        <p:txBody>
-          <a:bodyPr wrap="square" rtlCol="0">
-            <a:spAutoFit/>
-          </a:bodyPr>
-          <a:p>
-            <a:pPr marL="685800" indent="-685800" algn="l">
-              <a:buFont typeface="Arial" panose="020B0604020202020204" pitchFamily="34" charset="0"/>
-              <a:buChar char="•"/>
-            </a:pPr>
-            <a:endParaRPr lang="zh-CN" altLang="en-US"/>
-          </a:p>
-          <a:p>
-            <a:pPr marL="685800" indent="-685800" algn="l">
-              <a:buFont typeface="Arial" panose="020B0604020202020204" pitchFamily="34" charset="0"/>
-              <a:buChar char="•"/>
-            </a:pPr>
-            <a:r>
-              <a:rPr lang="zh-CN" altLang="en-US"/>
-              <a:t>微积分</a:t>
-            </a:r>
-            <a:endParaRPr lang="zh-CN" altLang="en-US"/>
-          </a:p>
-          <a:p>
-            <a:pPr marL="685800" indent="-685800" algn="l">
-              <a:buFont typeface="Arial" panose="020B0604020202020204" pitchFamily="34" charset="0"/>
-              <a:buChar char="•"/>
-            </a:pPr>
-            <a:r>
-              <a:rPr lang="zh-CN" altLang="en-US"/>
-              <a:t>概率论</a:t>
-            </a:r>
-            <a:endParaRPr lang="zh-CN" altLang="en-US"/>
+              <a:rPr lang="zh-CN" altLang="en-US" sz="11500" dirty="0" smtClean="0"/>
+              <a:t>线性代数</a:t>
+            </a:r>
+            <a:endParaRPr lang="en-US" altLang="zh-CN" sz="11500" dirty="0"/>
           </a:p>
         </p:txBody>
       </p:sp>
     </p:spTree>
+    <p:extLst>
+      <p:ext uri="{BB962C8B-B14F-4D97-AF65-F5344CB8AC3E}">
+        <p14:creationId xmlns:p14="http://schemas.microsoft.com/office/powerpoint/2010/main" val="2732062593"/>
+      </p:ext>
+    </p:extLst>
   </p:cSld>
   <p:clrMapOvr>
     <a:masterClrMapping/>
@@ -30900,31 +31934,76 @@
           <a:p>
             <a:pPr algn="ctr"/>
             <a:r>
-              <a:rPr lang="zh-CN" altLang="en-US" sz="11500"/>
-              <a:t>背景知识</a:t>
-            </a:r>
-            <a:r>
-              <a:rPr lang="en-US" altLang="zh-CN" sz="11500"/>
-              <a:t>1</a:t>
-            </a:r>
-            <a:r>
-              <a:rPr lang="zh-CN" altLang="en-US" sz="11500"/>
-              <a:t>：</a:t>
-            </a:r>
-            <a:r>
-              <a:rPr lang="zh-CN" altLang="zh-CN" sz="11500"/>
-              <a:t>线性代数</a:t>
-            </a:r>
-            <a:endParaRPr lang="en-US" altLang="zh-CN" sz="11500"/>
+              <a:rPr lang="zh-CN" altLang="en-US" sz="11500" dirty="0" smtClean="0"/>
+              <a:t>微积分</a:t>
+            </a:r>
+            <a:endParaRPr lang="en-US" altLang="zh-CN" sz="11500" dirty="0"/>
+          </a:p>
+        </p:txBody>
+      </p:sp>
+      <p:sp>
+        <p:nvSpPr>
+          <p:cNvPr id="3" name="文本框 2"/>
+          <p:cNvSpPr txBox="1"/>
+          <p:nvPr/>
+        </p:nvSpPr>
+        <p:spPr>
+          <a:xfrm>
+            <a:off x="7057390" y="7846695"/>
+            <a:ext cx="10998835" cy="1815882"/>
+          </a:xfrm>
+          <a:prstGeom prst="rect">
+            <a:avLst/>
+          </a:prstGeom>
+          <a:noFill/>
+        </p:spPr>
+        <p:txBody>
+          <a:bodyPr wrap="square" rtlCol="0">
+            <a:spAutoFit/>
+          </a:bodyPr>
+          <a:lstStyle/>
+          <a:p>
+            <a:pPr marL="685800" indent="-685800" algn="l">
+              <a:buFont typeface="Arial" panose="020B0604020202020204" pitchFamily="34" charset="0"/>
+              <a:buChar char="•"/>
+            </a:pPr>
+            <a:r>
+              <a:rPr lang="zh-CN" altLang="en-US" dirty="0"/>
+              <a:t>微分</a:t>
+            </a:r>
+            <a:endParaRPr lang="zh-CN" altLang="en-US" dirty="0"/>
+          </a:p>
+          <a:p>
+            <a:pPr marL="685800" indent="-685800" algn="l">
+              <a:buFont typeface="Arial" panose="020B0604020202020204" pitchFamily="34" charset="0"/>
+              <a:buChar char="•"/>
+            </a:pPr>
+            <a:r>
+              <a:rPr lang="zh-CN" altLang="en-US" dirty="0" smtClean="0"/>
+              <a:t>积分</a:t>
+            </a:r>
+            <a:endParaRPr lang="zh-CN" altLang="en-US" dirty="0"/>
           </a:p>
         </p:txBody>
       </p:sp>
     </p:spTree>
+    <p:extLst>
+      <p:ext uri="{BB962C8B-B14F-4D97-AF65-F5344CB8AC3E}">
+        <p14:creationId xmlns:p14="http://schemas.microsoft.com/office/powerpoint/2010/main" val="2187188523"/>
+      </p:ext>
+    </p:extLst>
   </p:cSld>
   <p:clrMapOvr>
     <a:masterClrMapping/>
   </p:clrMapOvr>
   <p:transition/>
+  <p:timing>
+    <p:tnLst>
+      <p:par>
+        <p:cTn id="1" dur="indefinite" restart="never" nodeType="tmRoot"/>
+      </p:par>
+    </p:tnLst>
+  </p:timing>
 </p:sld>
 </file>
 
@@ -30947,14 +32026,14 @@
       </p:grpSpPr>
       <p:sp>
         <p:nvSpPr>
-          <p:cNvPr id="2" name="文本框 1"/>
+          <p:cNvPr id="3" name="文本框 2"/>
           <p:cNvSpPr txBox="1"/>
           <p:nvPr/>
         </p:nvSpPr>
         <p:spPr>
           <a:xfrm>
-            <a:off x="2439670" y="4404360"/>
-            <a:ext cx="19818985" cy="1861185"/>
+            <a:off x="862935" y="5057800"/>
+            <a:ext cx="9865096" cy="769441"/>
           </a:xfrm>
           <a:prstGeom prst="rect">
             <a:avLst/>
@@ -30967,33 +32046,275 @@
           </a:bodyPr>
           <a:lstStyle/>
           <a:p>
-            <a:pPr algn="ctr"/>
-            <a:r>
-              <a:rPr lang="zh-CN" altLang="en-US" sz="11500"/>
-              <a:t>背景知识</a:t>
-            </a:r>
-            <a:r>
-              <a:rPr lang="en-US" altLang="zh-CN" sz="11500"/>
-              <a:t>2</a:t>
-            </a:r>
-            <a:r>
-              <a:rPr lang="zh-CN" altLang="en-US" sz="11500"/>
+            <a:r>
+              <a:rPr lang="zh-CN" altLang="en-US" sz="4400" dirty="0" smtClean="0"/>
+              <a:t>例子</a:t>
+            </a:r>
+            <a:r>
+              <a:rPr lang="zh-CN" altLang="en-US" sz="4400" dirty="0" smtClean="0"/>
               <a:t>：</a:t>
             </a:r>
-            <a:r>
-              <a:rPr lang="zh-CN" altLang="zh-CN" sz="11500"/>
-              <a:t>微积分</a:t>
-            </a:r>
-            <a:endParaRPr lang="zh-CN" altLang="zh-CN" sz="11500"/>
+            <a:endParaRPr lang="zh-CN" altLang="en-US" sz="4400" dirty="0"/>
+          </a:p>
+        </p:txBody>
+      </p:sp>
+      <p:pic>
+        <p:nvPicPr>
+          <p:cNvPr id="4" name="car0">
+            <a:hlinkClick r:id="" action="ppaction://media"/>
+          </p:cNvPr>
+          <p:cNvPicPr>
+            <a:picLocks noChangeAspect="1"/>
+          </p:cNvPicPr>
+          <p:nvPr>
+            <a:videoFile r:link="rId2"/>
+            <p:extLst>
+              <p:ext uri="{DAA4B4D4-6D71-4841-9C94-3DE7FCFB9230}">
+                <p14:media xmlns:p14="http://schemas.microsoft.com/office/powerpoint/2010/main" r:embed="rId1"/>
+              </p:ext>
+            </p:extLst>
+          </p:nvPr>
+        </p:nvPicPr>
+        <p:blipFill>
+          <a:blip r:embed="rId6"/>
+          <a:stretch>
+            <a:fillRect/>
+          </a:stretch>
+        </p:blipFill>
+        <p:spPr>
+          <a:xfrm>
+            <a:off x="886744" y="6278713"/>
+            <a:ext cx="10513168" cy="5256584"/>
+          </a:xfrm>
+          <a:prstGeom prst="rect">
+            <a:avLst/>
+          </a:prstGeom>
+        </p:spPr>
+      </p:pic>
+      <p:pic>
+        <p:nvPicPr>
+          <p:cNvPr id="5" name="car1">
+            <a:hlinkClick r:id="" action="ppaction://media"/>
+          </p:cNvPr>
+          <p:cNvPicPr>
+            <a:picLocks noChangeAspect="1"/>
+          </p:cNvPicPr>
+          <p:nvPr>
+            <a:videoFile r:link="rId4"/>
+            <p:extLst>
+              <p:ext uri="{DAA4B4D4-6D71-4841-9C94-3DE7FCFB9230}">
+                <p14:media xmlns:p14="http://schemas.microsoft.com/office/powerpoint/2010/main" r:embed="rId3"/>
+              </p:ext>
+            </p:extLst>
+          </p:nvPr>
+        </p:nvPicPr>
+        <p:blipFill>
+          <a:blip r:embed="rId7"/>
+          <a:stretch>
+            <a:fillRect/>
+          </a:stretch>
+        </p:blipFill>
+        <p:spPr>
+          <a:xfrm>
+            <a:off x="11687944" y="6278713"/>
+            <a:ext cx="10412901" cy="5748789"/>
+          </a:xfrm>
+          <a:prstGeom prst="rect">
+            <a:avLst/>
+          </a:prstGeom>
+        </p:spPr>
+      </p:pic>
+      <p:sp>
+        <p:nvSpPr>
+          <p:cNvPr id="6" name="文本框 5"/>
+          <p:cNvSpPr txBox="1"/>
+          <p:nvPr/>
+        </p:nvSpPr>
+        <p:spPr>
+          <a:xfrm>
+            <a:off x="842102" y="1673424"/>
+            <a:ext cx="14113568" cy="954107"/>
+          </a:xfrm>
+          <a:prstGeom prst="rect">
+            <a:avLst/>
+          </a:prstGeom>
+          <a:noFill/>
+        </p:spPr>
+        <p:txBody>
+          <a:bodyPr wrap="square" rtlCol="0">
+            <a:spAutoFit/>
+          </a:bodyPr>
+          <a:lstStyle/>
+          <a:p>
+            <a:r>
+              <a:rPr lang="zh-CN" altLang="en-US" dirty="0" smtClean="0"/>
+              <a:t>微分的定义</a:t>
+            </a:r>
+            <a:endParaRPr lang="zh-CN" altLang="en-US" dirty="0"/>
           </a:p>
         </p:txBody>
       </p:sp>
     </p:spTree>
+    <p:extLst>
+      <p:ext uri="{BB962C8B-B14F-4D97-AF65-F5344CB8AC3E}">
+        <p14:creationId xmlns:p14="http://schemas.microsoft.com/office/powerpoint/2010/main" val="4285116633"/>
+      </p:ext>
+    </p:extLst>
   </p:cSld>
   <p:clrMapOvr>
     <a:masterClrMapping/>
   </p:clrMapOvr>
   <p:transition/>
+  <p:timing>
+    <p:tnLst>
+      <p:par>
+        <p:cTn id="1" dur="indefinite" restart="never" nodeType="tmRoot">
+          <p:childTnLst>
+            <p:seq concurrent="1" nextAc="seek">
+              <p:cTn id="2" restart="whenNotActive" fill="hold" evtFilter="cancelBubble" nodeType="interactiveSeq">
+                <p:stCondLst>
+                  <p:cond evt="onClick" delay="0">
+                    <p:tgtEl>
+                      <p:spTgt spid="4"/>
+                    </p:tgtEl>
+                  </p:cond>
+                </p:stCondLst>
+                <p:endSync evt="end" delay="0">
+                  <p:rtn val="all"/>
+                </p:endSync>
+                <p:childTnLst>
+                  <p:par>
+                    <p:cTn id="3" fill="hold">
+                      <p:stCondLst>
+                        <p:cond delay="0"/>
+                      </p:stCondLst>
+                      <p:childTnLst>
+                        <p:par>
+                          <p:cTn id="4" fill="hold">
+                            <p:stCondLst>
+                              <p:cond delay="0"/>
+                            </p:stCondLst>
+                            <p:childTnLst>
+                              <p:par>
+                                <p:cTn id="5" presetID="2" presetClass="mediacall" presetSubtype="0" fill="hold" nodeType="clickEffect">
+                                  <p:stCondLst>
+                                    <p:cond delay="0"/>
+                                  </p:stCondLst>
+                                  <p:childTnLst>
+                                    <p:cmd type="call" cmd="togglePause">
+                                      <p:cBhvr>
+                                        <p:cTn id="6" dur="1" fill="hold"/>
+                                        <p:tgtEl>
+                                          <p:spTgt spid="4"/>
+                                        </p:tgtEl>
+                                      </p:cBhvr>
+                                    </p:cmd>
+                                  </p:childTnLst>
+                                </p:cTn>
+                              </p:par>
+                            </p:childTnLst>
+                          </p:cTn>
+                        </p:par>
+                      </p:childTnLst>
+                    </p:cTn>
+                  </p:par>
+                </p:childTnLst>
+              </p:cTn>
+              <p:nextCondLst>
+                <p:cond evt="onClick" delay="0">
+                  <p:tgtEl>
+                    <p:spTgt spid="4"/>
+                  </p:tgtEl>
+                </p:cond>
+              </p:nextCondLst>
+            </p:seq>
+            <p:video>
+              <p:cMediaNode vol="80000">
+                <p:cTn id="7" fill="hold" display="0">
+                  <p:stCondLst>
+                    <p:cond delay="indefinite"/>
+                  </p:stCondLst>
+                </p:cTn>
+                <p:tgtEl>
+                  <p:spTgt spid="4"/>
+                </p:tgtEl>
+              </p:cMediaNode>
+            </p:video>
+            <p:seq concurrent="1" nextAc="seek">
+              <p:cTn id="8" restart="whenNotActive" fill="hold" evtFilter="cancelBubble" nodeType="interactiveSeq">
+                <p:stCondLst>
+                  <p:cond evt="onClick" delay="0">
+                    <p:tgtEl>
+                      <p:spTgt spid="5"/>
+                    </p:tgtEl>
+                  </p:cond>
+                </p:stCondLst>
+                <p:endSync evt="end" delay="0">
+                  <p:rtn val="all"/>
+                </p:endSync>
+                <p:childTnLst>
+                  <p:par>
+                    <p:cTn id="9" fill="hold">
+                      <p:stCondLst>
+                        <p:cond delay="0"/>
+                      </p:stCondLst>
+                      <p:childTnLst>
+                        <p:par>
+                          <p:cTn id="10" fill="hold">
+                            <p:stCondLst>
+                              <p:cond delay="0"/>
+                            </p:stCondLst>
+                            <p:childTnLst>
+                              <p:par>
+                                <p:cTn id="11" presetID="2" presetClass="mediacall" presetSubtype="0" fill="hold" nodeType="clickEffect">
+                                  <p:stCondLst>
+                                    <p:cond delay="0"/>
+                                  </p:stCondLst>
+                                  <p:childTnLst>
+                                    <p:cmd type="call" cmd="togglePause">
+                                      <p:cBhvr>
+                                        <p:cTn id="12" dur="1" fill="hold"/>
+                                        <p:tgtEl>
+                                          <p:spTgt spid="5"/>
+                                        </p:tgtEl>
+                                      </p:cBhvr>
+                                    </p:cmd>
+                                  </p:childTnLst>
+                                </p:cTn>
+                              </p:par>
+                            </p:childTnLst>
+                          </p:cTn>
+                        </p:par>
+                      </p:childTnLst>
+                    </p:cTn>
+                  </p:par>
+                </p:childTnLst>
+              </p:cTn>
+              <p:nextCondLst>
+                <p:cond evt="onClick" delay="0">
+                  <p:tgtEl>
+                    <p:spTgt spid="5"/>
+                  </p:tgtEl>
+                </p:cond>
+              </p:nextCondLst>
+            </p:seq>
+            <p:video>
+              <p:cMediaNode vol="80000">
+                <p:cTn id="13" fill="hold" display="0">
+                  <p:stCondLst>
+                    <p:cond delay="indefinite"/>
+                  </p:stCondLst>
+                </p:cTn>
+                <p:tgtEl>
+                  <p:spTgt spid="5"/>
+                </p:tgtEl>
+              </p:cMediaNode>
+            </p:video>
+          </p:childTnLst>
+        </p:cTn>
+      </p:par>
+    </p:tnLst>
+  </p:timing>
 </p:sld>
 </file>
 
@@ -31014,16 +32335,49 @@
           <a:chExt cx="0" cy="0"/>
         </a:xfrm>
       </p:grpSpPr>
-      <p:sp>
-        <p:nvSpPr>
-          <p:cNvPr id="2" name="文本框 1"/>
+      <p:pic>
+        <p:nvPicPr>
+          <p:cNvPr id="6" name="car2">
+            <a:hlinkClick r:id="" action="ppaction://media"/>
+          </p:cNvPr>
+          <p:cNvPicPr>
+            <a:picLocks noChangeAspect="1"/>
+          </p:cNvPicPr>
+          <p:nvPr>
+            <a:videoFile r:link="rId2"/>
+            <p:extLst>
+              <p:ext uri="{DAA4B4D4-6D71-4841-9C94-3DE7FCFB9230}">
+                <p14:media xmlns:p14="http://schemas.microsoft.com/office/powerpoint/2010/main" r:embed="rId1"/>
+              </p:ext>
+            </p:extLst>
+          </p:nvPr>
+        </p:nvPicPr>
+        <p:blipFill>
+          <a:blip r:embed="rId4"/>
+          <a:stretch>
+            <a:fillRect/>
+          </a:stretch>
+        </p:blipFill>
+        <p:spPr>
+          <a:xfrm>
+            <a:off x="7367464" y="4265712"/>
+            <a:ext cx="10073876" cy="5251276"/>
+          </a:xfrm>
+          <a:prstGeom prst="rect">
+            <a:avLst/>
+          </a:prstGeom>
+        </p:spPr>
+      </p:pic>
+      <p:sp>
+        <p:nvSpPr>
+          <p:cNvPr id="7" name="文本框 6"/>
           <p:cNvSpPr txBox="1"/>
           <p:nvPr/>
         </p:nvSpPr>
         <p:spPr>
           <a:xfrm>
-            <a:off x="2439670" y="4404360"/>
-            <a:ext cx="19818985" cy="1861185"/>
+            <a:off x="8807624" y="2537520"/>
+            <a:ext cx="7488832" cy="769441"/>
           </a:xfrm>
           <a:prstGeom prst="rect">
             <a:avLst/>
@@ -31038,31 +32392,151 @@
           <a:p>
             <a:pPr algn="ctr"/>
             <a:r>
-              <a:rPr lang="zh-CN" altLang="zh-CN" sz="11500"/>
-              <a:t>背景知识</a:t>
-            </a:r>
-            <a:r>
-              <a:rPr lang="en-US" altLang="zh-CN" sz="11500"/>
-              <a:t>3</a:t>
-            </a:r>
-            <a:r>
-              <a:rPr lang="zh-CN" altLang="en-US" sz="11500"/>
-              <a:t>：</a:t>
-            </a:r>
-            <a:r>
-              <a:rPr lang="zh-CN" altLang="zh-CN" sz="11500"/>
-              <a:t>概率论</a:t>
-            </a:r>
-            <a:endParaRPr lang="zh-CN" altLang="zh-CN" sz="11500"/>
+              <a:rPr lang="zh-CN" altLang="en-US" sz="4400" dirty="0" smtClean="0"/>
+              <a:t>“瞬时”速度？</a:t>
+            </a:r>
+            <a:endParaRPr lang="zh-CN" altLang="en-US" sz="4400" dirty="0"/>
+          </a:p>
+        </p:txBody>
+      </p:sp>
+      <p:sp>
+        <p:nvSpPr>
+          <p:cNvPr id="12" name="文本框 11"/>
+          <p:cNvSpPr txBox="1"/>
+          <p:nvPr/>
+        </p:nvSpPr>
+        <p:spPr>
+          <a:xfrm>
+            <a:off x="8407958" y="10314384"/>
+            <a:ext cx="7992888" cy="523220"/>
+          </a:xfrm>
+          <a:prstGeom prst="rect">
+            <a:avLst/>
+          </a:prstGeom>
+          <a:noFill/>
+        </p:spPr>
+        <p:txBody>
+          <a:bodyPr wrap="square" rtlCol="0">
+            <a:spAutoFit/>
+          </a:bodyPr>
+          <a:lstStyle/>
+          <a:p>
+            <a:pPr algn="ctr"/>
+            <a:r>
+              <a:rPr lang="en-US" altLang="zh-CN" sz="2800" dirty="0" smtClean="0"/>
+              <a:t>[“</a:t>
+            </a:r>
+            <a:r>
+              <a:rPr lang="zh-CN" altLang="en-US" sz="2800" dirty="0" smtClean="0"/>
+              <a:t>差分</a:t>
+            </a:r>
+            <a:r>
+              <a:rPr lang="en-US" altLang="zh-CN" sz="2800" dirty="0" smtClean="0"/>
+              <a:t>”</a:t>
+            </a:r>
+            <a:r>
+              <a:rPr lang="zh-CN" altLang="en-US" sz="2800" dirty="0" smtClean="0"/>
+              <a:t>与速度的定义</a:t>
+            </a:r>
+            <a:r>
+              <a:rPr lang="en-US" altLang="zh-CN" sz="2800" dirty="0"/>
+              <a:t>]</a:t>
+            </a:r>
+            <a:endParaRPr lang="zh-CN" altLang="en-US" sz="2800" dirty="0"/>
           </a:p>
         </p:txBody>
       </p:sp>
     </p:spTree>
+    <p:extLst>
+      <p:ext uri="{BB962C8B-B14F-4D97-AF65-F5344CB8AC3E}">
+        <p14:creationId xmlns:p14="http://schemas.microsoft.com/office/powerpoint/2010/main" val="3838188516"/>
+      </p:ext>
+    </p:extLst>
   </p:cSld>
   <p:clrMapOvr>
     <a:masterClrMapping/>
   </p:clrMapOvr>
   <p:transition/>
+  <p:timing>
+    <p:tnLst>
+      <p:par>
+        <p:cTn id="1" dur="indefinite" restart="never" nodeType="tmRoot">
+          <p:childTnLst>
+            <p:seq concurrent="1" nextAc="seek">
+              <p:cTn id="2" restart="whenNotActive" fill="hold" evtFilter="cancelBubble" nodeType="interactiveSeq">
+                <p:stCondLst>
+                  <p:cond evt="onClick" delay="0">
+                    <p:tgtEl>
+                      <p:spTgt spid="6"/>
+                    </p:tgtEl>
+                  </p:cond>
+                </p:stCondLst>
+                <p:endSync evt="end" delay="0">
+                  <p:rtn val="all"/>
+                </p:endSync>
+                <p:childTnLst>
+                  <p:par>
+                    <p:cTn id="3" fill="hold">
+                      <p:stCondLst>
+                        <p:cond delay="0"/>
+                      </p:stCondLst>
+                      <p:childTnLst>
+                        <p:par>
+                          <p:cTn id="4" fill="hold">
+                            <p:stCondLst>
+                              <p:cond delay="0"/>
+                            </p:stCondLst>
+                            <p:childTnLst>
+                              <p:par>
+                                <p:cTn id="5" presetID="2" presetClass="mediacall" presetSubtype="0" fill="hold" nodeType="clickEffect">
+                                  <p:stCondLst>
+                                    <p:cond delay="0"/>
+                                  </p:stCondLst>
+                                  <p:childTnLst>
+                                    <p:cmd type="call" cmd="togglePause">
+                                      <p:cBhvr>
+                                        <p:cTn id="6" dur="1" fill="hold"/>
+                                        <p:tgtEl>
+                                          <p:spTgt spid="6"/>
+                                        </p:tgtEl>
+                                      </p:cBhvr>
+                                    </p:cmd>
+                                  </p:childTnLst>
+                                </p:cTn>
+                              </p:par>
+                            </p:childTnLst>
+                          </p:cTn>
+                        </p:par>
+                      </p:childTnLst>
+                    </p:cTn>
+                  </p:par>
+                </p:childTnLst>
+              </p:cTn>
+              <p:nextCondLst>
+                <p:cond evt="onClick" delay="0">
+                  <p:tgtEl>
+                    <p:spTgt spid="6"/>
+                  </p:tgtEl>
+                </p:cond>
+              </p:nextCondLst>
+            </p:seq>
+            <p:video>
+              <p:cMediaNode vol="80000">
+                <p:cTn id="7" fill="hold" display="0">
+                  <p:stCondLst>
+                    <p:cond delay="indefinite"/>
+                  </p:stCondLst>
+                </p:cTn>
+                <p:tgtEl>
+                  <p:spTgt spid="6"/>
+                </p:tgtEl>
+              </p:cMediaNode>
+            </p:video>
+          </p:childTnLst>
+        </p:cTn>
+      </p:par>
+    </p:tnLst>
+  </p:timing>
 </p:sld>
 </file>
 
@@ -31083,93 +32557,904 @@
           <a:chExt cx="0" cy="0"/>
         </a:xfrm>
       </p:grpSpPr>
-      <p:sp>
-        <p:nvSpPr>
-          <p:cNvPr id="2" name="标题 1"/>
-          <p:cNvSpPr>
-            <a:spLocks noGrp="1"/>
-          </p:cNvSpPr>
-          <p:nvPr>
-            <p:ph type="ctrTitle"/>
-          </p:nvPr>
-        </p:nvSpPr>
-        <p:spPr>
-          <a:xfrm>
-            <a:off x="1365885" y="4173855"/>
-            <a:ext cx="18288000" cy="2796540"/>
-          </a:xfrm>
-        </p:spPr>
-        <p:txBody>
-          <a:bodyPr/>
-          <a:lstStyle/>
-          <a:p>
-            <a:r>
-              <a:rPr lang="zh-CN" altLang="en-US" sz="16600"/>
-              <a:t>谢谢！</a:t>
-            </a:r>
-            <a:endParaRPr lang="zh-CN" altLang="en-US" sz="16600"/>
-          </a:p>
-        </p:txBody>
-      </p:sp>
-      <p:sp>
-        <p:nvSpPr>
-          <p:cNvPr id="3" name="副标题 2"/>
-          <p:cNvSpPr>
-            <a:spLocks noGrp="1"/>
-          </p:cNvSpPr>
-          <p:nvPr>
-            <p:ph type="subTitle" idx="1"/>
-          </p:nvPr>
-        </p:nvSpPr>
-        <p:spPr>
-          <a:xfrm>
-            <a:off x="401955" y="8119110"/>
-            <a:ext cx="18288000" cy="3311525"/>
-          </a:xfrm>
-        </p:spPr>
-        <p:txBody>
-          <a:bodyPr/>
-          <a:lstStyle/>
-          <a:p>
-            <a:r>
-              <a:rPr lang="en-US" altLang="zh-CN" sz="9600"/>
-              <a:t>Q&amp;A</a:t>
-            </a:r>
-            <a:endParaRPr lang="en-US" altLang="zh-CN" sz="9600"/>
-          </a:p>
-        </p:txBody>
-      </p:sp>
       <p:pic>
         <p:nvPicPr>
-          <p:cNvPr id="4" name="图片 3" descr="qr"/>
+          <p:cNvPr id="11" name="图片 10"/>
           <p:cNvPicPr>
             <a:picLocks noChangeAspect="1"/>
           </p:cNvPicPr>
           <p:nvPr/>
         </p:nvPicPr>
         <p:blipFill>
-          <a:blip r:embed="rId1"/>
-          <a:srcRect l="7697" t="24250" r="7417" b="13979"/>
+          <a:blip r:embed="rId2">
+            <a:extLst>
+              <a:ext uri="{28A0092B-C50C-407E-A947-70E740481C1C}">
+                <a14:useLocalDpi xmlns:a14="http://schemas.microsoft.com/office/drawing/2010/main" val="0"/>
+              </a:ext>
+            </a:extLst>
+          </a:blip>
           <a:stretch>
             <a:fillRect/>
           </a:stretch>
         </p:blipFill>
         <p:spPr>
           <a:xfrm>
-            <a:off x="15142210" y="4551045"/>
-            <a:ext cx="4999990" cy="4991735"/>
+            <a:off x="4882391" y="2146321"/>
+            <a:ext cx="13005475" cy="7736015"/>
           </a:xfrm>
           <a:prstGeom prst="rect">
             <a:avLst/>
           </a:prstGeom>
         </p:spPr>
       </p:pic>
+      <p:pic>
+        <p:nvPicPr>
+          <p:cNvPr id="10" name="图片 9"/>
+          <p:cNvPicPr>
+            <a:picLocks noChangeAspect="1"/>
+          </p:cNvPicPr>
+          <p:nvPr/>
+        </p:nvPicPr>
+        <p:blipFill>
+          <a:blip r:embed="rId3">
+            <a:extLst>
+              <a:ext uri="{28A0092B-C50C-407E-A947-70E740481C1C}">
+                <a14:useLocalDpi xmlns:a14="http://schemas.microsoft.com/office/drawing/2010/main" val="0"/>
+              </a:ext>
+            </a:extLst>
+          </a:blip>
+          <a:stretch>
+            <a:fillRect/>
+          </a:stretch>
+        </p:blipFill>
+        <p:spPr>
+          <a:xfrm>
+            <a:off x="4882390" y="2134453"/>
+            <a:ext cx="13005475" cy="7736015"/>
+          </a:xfrm>
+          <a:prstGeom prst="rect">
+            <a:avLst/>
+          </a:prstGeom>
+        </p:spPr>
+      </p:pic>
+      <mc:AlternateContent xmlns:mc="http://schemas.openxmlformats.org/markup-compatibility/2006">
+        <mc:Choice xmlns:a14="http://schemas.microsoft.com/office/drawing/2010/main" Requires="a14">
+          <p:sp>
+            <p:nvSpPr>
+              <p:cNvPr id="8" name="文本框 7"/>
+              <p:cNvSpPr txBox="1"/>
+              <p:nvPr/>
+            </p:nvSpPr>
+            <p:spPr>
+              <a:xfrm>
+                <a:off x="5855296" y="10746432"/>
+                <a:ext cx="10081120" cy="523220"/>
+              </a:xfrm>
+              <a:prstGeom prst="rect">
+                <a:avLst/>
+              </a:prstGeom>
+              <a:noFill/>
+            </p:spPr>
+            <p:txBody>
+              <a:bodyPr wrap="square" rtlCol="0">
+                <a:spAutoFit/>
+              </a:bodyPr>
+              <a:lstStyle/>
+              <a:p>
+                <a:pPr algn="ctr"/>
+                <a:r>
+                  <a:rPr lang="en-US" altLang="zh-CN" sz="2800" dirty="0" smtClean="0"/>
+                  <a:t>[</a:t>
+                </a:r>
+                <a:r>
+                  <a:rPr lang="zh-CN" altLang="en-US" sz="2800" dirty="0" smtClean="0"/>
+                  <a:t>例子</a:t>
+                </a:r>
+                <a:r>
+                  <a:rPr lang="zh-CN" altLang="en-US" sz="2800" dirty="0" smtClean="0"/>
+                  <a:t>： </a:t>
+                </a:r>
+                <a14:m>
+                  <m:oMath xmlns:m="http://schemas.openxmlformats.org/officeDocument/2006/math">
+                    <m:r>
+                      <a:rPr lang="en-US" altLang="zh-CN" sz="2800" b="0" i="1" smtClean="0">
+                        <a:latin typeface="Cambria Math" panose="02040503050406030204" pitchFamily="18" charset="0"/>
+                      </a:rPr>
+                      <m:t>𝑠</m:t>
+                    </m:r>
+                    <m:r>
+                      <a:rPr lang="en-US" altLang="zh-CN" sz="2800" b="0" i="1" smtClean="0">
+                        <a:latin typeface="Cambria Math" panose="02040503050406030204" pitchFamily="18" charset="0"/>
+                      </a:rPr>
+                      <m:t>(</m:t>
+                    </m:r>
+                    <m:r>
+                      <a:rPr lang="en-US" altLang="zh-CN" sz="2800" b="0" i="1" smtClean="0">
+                        <a:latin typeface="Cambria Math" panose="02040503050406030204" pitchFamily="18" charset="0"/>
+                      </a:rPr>
+                      <m:t>𝑡</m:t>
+                    </m:r>
+                    <m:r>
+                      <a:rPr lang="en-US" altLang="zh-CN" sz="2800" b="0" i="1" smtClean="0">
+                        <a:latin typeface="Cambria Math" panose="02040503050406030204" pitchFamily="18" charset="0"/>
+                      </a:rPr>
+                      <m:t>)=</m:t>
+                    </m:r>
+                    <m:sSup>
+                      <m:sSupPr>
+                        <m:ctrlPr>
+                          <a:rPr lang="en-US" altLang="zh-CN" sz="2800" i="1" smtClean="0">
+                            <a:latin typeface="Cambria Math" panose="02040503050406030204" pitchFamily="18" charset="0"/>
+                          </a:rPr>
+                        </m:ctrlPr>
+                      </m:sSupPr>
+                      <m:e>
+                        <m:r>
+                          <a:rPr lang="en-US" altLang="zh-CN" sz="2800" b="0" i="1" smtClean="0">
+                            <a:latin typeface="Cambria Math" panose="02040503050406030204" pitchFamily="18" charset="0"/>
+                          </a:rPr>
+                          <m:t>𝑡</m:t>
+                        </m:r>
+                      </m:e>
+                      <m:sup>
+                        <m:r>
+                          <a:rPr lang="en-US" altLang="zh-CN" sz="2800" i="1" smtClean="0">
+                            <a:latin typeface="Cambria Math" panose="02040503050406030204" pitchFamily="18" charset="0"/>
+                          </a:rPr>
+                          <m:t>2</m:t>
+                        </m:r>
+                      </m:sup>
+                    </m:sSup>
+                  </m:oMath>
+                </a14:m>
+                <a:r>
+                  <a:rPr lang="en-US" altLang="zh-CN" sz="2800" dirty="0" smtClean="0"/>
+                  <a:t> </a:t>
+                </a:r>
+                <a:r>
+                  <a:rPr lang="zh-CN" altLang="en-US" sz="2800" dirty="0" smtClean="0"/>
+                  <a:t>导数的几何推导和解析推导</a:t>
+                </a:r>
+                <a:r>
+                  <a:rPr lang="en-US" altLang="zh-CN" sz="2800" dirty="0" smtClean="0"/>
+                  <a:t>]</a:t>
+                </a:r>
+                <a:endParaRPr lang="zh-CN" altLang="en-US" sz="2800" dirty="0"/>
+              </a:p>
+            </p:txBody>
+          </p:sp>
+        </mc:Choice>
+        <mc:Fallback>
+          <p:sp>
+            <p:nvSpPr>
+              <p:cNvPr id="8" name="文本框 7"/>
+              <p:cNvSpPr txBox="1">
+                <a:spLocks noRot="1" noChangeAspect="1" noMove="1" noResize="1" noEditPoints="1" noAdjustHandles="1" noChangeArrowheads="1" noChangeShapeType="1" noTextEdit="1"/>
+              </p:cNvSpPr>
+              <p:nvPr/>
+            </p:nvSpPr>
+            <p:spPr>
+              <a:xfrm>
+                <a:off x="5855296" y="10746432"/>
+                <a:ext cx="10081120" cy="523220"/>
+              </a:xfrm>
+              <a:prstGeom prst="rect">
+                <a:avLst/>
+              </a:prstGeom>
+              <a:blipFill rotWithShape="0">
+                <a:blip r:embed="rId4"/>
+                <a:stretch>
+                  <a:fillRect t="-16279" b="-31395"/>
+                </a:stretch>
+              </a:blipFill>
+            </p:spPr>
+            <p:txBody>
+              <a:bodyPr/>
+              <a:lstStyle/>
+              <a:p>
+                <a:r>
+                  <a:rPr lang="zh-CN" altLang="en-US">
+                    <a:noFill/>
+                  </a:rPr>
+                  <a:t> </a:t>
+                </a:r>
+              </a:p>
+            </p:txBody>
+          </p:sp>
+        </mc:Fallback>
+      </mc:AlternateContent>
+      <mc:AlternateContent xmlns:mc="http://schemas.openxmlformats.org/markup-compatibility/2006">
+        <mc:Choice xmlns:a14="http://schemas.microsoft.com/office/drawing/2010/main" Requires="a14">
+          <p:sp>
+            <p:nvSpPr>
+              <p:cNvPr id="6" name="文本框 5"/>
+              <p:cNvSpPr txBox="1"/>
+              <p:nvPr/>
+            </p:nvSpPr>
+            <p:spPr>
+              <a:xfrm>
+                <a:off x="5857619" y="11466512"/>
+                <a:ext cx="10081120" cy="523220"/>
+              </a:xfrm>
+              <a:prstGeom prst="rect">
+                <a:avLst/>
+              </a:prstGeom>
+              <a:noFill/>
+            </p:spPr>
+            <p:txBody>
+              <a:bodyPr wrap="square" rtlCol="0">
+                <a:spAutoFit/>
+              </a:bodyPr>
+              <a:lstStyle/>
+              <a:p>
+                <a:pPr algn="ctr"/>
+                <a:r>
+                  <a:rPr lang="en-US" altLang="zh-CN" sz="2800" dirty="0" smtClean="0"/>
+                  <a:t>[</a:t>
+                </a:r>
+                <a:r>
+                  <a:rPr lang="zh-CN" altLang="en-US" sz="2800" dirty="0"/>
+                  <a:t>问题</a:t>
+                </a:r>
+                <a:r>
+                  <a:rPr lang="zh-CN" altLang="en-US" sz="2800" dirty="0" smtClean="0"/>
+                  <a:t>：求 </a:t>
+                </a:r>
+                <a14:m>
+                  <m:oMath xmlns:m="http://schemas.openxmlformats.org/officeDocument/2006/math">
+                    <m:r>
+                      <a:rPr lang="en-US" altLang="zh-CN" sz="2800" i="1">
+                        <a:latin typeface="Cambria Math" panose="02040503050406030204" pitchFamily="18" charset="0"/>
+                      </a:rPr>
+                      <m:t>𝑠</m:t>
+                    </m:r>
+                    <m:r>
+                      <a:rPr lang="en-US" altLang="zh-CN" sz="2800" i="1">
+                        <a:latin typeface="Cambria Math" panose="02040503050406030204" pitchFamily="18" charset="0"/>
+                      </a:rPr>
+                      <m:t>(</m:t>
+                    </m:r>
+                    <m:r>
+                      <a:rPr lang="en-US" altLang="zh-CN" sz="2800" i="1">
+                        <a:latin typeface="Cambria Math" panose="02040503050406030204" pitchFamily="18" charset="0"/>
+                      </a:rPr>
+                      <m:t>𝑡</m:t>
+                    </m:r>
+                    <m:r>
+                      <a:rPr lang="en-US" altLang="zh-CN" sz="2800" i="1">
+                        <a:latin typeface="Cambria Math" panose="02040503050406030204" pitchFamily="18" charset="0"/>
+                      </a:rPr>
+                      <m:t>)=</m:t>
+                    </m:r>
+                    <m:sSup>
+                      <m:sSupPr>
+                        <m:ctrlPr>
+                          <a:rPr lang="en-US" altLang="zh-CN" sz="2800" i="1">
+                            <a:latin typeface="Cambria Math" panose="02040503050406030204" pitchFamily="18" charset="0"/>
+                          </a:rPr>
+                        </m:ctrlPr>
+                      </m:sSupPr>
+                      <m:e>
+                        <m:r>
+                          <a:rPr lang="en-US" altLang="zh-CN" sz="2800" i="1">
+                            <a:latin typeface="Cambria Math" panose="02040503050406030204" pitchFamily="18" charset="0"/>
+                          </a:rPr>
+                          <m:t>𝑡</m:t>
+                        </m:r>
+                      </m:e>
+                      <m:sup>
+                        <m:r>
+                          <m:rPr>
+                            <m:sty m:val="p"/>
+                          </m:rPr>
+                          <a:rPr lang="en-US" altLang="zh-CN" sz="2800" i="1" smtClean="0">
+                            <a:latin typeface="Cambria Math" panose="02040503050406030204" pitchFamily="18" charset="0"/>
+                          </a:rPr>
+                          <m:t>n</m:t>
+                        </m:r>
+                      </m:sup>
+                    </m:sSup>
+                  </m:oMath>
+                </a14:m>
+                <a:r>
+                  <a:rPr lang="zh-CN" altLang="en-US" sz="2800" dirty="0" smtClean="0"/>
+                  <a:t>的导数</a:t>
+                </a:r>
+                <a:r>
+                  <a:rPr lang="en-US" altLang="zh-CN" sz="2800" dirty="0" smtClean="0"/>
+                  <a:t>]</a:t>
+                </a:r>
+                <a:endParaRPr lang="zh-CN" altLang="en-US" sz="2800" dirty="0"/>
+              </a:p>
+            </p:txBody>
+          </p:sp>
+        </mc:Choice>
+        <mc:Fallback>
+          <p:sp>
+            <p:nvSpPr>
+              <p:cNvPr id="6" name="文本框 5"/>
+              <p:cNvSpPr txBox="1">
+                <a:spLocks noRot="1" noChangeAspect="1" noMove="1" noResize="1" noEditPoints="1" noAdjustHandles="1" noChangeArrowheads="1" noChangeShapeType="1" noTextEdit="1"/>
+              </p:cNvSpPr>
+              <p:nvPr/>
+            </p:nvSpPr>
+            <p:spPr>
+              <a:xfrm>
+                <a:off x="5857619" y="11466512"/>
+                <a:ext cx="10081120" cy="523220"/>
+              </a:xfrm>
+              <a:prstGeom prst="rect">
+                <a:avLst/>
+              </a:prstGeom>
+              <a:blipFill rotWithShape="0">
+                <a:blip r:embed="rId5"/>
+                <a:stretch>
+                  <a:fillRect t="-16279" b="-31395"/>
+                </a:stretch>
+              </a:blipFill>
+            </p:spPr>
+            <p:txBody>
+              <a:bodyPr/>
+              <a:lstStyle/>
+              <a:p>
+                <a:r>
+                  <a:rPr lang="zh-CN" altLang="en-US">
+                    <a:noFill/>
+                  </a:rPr>
+                  <a:t> </a:t>
+                </a:r>
+              </a:p>
+            </p:txBody>
+          </p:sp>
+        </mc:Fallback>
+      </mc:AlternateContent>
     </p:spTree>
+    <p:extLst>
+      <p:ext uri="{BB962C8B-B14F-4D97-AF65-F5344CB8AC3E}">
+        <p14:creationId xmlns:p14="http://schemas.microsoft.com/office/powerpoint/2010/main" val="2818412573"/>
+      </p:ext>
+    </p:extLst>
   </p:cSld>
   <p:clrMapOvr>
     <a:masterClrMapping/>
   </p:clrMapOvr>
   <p:transition/>
+  <p:timing>
+    <p:tnLst>
+      <p:par>
+        <p:cTn id="1" dur="indefinite" restart="never" nodeType="tmRoot">
+          <p:childTnLst>
+            <p:seq concurrent="1" nextAc="seek">
+              <p:cTn id="2" dur="indefinite" nodeType="mainSeq">
+                <p:childTnLst>
+                  <p:par>
+                    <p:cTn id="3" fill="hold">
+                      <p:stCondLst>
+                        <p:cond delay="indefinite"/>
+                      </p:stCondLst>
+                      <p:childTnLst>
+                        <p:par>
+                          <p:cTn id="4" fill="hold">
+                            <p:stCondLst>
+                              <p:cond delay="0"/>
+                            </p:stCondLst>
+                            <p:childTnLst>
+                              <p:par>
+                                <p:cTn id="5" presetID="1" presetClass="exit" presetSubtype="0" fill="hold" nodeType="clickEffect">
+                                  <p:stCondLst>
+                                    <p:cond delay="0"/>
+                                  </p:stCondLst>
+                                  <p:childTnLst>
+                                    <p:set>
+                                      <p:cBhvr>
+                                        <p:cTn id="6" dur="1" fill="hold">
+                                          <p:stCondLst>
+                                            <p:cond delay="0"/>
+                                          </p:stCondLst>
+                                        </p:cTn>
+                                        <p:tgtEl>
+                                          <p:spTgt spid="10"/>
+                                        </p:tgtEl>
+                                        <p:attrNameLst>
+                                          <p:attrName>style.visibility</p:attrName>
+                                        </p:attrNameLst>
+                                      </p:cBhvr>
+                                      <p:to>
+                                        <p:strVal val="hidden"/>
+                                      </p:to>
+                                    </p:set>
+                                  </p:childTnLst>
+                                </p:cTn>
+                              </p:par>
+                            </p:childTnLst>
+                          </p:cTn>
+                        </p:par>
+                      </p:childTnLst>
+                    </p:cTn>
+                  </p:par>
+                </p:childTnLst>
+              </p:cTn>
+              <p:prevCondLst>
+                <p:cond evt="onPrev" delay="0">
+                  <p:tgtEl>
+                    <p:sldTgt/>
+                  </p:tgtEl>
+                </p:cond>
+              </p:prevCondLst>
+              <p:nextCondLst>
+                <p:cond evt="onNext" delay="0">
+                  <p:tgtEl>
+                    <p:sldTgt/>
+                  </p:tgtEl>
+                </p:cond>
+              </p:nextCondLst>
+            </p:seq>
+          </p:childTnLst>
+        </p:cTn>
+      </p:par>
+    </p:tnLst>
+  </p:timing>
+</p:sld>
+</file>
+
+<file path=ppt/slides/slide8.xml><?xml version="1.0" encoding="utf-8"?>
+<p:sld xmlns:a="http://schemas.openxmlformats.org/drawingml/2006/main" xmlns:r="http://schemas.openxmlformats.org/officeDocument/2006/relationships" xmlns:p="http://schemas.openxmlformats.org/presentationml/2006/main">
+  <p:cSld>
+    <p:spTree>
+      <p:nvGrpSpPr>
+        <p:cNvPr id="1" name=""/>
+        <p:cNvGrpSpPr/>
+        <p:nvPr/>
+      </p:nvGrpSpPr>
+      <p:grpSpPr>
+        <a:xfrm>
+          <a:off x="0" y="0"/>
+          <a:ext cx="0" cy="0"/>
+          <a:chOff x="0" y="0"/>
+          <a:chExt cx="0" cy="0"/>
+        </a:xfrm>
+      </p:grpSpPr>
+      <p:sp>
+        <p:nvSpPr>
+          <p:cNvPr id="3" name="文本框 2"/>
+          <p:cNvSpPr txBox="1"/>
+          <p:nvPr/>
+        </p:nvSpPr>
+        <p:spPr>
+          <a:xfrm>
+            <a:off x="4271120" y="3689648"/>
+            <a:ext cx="14113568" cy="954107"/>
+          </a:xfrm>
+          <a:prstGeom prst="rect">
+            <a:avLst/>
+          </a:prstGeom>
+          <a:noFill/>
+        </p:spPr>
+        <p:txBody>
+          <a:bodyPr wrap="square" rtlCol="0">
+            <a:spAutoFit/>
+          </a:bodyPr>
+          <a:lstStyle/>
+          <a:p>
+            <a:r>
+              <a:rPr lang="zh-CN" altLang="en-US" dirty="0" smtClean="0"/>
+              <a:t>小结</a:t>
+            </a:r>
+            <a:endParaRPr lang="en-US" altLang="zh-CN" dirty="0" smtClean="0"/>
+          </a:p>
+        </p:txBody>
+      </p:sp>
+      <mc:AlternateContent xmlns:mc="http://schemas.openxmlformats.org/markup-compatibility/2006">
+        <mc:Choice xmlns:a14="http://schemas.microsoft.com/office/drawing/2010/main" Requires="a14">
+          <p:sp>
+            <p:nvSpPr>
+              <p:cNvPr id="4" name="文本框 3"/>
+              <p:cNvSpPr txBox="1"/>
+              <p:nvPr/>
+            </p:nvSpPr>
+            <p:spPr>
+              <a:xfrm>
+                <a:off x="5207224" y="5345832"/>
+                <a:ext cx="13825536" cy="2483437"/>
+              </a:xfrm>
+              <a:prstGeom prst="rect">
+                <a:avLst/>
+              </a:prstGeom>
+              <a:noFill/>
+            </p:spPr>
+            <p:txBody>
+              <a:bodyPr wrap="square" rtlCol="0">
+                <a:spAutoFit/>
+              </a:bodyPr>
+              <a:lstStyle/>
+              <a:p>
+                <a:pPr marL="571500" indent="-571500">
+                  <a:buFont typeface="Arial" panose="020B0604020202020204" pitchFamily="34" charset="0"/>
+                  <a:buChar char="•"/>
+                </a:pPr>
+                <a14:m>
+                  <m:oMath xmlns:m="http://schemas.openxmlformats.org/officeDocument/2006/math">
+                    <m:f>
+                      <m:fPr>
+                        <m:ctrlPr>
+                          <a:rPr lang="en-US" altLang="zh-CN" sz="4400" i="1">
+                            <a:latin typeface="Cambria Math" panose="02040503050406030204" pitchFamily="18" charset="0"/>
+                          </a:rPr>
+                        </m:ctrlPr>
+                      </m:fPr>
+                      <m:num>
+                        <m:r>
+                          <a:rPr lang="en-US" altLang="zh-CN" sz="4400" i="1">
+                            <a:latin typeface="Cambria Math" panose="02040503050406030204" pitchFamily="18" charset="0"/>
+                          </a:rPr>
+                          <m:t>𝑑𝑦</m:t>
+                        </m:r>
+                      </m:num>
+                      <m:den>
+                        <m:r>
+                          <a:rPr lang="en-US" altLang="zh-CN" sz="4400" i="1">
+                            <a:latin typeface="Cambria Math" panose="02040503050406030204" pitchFamily="18" charset="0"/>
+                          </a:rPr>
+                          <m:t>𝑑𝑥</m:t>
+                        </m:r>
+                      </m:den>
+                    </m:f>
+                    <m:r>
+                      <a:rPr lang="en-US" altLang="zh-CN" sz="4400" i="1">
+                        <a:latin typeface="Cambria Math" panose="02040503050406030204" pitchFamily="18" charset="0"/>
+                      </a:rPr>
+                      <m:t>=</m:t>
+                    </m:r>
+                    <m:limLow>
+                      <m:limLowPr>
+                        <m:ctrlPr>
+                          <a:rPr lang="en-US" altLang="zh-CN" sz="4400" i="1">
+                            <a:latin typeface="Cambria Math" panose="02040503050406030204" pitchFamily="18" charset="0"/>
+                          </a:rPr>
+                        </m:ctrlPr>
+                      </m:limLowPr>
+                      <m:e>
+                        <m:r>
+                          <m:rPr>
+                            <m:sty m:val="p"/>
+                          </m:rPr>
+                          <a:rPr lang="en-US" altLang="zh-CN" sz="4400">
+                            <a:latin typeface="Cambria Math" panose="02040503050406030204" pitchFamily="18" charset="0"/>
+                          </a:rPr>
+                          <m:t>lim</m:t>
+                        </m:r>
+                      </m:e>
+                      <m:lim>
+                        <m:r>
+                          <m:rPr>
+                            <m:sty m:val="p"/>
+                          </m:rPr>
+                          <a:rPr lang="en-US" altLang="zh-CN" sz="4400">
+                            <a:latin typeface="Cambria Math" panose="02040503050406030204" pitchFamily="18" charset="0"/>
+                          </a:rPr>
+                          <m:t>Δ</m:t>
+                        </m:r>
+                        <m:r>
+                          <a:rPr lang="en-US" altLang="zh-CN" sz="4400" i="1">
+                            <a:latin typeface="Cambria Math" panose="02040503050406030204" pitchFamily="18" charset="0"/>
+                          </a:rPr>
+                          <m:t>𝑥</m:t>
+                        </m:r>
+                        <m:r>
+                          <a:rPr lang="en-US" altLang="zh-CN" sz="4400" i="1">
+                            <a:latin typeface="Cambria Math" panose="02040503050406030204" pitchFamily="18" charset="0"/>
+                          </a:rPr>
+                          <m:t>→0</m:t>
+                        </m:r>
+                      </m:lim>
+                    </m:limLow>
+                    <m:f>
+                      <m:fPr>
+                        <m:ctrlPr>
+                          <a:rPr lang="en-US" altLang="zh-CN" sz="4400" i="1">
+                            <a:latin typeface="Cambria Math" panose="02040503050406030204" pitchFamily="18" charset="0"/>
+                          </a:rPr>
+                        </m:ctrlPr>
+                      </m:fPr>
+                      <m:num>
+                        <m:r>
+                          <m:rPr>
+                            <m:sty m:val="p"/>
+                          </m:rPr>
+                          <a:rPr lang="en-US" altLang="zh-CN" sz="4400">
+                            <a:latin typeface="Cambria Math" panose="02040503050406030204" pitchFamily="18" charset="0"/>
+                          </a:rPr>
+                          <m:t>Δ</m:t>
+                        </m:r>
+                        <m:r>
+                          <a:rPr lang="en-US" altLang="zh-CN" sz="4400" i="1">
+                            <a:latin typeface="Cambria Math" panose="02040503050406030204" pitchFamily="18" charset="0"/>
+                          </a:rPr>
+                          <m:t>𝑦</m:t>
+                        </m:r>
+                      </m:num>
+                      <m:den>
+                        <m:r>
+                          <m:rPr>
+                            <m:sty m:val="p"/>
+                          </m:rPr>
+                          <a:rPr lang="en-US" altLang="zh-CN" sz="4400">
+                            <a:latin typeface="Cambria Math" panose="02040503050406030204" pitchFamily="18" charset="0"/>
+                          </a:rPr>
+                          <m:t>Δ</m:t>
+                        </m:r>
+                        <m:r>
+                          <a:rPr lang="en-US" altLang="zh-CN" sz="4400" i="1">
+                            <a:latin typeface="Cambria Math" panose="02040503050406030204" pitchFamily="18" charset="0"/>
+                          </a:rPr>
+                          <m:t>𝑥</m:t>
+                        </m:r>
+                      </m:den>
+                    </m:f>
+                  </m:oMath>
+                </a14:m>
+                <a:endParaRPr lang="en-US" altLang="zh-CN" sz="4400" dirty="0"/>
+              </a:p>
+              <a:p>
+                <a:endParaRPr lang="en-US" altLang="zh-CN" sz="4400" dirty="0" smtClean="0"/>
+              </a:p>
+              <a:p>
+                <a:pPr marL="571500" indent="-571500">
+                  <a:buFont typeface="Arial" panose="020B0604020202020204" pitchFamily="34" charset="0"/>
+                  <a:buChar char="•"/>
+                </a:pPr>
+                <a:r>
+                  <a:rPr lang="zh-CN" altLang="en-US" sz="4400" dirty="0" smtClean="0"/>
+                  <a:t>导数的直观含义是切线的斜率</a:t>
+                </a:r>
+                <a:endParaRPr lang="en-US" altLang="zh-CN" sz="4400" dirty="0" smtClean="0"/>
+              </a:p>
+            </p:txBody>
+          </p:sp>
+        </mc:Choice>
+        <mc:Fallback>
+          <p:sp>
+            <p:nvSpPr>
+              <p:cNvPr id="4" name="文本框 3"/>
+              <p:cNvSpPr txBox="1">
+                <a:spLocks noRot="1" noChangeAspect="1" noMove="1" noResize="1" noEditPoints="1" noAdjustHandles="1" noChangeArrowheads="1" noChangeShapeType="1" noTextEdit="1"/>
+              </p:cNvSpPr>
+              <p:nvPr/>
+            </p:nvSpPr>
+            <p:spPr>
+              <a:xfrm>
+                <a:off x="5207224" y="5345832"/>
+                <a:ext cx="13825536" cy="2483437"/>
+              </a:xfrm>
+              <a:prstGeom prst="rect">
+                <a:avLst/>
+              </a:prstGeom>
+              <a:blipFill rotWithShape="0">
+                <a:blip r:embed="rId2"/>
+                <a:stretch>
+                  <a:fillRect l="-1587" b="-10074"/>
+                </a:stretch>
+              </a:blipFill>
+            </p:spPr>
+            <p:txBody>
+              <a:bodyPr/>
+              <a:lstStyle/>
+              <a:p>
+                <a:r>
+                  <a:rPr lang="zh-CN" altLang="en-US">
+                    <a:noFill/>
+                  </a:rPr>
+                  <a:t> </a:t>
+                </a:r>
+              </a:p>
+            </p:txBody>
+          </p:sp>
+        </mc:Fallback>
+      </mc:AlternateContent>
+    </p:spTree>
+    <p:extLst>
+      <p:ext uri="{BB962C8B-B14F-4D97-AF65-F5344CB8AC3E}">
+        <p14:creationId xmlns:p14="http://schemas.microsoft.com/office/powerpoint/2010/main" val="3646827034"/>
+      </p:ext>
+    </p:extLst>
+  </p:cSld>
+  <p:clrMapOvr>
+    <a:masterClrMapping/>
+  </p:clrMapOvr>
+  <p:transition/>
+  <p:timing>
+    <p:tnLst>
+      <p:par>
+        <p:cTn id="1" dur="indefinite" restart="never" nodeType="tmRoot"/>
+      </p:par>
+    </p:tnLst>
+  </p:timing>
+</p:sld>
+</file>
+
+<file path=ppt/slides/slide9.xml><?xml version="1.0" encoding="utf-8"?>
+<p:sld xmlns:a="http://schemas.openxmlformats.org/drawingml/2006/main" xmlns:r="http://schemas.openxmlformats.org/officeDocument/2006/relationships" xmlns:p="http://schemas.openxmlformats.org/presentationml/2006/main">
+  <p:cSld>
+    <p:spTree>
+      <p:nvGrpSpPr>
+        <p:cNvPr id="1" name=""/>
+        <p:cNvGrpSpPr/>
+        <p:nvPr/>
+      </p:nvGrpSpPr>
+      <p:grpSpPr>
+        <a:xfrm>
+          <a:off x="0" y="0"/>
+          <a:ext cx="0" cy="0"/>
+          <a:chOff x="0" y="0"/>
+          <a:chExt cx="0" cy="0"/>
+        </a:xfrm>
+      </p:grpSpPr>
+      <p:sp>
+        <p:nvSpPr>
+          <p:cNvPr id="3" name="文本框 2"/>
+          <p:cNvSpPr txBox="1"/>
+          <p:nvPr/>
+        </p:nvSpPr>
+        <p:spPr>
+          <a:xfrm>
+            <a:off x="4271120" y="3689648"/>
+            <a:ext cx="14113568" cy="954107"/>
+          </a:xfrm>
+          <a:prstGeom prst="rect">
+            <a:avLst/>
+          </a:prstGeom>
+          <a:noFill/>
+        </p:spPr>
+        <p:txBody>
+          <a:bodyPr wrap="square" rtlCol="0">
+            <a:spAutoFit/>
+          </a:bodyPr>
+          <a:lstStyle/>
+          <a:p>
+            <a:r>
+              <a:rPr lang="zh-CN" altLang="en-US" dirty="0" smtClean="0"/>
+              <a:t>导数的运算法则</a:t>
+            </a:r>
+            <a:endParaRPr lang="en-US" altLang="zh-CN" dirty="0" smtClean="0"/>
+          </a:p>
+        </p:txBody>
+      </p:sp>
+      <p:sp>
+        <p:nvSpPr>
+          <p:cNvPr id="4" name="文本框 3"/>
+          <p:cNvSpPr txBox="1"/>
+          <p:nvPr/>
+        </p:nvSpPr>
+        <p:spPr>
+          <a:xfrm>
+            <a:off x="5207224" y="5345832"/>
+            <a:ext cx="13825536" cy="3477875"/>
+          </a:xfrm>
+          <a:prstGeom prst="rect">
+            <a:avLst/>
+          </a:prstGeom>
+          <a:noFill/>
+        </p:spPr>
+        <p:txBody>
+          <a:bodyPr wrap="square" rtlCol="0">
+            <a:spAutoFit/>
+          </a:bodyPr>
+          <a:lstStyle/>
+          <a:p>
+            <a:pPr marL="571500" indent="-571500">
+              <a:buFont typeface="Arial" panose="020B0604020202020204" pitchFamily="34" charset="0"/>
+              <a:buChar char="•"/>
+            </a:pPr>
+            <a:r>
+              <a:rPr lang="zh-CN" altLang="en-US" sz="4400" dirty="0" smtClean="0"/>
+              <a:t>加法法则  </a:t>
+            </a:r>
+            <a:r>
+              <a:rPr lang="en-US" altLang="zh-CN" sz="4400" dirty="0" smtClean="0"/>
+              <a:t>h(x) = f(x) + g(x)</a:t>
+            </a:r>
+            <a:endParaRPr lang="en-US" altLang="zh-CN" sz="4400" dirty="0"/>
+          </a:p>
+          <a:p>
+            <a:endParaRPr lang="en-US" altLang="zh-CN" sz="4400" dirty="0" smtClean="0"/>
+          </a:p>
+          <a:p>
+            <a:pPr marL="571500" indent="-571500">
+              <a:buFont typeface="Arial" panose="020B0604020202020204" pitchFamily="34" charset="0"/>
+              <a:buChar char="•"/>
+            </a:pPr>
+            <a:r>
+              <a:rPr lang="zh-CN" altLang="en-US" sz="4400" dirty="0" smtClean="0"/>
+              <a:t>乘法法则 </a:t>
+            </a:r>
+            <a:r>
+              <a:rPr lang="en-US" altLang="zh-CN" sz="4400" dirty="0"/>
+              <a:t> </a:t>
+            </a:r>
+            <a:r>
+              <a:rPr lang="en-US" altLang="zh-CN" sz="4400" dirty="0" smtClean="0"/>
+              <a:t>h(x) = f(x) g(x)</a:t>
+            </a:r>
+          </a:p>
+          <a:p>
+            <a:pPr marL="571500" indent="-571500">
+              <a:buFont typeface="Arial" panose="020B0604020202020204" pitchFamily="34" charset="0"/>
+              <a:buChar char="•"/>
+            </a:pPr>
+            <a:endParaRPr lang="en-US" altLang="zh-CN" sz="4400" dirty="0"/>
+          </a:p>
+          <a:p>
+            <a:pPr marL="571500" indent="-571500">
+              <a:buFont typeface="Arial" panose="020B0604020202020204" pitchFamily="34" charset="0"/>
+              <a:buChar char="•"/>
+            </a:pPr>
+            <a:r>
+              <a:rPr lang="zh-CN" altLang="en-US" sz="4400" dirty="0" smtClean="0"/>
+              <a:t>复合法则  </a:t>
+            </a:r>
+            <a:r>
+              <a:rPr lang="en-US" altLang="zh-CN" sz="4400" dirty="0" smtClean="0"/>
+              <a:t>h(x) = f(g(x))</a:t>
+            </a:r>
+          </a:p>
+        </p:txBody>
+      </p:sp>
+      <p:sp>
+        <p:nvSpPr>
+          <p:cNvPr id="5" name="文本框 4"/>
+          <p:cNvSpPr txBox="1"/>
+          <p:nvPr/>
+        </p:nvSpPr>
+        <p:spPr>
+          <a:xfrm>
+            <a:off x="11566576" y="3874313"/>
+            <a:ext cx="7466184" cy="584775"/>
+          </a:xfrm>
+          <a:prstGeom prst="rect">
+            <a:avLst/>
+          </a:prstGeom>
+          <a:noFill/>
+        </p:spPr>
+        <p:txBody>
+          <a:bodyPr wrap="square" rtlCol="0">
+            <a:spAutoFit/>
+          </a:bodyPr>
+          <a:lstStyle/>
+          <a:p>
+            <a:r>
+              <a:rPr lang="zh-CN" altLang="en-US" sz="3200" dirty="0" smtClean="0"/>
+              <a:t>“</a:t>
+            </a:r>
+            <a:r>
+              <a:rPr lang="zh-CN" altLang="en-US" sz="3200" dirty="0"/>
+              <a:t>不仅要理解乘法</a:t>
+            </a:r>
+            <a:r>
+              <a:rPr lang="zh-CN" altLang="en-US" sz="3200" dirty="0" smtClean="0"/>
+              <a:t>，也要背乘法口诀”</a:t>
+            </a:r>
+            <a:endParaRPr lang="zh-CN" altLang="en-US" sz="3200" dirty="0"/>
+          </a:p>
+        </p:txBody>
+      </p:sp>
+    </p:spTree>
+    <p:extLst>
+      <p:ext uri="{BB962C8B-B14F-4D97-AF65-F5344CB8AC3E}">
+        <p14:creationId xmlns:p14="http://schemas.microsoft.com/office/powerpoint/2010/main" val="2332635319"/>
+      </p:ext>
+    </p:extLst>
+  </p:cSld>
+  <p:clrMapOvr>
+    <a:masterClrMapping/>
+  </p:clrMapOvr>
+  <p:transition/>
+  <p:timing>
+    <p:tnLst>
+      <p:par>
+        <p:cTn id="1" dur="indefinite" restart="never" nodeType="tmRoot"/>
+      </p:par>
+    </p:tnLst>
+  </p:timing>
 </p:sld>
 </file>
 
@@ -33620,6 +35905,8 @@
       </a:bgFillStyleLst>
     </a:fmtScheme>
   </a:themeElements>
+  <a:objectDefaults/>
+  <a:extraClrSchemeLst/>
   <a:extLst>
     <a:ext uri="{05A4C25C-085E-4340-85A3-A5531E510DB2}">
       <thm15:themeFamily xmlns:thm15="http://schemas.microsoft.com/office/thememl/2012/main" name="Office Theme" id="{62F939B6-93AF-4DB8-9C6B-D6C7DFDC589F}" vid="{4A3C46E8-61CC-4603-A589-7422A47A8E4A}"/>
